--- a/presentation.pptx
+++ b/presentation.pptx
@@ -5,7 +5,7 @@
     <p:sldMasterId id="2147483648" r:id="rId1"/>
   </p:sldMasterIdLst>
   <p:notesMasterIdLst>
-    <p:notesMasterId r:id="rId27"/>
+    <p:notesMasterId r:id="rId21"/>
   </p:notesMasterIdLst>
   <p:sldIdLst>
     <p:sldId id="330" r:id="rId3"/>
@@ -21,17 +21,11 @@
     <p:sldId id="282" r:id="rId13"/>
     <p:sldId id="320" r:id="rId14"/>
     <p:sldId id="287" r:id="rId15"/>
-    <p:sldId id="321" r:id="rId16"/>
-    <p:sldId id="329" r:id="rId17"/>
-    <p:sldId id="325" r:id="rId18"/>
-    <p:sldId id="323" r:id="rId19"/>
-    <p:sldId id="324" r:id="rId20"/>
-    <p:sldId id="327" r:id="rId21"/>
-    <p:sldId id="263" r:id="rId22"/>
-    <p:sldId id="298" r:id="rId23"/>
-    <p:sldId id="331" r:id="rId24"/>
-    <p:sldId id="264" r:id="rId25"/>
-    <p:sldId id="297" r:id="rId26"/>
+    <p:sldId id="329" r:id="rId16"/>
+    <p:sldId id="263" r:id="rId17"/>
+    <p:sldId id="298" r:id="rId18"/>
+    <p:sldId id="264" r:id="rId19"/>
+    <p:sldId id="297" r:id="rId20"/>
   </p:sldIdLst>
   <p:sldSz cx="12192000" cy="6858000"/>
   <p:notesSz cx="6858000" cy="9144000"/>
@@ -4317,7 +4311,7 @@
                 <a:latin typeface="Times New Roman" panose="02020603050405020304" charset="0"/>
                 <a:cs typeface="Times New Roman" panose="02020603050405020304" charset="0"/>
               </a:rPr>
-              <a:t>4. Random Forest Model(Tuned) </a:t>
+              <a:t>2. Random Forest Model(Tuned) </a:t>
             </a:r>
             <a:endParaRPr lang="en-GB" altLang="en-US" sz="2000">
               <a:latin typeface="Times New Roman" panose="02020603050405020304" charset="0"/>
@@ -4428,11 +4422,10 @@
             </a:endParaRPr>
           </a:p>
           <a:p>
-            <a:pPr marL="0" indent="0">
+            <a:pPr>
               <a:lnSpc>
                 <a:spcPct val="150000"/>
               </a:lnSpc>
-              <a:buNone/>
             </a:pPr>
             <a:r>
               <a:rPr lang="en-GB" altLang="en-US" sz="2000" b="1" i="0" dirty="0">
@@ -4463,11 +4456,10 @@
             </a:endParaRPr>
           </a:p>
           <a:p>
-            <a:pPr marL="0" indent="0">
+            <a:pPr>
               <a:lnSpc>
                 <a:spcPct val="150000"/>
               </a:lnSpc>
-              <a:buNone/>
             </a:pPr>
             <a:r>
               <a:rPr lang="en-GB" altLang="en-US" sz="2000">
@@ -4537,7 +4529,7 @@
                 <a:latin typeface="Times New Roman" panose="02020603050405020304" charset="0"/>
                 <a:cs typeface="Times New Roman" panose="02020603050405020304" charset="0"/>
               </a:rPr>
-              <a:t>Logistic Regression Model-ROC Curve</a:t>
+              <a:t>Logistic Regression Model-Confusion Matrix</a:t>
             </a:r>
             <a:endParaRPr lang="en-GB" altLang="en-US" sz="3200" b="1">
               <a:latin typeface="Times New Roman" panose="02020603050405020304" charset="0"/>
@@ -4546,32 +4538,6 @@
           </a:p>
         </p:txBody>
       </p:sp>
-      <p:pic>
-        <p:nvPicPr>
-          <p:cNvPr id="4" name="Content Placeholder 3" descr="roc log reg"/>
-          <p:cNvPicPr>
-            <a:picLocks noChangeAspect="1"/>
-          </p:cNvPicPr>
-          <p:nvPr>
-            <p:ph idx="1"/>
-          </p:nvPr>
-        </p:nvPicPr>
-        <p:blipFill>
-          <a:blip r:embed="rId1"/>
-          <a:stretch>
-            <a:fillRect/>
-          </a:stretch>
-        </p:blipFill>
-        <p:spPr>
-          <a:xfrm>
-            <a:off x="1038225" y="1399540"/>
-            <a:ext cx="7680960" cy="5087620"/>
-          </a:xfrm>
-          <a:prstGeom prst="rect">
-            <a:avLst/>
-          </a:prstGeom>
-        </p:spPr>
-      </p:pic>
       <p:sp>
         <p:nvSpPr>
           <p:cNvPr id="5" name="Text Box 4"/>
@@ -4617,7 +4583,7 @@
                 <a:latin typeface="Times New Roman" panose="02020603050405020304" charset="0"/>
                 <a:cs typeface="Times New Roman" panose="02020603050405020304" charset="0"/>
               </a:rPr>
-              <a:t>1.Accuracy Score = 80%</a:t>
+              <a:t>1.Accuracy Score = 76%</a:t>
             </a:r>
             <a:endParaRPr lang="en-GB" altLang="en-US" sz="2000">
               <a:latin typeface="Times New Roman" panose="02020603050405020304" charset="0"/>
@@ -4630,21 +4596,34 @@
               <a:cs typeface="Times New Roman" panose="02020603050405020304" charset="0"/>
             </a:endParaRPr>
           </a:p>
-          <a:p>
-            <a:r>
-              <a:rPr lang="en-GB" altLang="en-US" sz="2000">
-                <a:latin typeface="Times New Roman" panose="02020603050405020304" charset="0"/>
-                <a:cs typeface="Times New Roman" panose="02020603050405020304" charset="0"/>
-              </a:rPr>
-              <a:t>2. AUC = 0.86</a:t>
-            </a:r>
-            <a:endParaRPr lang="en-GB" altLang="en-US" sz="2000">
-              <a:latin typeface="Times New Roman" panose="02020603050405020304" charset="0"/>
-              <a:cs typeface="Times New Roman" panose="02020603050405020304" charset="0"/>
-            </a:endParaRPr>
-          </a:p>
-        </p:txBody>
-      </p:sp>
+        </p:txBody>
+      </p:sp>
+      <p:pic>
+        <p:nvPicPr>
+          <p:cNvPr id="6" name="Content Placeholder 5" descr="conf matrix log reg"/>
+          <p:cNvPicPr>
+            <a:picLocks noChangeAspect="1"/>
+          </p:cNvPicPr>
+          <p:nvPr>
+            <p:ph idx="1"/>
+          </p:nvPr>
+        </p:nvPicPr>
+        <p:blipFill>
+          <a:blip r:embed="rId1"/>
+          <a:stretch>
+            <a:fillRect/>
+          </a:stretch>
+        </p:blipFill>
+        <p:spPr>
+          <a:xfrm>
+            <a:off x="2593340" y="1381125"/>
+            <a:ext cx="6307455" cy="4510405"/>
+          </a:xfrm>
+          <a:prstGeom prst="rect">
+            <a:avLst/>
+          </a:prstGeom>
+        </p:spPr>
+      </p:pic>
     </p:spTree>
   </p:cSld>
   <p:clrMapOvr>
@@ -4697,7 +4676,7 @@
                 <a:latin typeface="Times New Roman" panose="02020603050405020304" charset="0"/>
                 <a:cs typeface="Times New Roman" panose="02020603050405020304" charset="0"/>
               </a:rPr>
-              <a:t>Logistic Regression-Confusion Matrix</a:t>
+              <a:t>Random Forest Model-Confusion Matrix</a:t>
             </a:r>
             <a:endParaRPr lang="en-GB" altLang="en-US" sz="3200" b="1" dirty="0">
               <a:latin typeface="Times New Roman" panose="02020603050405020304" charset="0"/>
@@ -4706,32 +4685,6 @@
           </a:p>
         </p:txBody>
       </p:sp>
-      <p:pic>
-        <p:nvPicPr>
-          <p:cNvPr id="5" name="Content Placeholder 4" descr="Confusion matrix log reg"/>
-          <p:cNvPicPr>
-            <a:picLocks noChangeAspect="1"/>
-          </p:cNvPicPr>
-          <p:nvPr>
-            <p:ph idx="1"/>
-          </p:nvPr>
-        </p:nvPicPr>
-        <p:blipFill>
-          <a:blip r:embed="rId1"/>
-          <a:stretch>
-            <a:fillRect/>
-          </a:stretch>
-        </p:blipFill>
-        <p:spPr>
-          <a:xfrm>
-            <a:off x="938530" y="1289050"/>
-            <a:ext cx="7439660" cy="4732020"/>
-          </a:xfrm>
-          <a:prstGeom prst="rect">
-            <a:avLst/>
-          </a:prstGeom>
-        </p:spPr>
-      </p:pic>
       <p:sp>
         <p:nvSpPr>
           <p:cNvPr id="6" name="Text Box 5"/>
@@ -4753,20 +4706,6 @@
             <a:noAutofit/>
           </a:bodyPr>
           <a:p>
-            <a:r>
-              <a:rPr lang="en-GB" altLang="en-US"/>
-              <a:t>   </a:t>
-            </a:r>
-            <a:r>
-              <a:rPr lang="en-GB" altLang="en-US" sz="2000" b="1" u="sng">
-                <a:latin typeface="Times New Roman" panose="02020603050405020304" charset="0"/>
-                <a:cs typeface="Times New Roman" panose="02020603050405020304" charset="0"/>
-              </a:rPr>
-              <a:t> Interpretation</a:t>
-            </a:r>
-            <a:endParaRPr lang="en-GB" altLang="en-US" b="1" u="sng"/>
-          </a:p>
-          <a:p>
             <a:endParaRPr lang="en-US" altLang="en-GB"/>
           </a:p>
           <a:p>
@@ -4775,13 +4714,14 @@
               <a:buChar char="•"/>
             </a:pPr>
             <a:r>
-              <a:rPr lang="en-US" altLang="en-GB" sz="2000">
-                <a:latin typeface="Times New Roman" panose="02020603050405020304" charset="0"/>
-                <a:cs typeface="Times New Roman" panose="02020603050405020304" charset="0"/>
-              </a:rPr>
-              <a:t>4,328 bookings correctly predicted as non-cancellations</a:t>
-            </a:r>
-            <a:endParaRPr lang="en-US" altLang="en-GB" sz="2000">
+              <a:rPr lang="en-GB" altLang="en-US" sz="2000" b="1" u="sng">
+                <a:latin typeface="Times New Roman" panose="02020603050405020304" charset="0"/>
+                <a:cs typeface="Times New Roman" panose="02020603050405020304" charset="0"/>
+                <a:sym typeface="+mn-ea"/>
+              </a:rPr>
+              <a:t>Overall Metric Score</a:t>
+            </a:r>
+            <a:endParaRPr lang="en-GB" altLang="en-US" sz="2000" b="1" u="sng">
               <a:latin typeface="Times New Roman" panose="02020603050405020304" charset="0"/>
               <a:cs typeface="Times New Roman" panose="02020603050405020304" charset="0"/>
             </a:endParaRPr>
@@ -4791,7 +4731,7 @@
               <a:buFont typeface="Arial" panose="020B0604020202020204" pitchFamily="34" charset="0"/>
               <a:buChar char="•"/>
             </a:pPr>
-            <a:endParaRPr lang="en-US" altLang="en-GB" sz="2000">
+            <a:endParaRPr lang="en-GB" altLang="en-US" sz="2000" b="1" u="sng">
               <a:latin typeface="Times New Roman" panose="02020603050405020304" charset="0"/>
               <a:cs typeface="Times New Roman" panose="02020603050405020304" charset="0"/>
             </a:endParaRPr>
@@ -4802,11 +4742,12 @@
               <a:buChar char="•"/>
             </a:pPr>
             <a:r>
-              <a:rPr lang="en-US" altLang="en-GB" sz="2000">
-                <a:latin typeface="Times New Roman" panose="02020603050405020304" charset="0"/>
-                <a:cs typeface="Times New Roman" panose="02020603050405020304" charset="0"/>
-              </a:rPr>
-              <a:t>1,455 bookings correctly predicted as cancellations</a:t>
+              <a:rPr lang="en-GB" altLang="en-US" sz="2000">
+                <a:latin typeface="Times New Roman" panose="02020603050405020304" charset="0"/>
+                <a:cs typeface="Times New Roman" panose="02020603050405020304" charset="0"/>
+                <a:sym typeface="+mn-ea"/>
+              </a:rPr>
+              <a:t>1.Accuracy Score = 89.6%</a:t>
             </a:r>
             <a:endParaRPr lang="en-US" altLang="en-GB" sz="2000">
               <a:latin typeface="Times New Roman" panose="02020603050405020304" charset="0"/>
@@ -4815,6 +4756,32 @@
           </a:p>
         </p:txBody>
       </p:sp>
+      <p:pic>
+        <p:nvPicPr>
+          <p:cNvPr id="4" name="Content Placeholder 3" descr="conf matrix random forest"/>
+          <p:cNvPicPr>
+            <a:picLocks noChangeAspect="1"/>
+          </p:cNvPicPr>
+          <p:nvPr>
+            <p:ph idx="1"/>
+          </p:nvPr>
+        </p:nvPicPr>
+        <p:blipFill>
+          <a:blip r:embed="rId1"/>
+          <a:stretch>
+            <a:fillRect/>
+          </a:stretch>
+        </p:blipFill>
+        <p:spPr>
+          <a:xfrm>
+            <a:off x="1274445" y="1439545"/>
+            <a:ext cx="6872605" cy="4135755"/>
+          </a:xfrm>
+          <a:prstGeom prst="rect">
+            <a:avLst/>
+          </a:prstGeom>
+        </p:spPr>
+      </p:pic>
     </p:spTree>
   </p:cSld>
   <p:clrMapOvr>
@@ -4832,7 +4799,14 @@
         <p:cNvGrpSpPr/>
         <p:nvPr/>
       </p:nvGrpSpPr>
-      <p:grpSpPr/>
+      <p:grpSpPr>
+        <a:xfrm>
+          <a:off x="0" y="0"/>
+          <a:ext cx="0" cy="0"/>
+          <a:chOff x="0" y="0"/>
+          <a:chExt cx="0" cy="0"/>
+        </a:xfrm>
+      </p:grpSpPr>
       <p:sp>
         <p:nvSpPr>
           <p:cNvPr id="2" name="Title 1"/>
@@ -4845,37 +4819,41 @@
         </p:nvSpPr>
         <p:spPr>
           <a:xfrm>
-            <a:off x="1773555" y="469900"/>
-            <a:ext cx="9425305" cy="725170"/>
+            <a:off x="1640425" y="388525"/>
+            <a:ext cx="8911687" cy="770350"/>
           </a:xfrm>
         </p:spPr>
         <p:txBody>
-          <a:bodyPr/>
-          <a:p>
-            <a:r>
-              <a:rPr lang="en-GB" altLang="en-US" sz="3200" b="1">
-                <a:latin typeface="Times New Roman" panose="02020603050405020304" charset="0"/>
-                <a:cs typeface="Times New Roman" panose="02020603050405020304" charset="0"/>
-              </a:rPr>
-              <a:t>Decision Tree Model(Tuned)-ROC Curve</a:t>
-            </a:r>
-            <a:endParaRPr lang="en-GB" altLang="en-US" sz="3200" b="1">
-              <a:latin typeface="Times New Roman" panose="02020603050405020304" charset="0"/>
-              <a:cs typeface="Times New Roman" panose="02020603050405020304" charset="0"/>
-            </a:endParaRPr>
-          </a:p>
-        </p:txBody>
-      </p:sp>
-      <p:sp>
-        <p:nvSpPr>
-          <p:cNvPr id="5" name="Text Box 4"/>
+          <a:bodyPr>
+            <a:normAutofit/>
+          </a:bodyPr>
+          <a:lstStyle/>
+          <a:p>
+            <a:r>
+              <a:rPr lang="en-GB" altLang="en-US" sz="3200" b="1" dirty="0">
+                <a:latin typeface="Times New Roman" panose="02020603050405020304" charset="0"/>
+                <a:cs typeface="Times New Roman" panose="02020603050405020304" charset="0"/>
+                <a:sym typeface="+mn-ea"/>
+              </a:rPr>
+              <a:t>Decision Tree Model(Tuned) - Confusion Matrix</a:t>
+            </a:r>
+            <a:endParaRPr lang="en-GB" altLang="en-US" sz="3200" b="1" dirty="0">
+              <a:latin typeface="Times New Roman" panose="02020603050405020304" charset="0"/>
+              <a:cs typeface="Times New Roman" panose="02020603050405020304" charset="0"/>
+            </a:endParaRPr>
+          </a:p>
+        </p:txBody>
+      </p:sp>
+      <p:sp>
+        <p:nvSpPr>
+          <p:cNvPr id="6" name="Text Box 5"/>
           <p:cNvSpPr txBox="1"/>
           <p:nvPr/>
         </p:nvSpPr>
         <p:spPr>
           <a:xfrm>
-            <a:off x="8900160" y="1779905"/>
-            <a:ext cx="3291840" cy="1648460"/>
+            <a:off x="8768080" y="1654810"/>
+            <a:ext cx="3424555" cy="2550795"/>
           </a:xfrm>
           <a:prstGeom prst="rect">
             <a:avLst/>
@@ -4888,51 +4866,96 @@
           </a:bodyPr>
           <a:p>
             <a:r>
+              <a:rPr lang="en-GB" altLang="en-US"/>
+              <a:t>   </a:t>
+            </a:r>
+            <a:r>
               <a:rPr lang="en-GB" altLang="en-US" sz="2000" b="1" u="sng">
                 <a:latin typeface="Times New Roman" panose="02020603050405020304" charset="0"/>
                 <a:cs typeface="Times New Roman" panose="02020603050405020304" charset="0"/>
-              </a:rPr>
-              <a:t>Overall Metric Score</a:t>
-            </a:r>
-            <a:endParaRPr lang="en-GB" altLang="en-US" sz="2000" b="1" u="sng">
-              <a:latin typeface="Times New Roman" panose="02020603050405020304" charset="0"/>
-              <a:cs typeface="Times New Roman" panose="02020603050405020304" charset="0"/>
-            </a:endParaRPr>
-          </a:p>
-          <a:p>
-            <a:endParaRPr lang="en-GB" altLang="en-US" sz="2000" b="1" u="sng">
-              <a:latin typeface="Times New Roman" panose="02020603050405020304" charset="0"/>
-              <a:cs typeface="Times New Roman" panose="02020603050405020304" charset="0"/>
-            </a:endParaRPr>
-          </a:p>
-          <a:p>
+                <a:sym typeface="+mn-ea"/>
+              </a:rPr>
+              <a:t>Interpretation</a:t>
+            </a:r>
+            <a:endParaRPr lang="en-GB" altLang="en-US" sz="2000" b="1" u="sng"/>
+          </a:p>
+          <a:p>
+            <a:endParaRPr lang="en-US" altLang="en-GB" sz="2000"/>
+          </a:p>
+          <a:p>
+            <a:pPr marL="285750" indent="-285750" algn="l">
+              <a:buFont typeface="Arial" panose="020B0604020202020204" pitchFamily="34" charset="0"/>
+              <a:buChar char="•"/>
+            </a:pPr>
+            <a:r>
+              <a:rPr lang="en-US" altLang="en-GB" sz="2000">
+                <a:latin typeface="Times New Roman" panose="02020603050405020304" charset="0"/>
+                <a:cs typeface="Times New Roman" panose="02020603050405020304" charset="0"/>
+                <a:sym typeface="+mn-ea"/>
+              </a:rPr>
+              <a:t>4,</a:t>
+            </a:r>
             <a:r>
               <a:rPr lang="en-GB" altLang="en-US" sz="2000">
                 <a:latin typeface="Times New Roman" panose="02020603050405020304" charset="0"/>
                 <a:cs typeface="Times New Roman" panose="02020603050405020304" charset="0"/>
-              </a:rPr>
-              <a:t>1.Accuracy Score = 84%</a:t>
-            </a:r>
-            <a:endParaRPr lang="en-GB" altLang="en-US" sz="2000">
-              <a:latin typeface="Times New Roman" panose="02020603050405020304" charset="0"/>
-              <a:cs typeface="Times New Roman" panose="02020603050405020304" charset="0"/>
-            </a:endParaRPr>
-          </a:p>
-          <a:p>
-            <a:endParaRPr lang="en-GB" altLang="en-US" sz="2000">
-              <a:latin typeface="Times New Roman" panose="02020603050405020304" charset="0"/>
-              <a:cs typeface="Times New Roman" panose="02020603050405020304" charset="0"/>
-            </a:endParaRPr>
-          </a:p>
-          <a:p>
+                <a:sym typeface="+mn-ea"/>
+              </a:rPr>
+              <a:t>199</a:t>
+            </a:r>
+            <a:r>
+              <a:rPr lang="en-US" altLang="en-GB" sz="2000">
+                <a:latin typeface="Times New Roman" panose="02020603050405020304" charset="0"/>
+                <a:cs typeface="Times New Roman" panose="02020603050405020304" charset="0"/>
+                <a:sym typeface="+mn-ea"/>
+              </a:rPr>
+              <a:t> bookings correctly predicted as non-cancellations</a:t>
+            </a:r>
+            <a:endParaRPr lang="en-US" altLang="en-GB" sz="2000">
+              <a:latin typeface="Times New Roman" panose="02020603050405020304" charset="0"/>
+              <a:cs typeface="Times New Roman" panose="02020603050405020304" charset="0"/>
+            </a:endParaRPr>
+          </a:p>
+          <a:p>
+            <a:pPr marL="285750" indent="-285750" algn="l">
+              <a:buFont typeface="Arial" panose="020B0604020202020204" pitchFamily="34" charset="0"/>
+              <a:buChar char="•"/>
+            </a:pPr>
+            <a:endParaRPr lang="en-US" altLang="en-GB" sz="2000">
+              <a:latin typeface="Times New Roman" panose="02020603050405020304" charset="0"/>
+              <a:cs typeface="Times New Roman" panose="02020603050405020304" charset="0"/>
+            </a:endParaRPr>
+          </a:p>
+          <a:p>
+            <a:pPr marL="285750" indent="-285750" algn="l">
+              <a:buFont typeface="Arial" panose="020B0604020202020204" pitchFamily="34" charset="0"/>
+              <a:buChar char="•"/>
+            </a:pPr>
+            <a:r>
+              <a:rPr lang="en-US" altLang="en-GB" sz="2000">
+                <a:latin typeface="Times New Roman" panose="02020603050405020304" charset="0"/>
+                <a:cs typeface="Times New Roman" panose="02020603050405020304" charset="0"/>
+                <a:sym typeface="+mn-ea"/>
+              </a:rPr>
+              <a:t>1,</a:t>
+            </a:r>
             <a:r>
               <a:rPr lang="en-GB" altLang="en-US" sz="2000">
                 <a:latin typeface="Times New Roman" panose="02020603050405020304" charset="0"/>
                 <a:cs typeface="Times New Roman" panose="02020603050405020304" charset="0"/>
-              </a:rPr>
-              <a:t>2. AUC = 0.89</a:t>
-            </a:r>
-            <a:endParaRPr lang="en-GB" altLang="en-US" sz="2000">
+                <a:sym typeface="+mn-ea"/>
+              </a:rPr>
+              <a:t>866</a:t>
+            </a:r>
+            <a:r>
+              <a:rPr lang="en-US" altLang="en-GB" sz="2000">
+                <a:latin typeface="Times New Roman" panose="02020603050405020304" charset="0"/>
+                <a:cs typeface="Times New Roman" panose="02020603050405020304" charset="0"/>
+                <a:sym typeface="+mn-ea"/>
+              </a:rPr>
+              <a:t> bookings correctly predicted as cancellations</a:t>
+            </a:r>
+            <a:endParaRPr lang="en-US" altLang="en-GB" sz="2000">
               <a:latin typeface="Times New Roman" panose="02020603050405020304" charset="0"/>
               <a:cs typeface="Times New Roman" panose="02020603050405020304" charset="0"/>
             </a:endParaRPr>
@@ -4941,7 +4964,7 @@
       </p:sp>
       <p:pic>
         <p:nvPicPr>
-          <p:cNvPr id="6" name="Content Placeholder 5" descr="roc decision tree"/>
+          <p:cNvPr id="4" name="Content Placeholder 3" descr="Confusion matrix decision tree"/>
           <p:cNvPicPr>
             <a:picLocks noChangeAspect="1"/>
           </p:cNvPicPr>
@@ -4957,8 +4980,8 @@
         </p:blipFill>
         <p:spPr>
           <a:xfrm>
-            <a:off x="1356360" y="1404620"/>
-            <a:ext cx="7543165" cy="5144135"/>
+            <a:off x="1082675" y="1460500"/>
+            <a:ext cx="7535545" cy="4776470"/>
           </a:xfrm>
           <a:prstGeom prst="rect">
             <a:avLst/>
@@ -5002,13 +5025,13 @@
         </p:nvSpPr>
         <p:spPr>
           <a:xfrm>
-            <a:off x="1640425" y="388525"/>
-            <a:ext cx="8911687" cy="770350"/>
+            <a:off x="1630045" y="444500"/>
+            <a:ext cx="8828405" cy="514350"/>
           </a:xfrm>
         </p:spPr>
         <p:txBody>
           <a:bodyPr>
-            <a:normAutofit/>
+            <a:normAutofit fontScale="90000"/>
           </a:bodyPr>
           <a:lstStyle/>
           <a:p>
@@ -5016,9 +5039,8 @@
               <a:rPr lang="en-GB" altLang="en-US" sz="3200" b="1" dirty="0">
                 <a:latin typeface="Times New Roman" panose="02020603050405020304" charset="0"/>
                 <a:cs typeface="Times New Roman" panose="02020603050405020304" charset="0"/>
-                <a:sym typeface="+mn-ea"/>
-              </a:rPr>
-              <a:t>Decision Tree Model(Tuned) - Confusion Matrix</a:t>
+              </a:rPr>
+              <a:t>Insights</a:t>
             </a:r>
             <a:endParaRPr lang="en-GB" altLang="en-US" sz="3200" b="1" dirty="0">
               <a:latin typeface="Times New Roman" panose="02020603050405020304" charset="0"/>
@@ -5029,148 +5051,318 @@
       </p:sp>
       <p:sp>
         <p:nvSpPr>
-          <p:cNvPr id="6" name="Text Box 5"/>
-          <p:cNvSpPr txBox="1"/>
-          <p:nvPr/>
+          <p:cNvPr id="3" name="Content Placeholder 2"/>
+          <p:cNvSpPr>
+            <a:spLocks noGrp="1"/>
+          </p:cNvSpPr>
+          <p:nvPr>
+            <p:ph idx="1"/>
+          </p:nvPr>
         </p:nvSpPr>
         <p:spPr>
           <a:xfrm>
-            <a:off x="8768080" y="1654810"/>
-            <a:ext cx="3424555" cy="2550795"/>
+            <a:off x="628650" y="959485"/>
+            <a:ext cx="11335385" cy="5439410"/>
           </a:xfrm>
-          <a:prstGeom prst="rect">
-            <a:avLst/>
-          </a:prstGeom>
-          <a:noFill/>
         </p:spPr>
         <p:txBody>
-          <a:bodyPr wrap="square" rtlCol="0">
+          <a:bodyPr>
             <a:noAutofit/>
           </a:bodyPr>
-          <a:p>
-            <a:r>
-              <a:rPr lang="en-GB" altLang="en-US"/>
-              <a:t>   </a:t>
-            </a:r>
-            <a:r>
-              <a:rPr lang="en-GB" altLang="en-US" sz="2000" b="1" u="sng">
+          <a:lstStyle/>
+          <a:p>
+            <a:pPr marL="0" indent="0">
+              <a:lnSpc>
+                <a:spcPct val="150000"/>
+              </a:lnSpc>
+              <a:buNone/>
+            </a:pPr>
+            <a:r>
+              <a:rPr lang="en-GB" altLang="en-US" sz="1600" dirty="0">
+                <a:latin typeface="Times New Roman" panose="02020603050405020304" charset="0"/>
+                <a:cs typeface="Times New Roman" panose="02020603050405020304" charset="0"/>
+              </a:rPr>
+              <a:t>1</a:t>
+            </a:r>
+            <a:r>
+              <a:rPr lang="en-GB" altLang="en-US" sz="1600" b="1" dirty="0">
+                <a:latin typeface="Times New Roman" panose="02020603050405020304" charset="0"/>
+                <a:cs typeface="Times New Roman" panose="02020603050405020304" charset="0"/>
+              </a:rPr>
+              <a:t>.Logistic Regression Model</a:t>
+            </a:r>
+            <a:endParaRPr lang="en-GB" altLang="en-US" sz="1600" b="1" dirty="0">
+              <a:latin typeface="Times New Roman" panose="02020603050405020304" charset="0"/>
+              <a:cs typeface="Times New Roman" panose="02020603050405020304" charset="0"/>
+            </a:endParaRPr>
+          </a:p>
+          <a:p>
+            <a:pPr>
+              <a:lnSpc>
+                <a:spcPct val="150000"/>
+              </a:lnSpc>
+            </a:pPr>
+            <a:r>
+              <a:rPr lang="en-GB" altLang="en-US" sz="1600" dirty="0">
+                <a:latin typeface="Times New Roman" panose="02020603050405020304" charset="0"/>
+                <a:cs typeface="Times New Roman" panose="02020603050405020304" charset="0"/>
+              </a:rPr>
+              <a:t>Model achieved an accuracy score of 76%</a:t>
+            </a:r>
+            <a:endParaRPr lang="en-GB" altLang="en-US" sz="1600" dirty="0">
+              <a:latin typeface="Times New Roman" panose="02020603050405020304" charset="0"/>
+              <a:cs typeface="Times New Roman" panose="02020603050405020304" charset="0"/>
+            </a:endParaRPr>
+          </a:p>
+          <a:p>
+            <a:pPr>
+              <a:lnSpc>
+                <a:spcPct val="150000"/>
+              </a:lnSpc>
+            </a:pPr>
+            <a:r>
+              <a:rPr lang="en-US" altLang="en-GB" sz="1600" dirty="0">
+                <a:latin typeface="Times New Roman" panose="02020603050405020304" charset="0"/>
+                <a:cs typeface="Times New Roman" panose="02020603050405020304" charset="0"/>
+              </a:rPr>
+              <a:t>The score indicates the model's effectiveness in sentiment classification.</a:t>
+            </a:r>
+            <a:endParaRPr lang="en-US" altLang="en-GB" sz="1600" dirty="0">
+              <a:latin typeface="Times New Roman" panose="02020603050405020304" charset="0"/>
+              <a:cs typeface="Times New Roman" panose="02020603050405020304" charset="0"/>
+            </a:endParaRPr>
+          </a:p>
+          <a:p>
+            <a:pPr marL="0" indent="0">
+              <a:lnSpc>
+                <a:spcPct val="150000"/>
+              </a:lnSpc>
+              <a:buNone/>
+            </a:pPr>
+            <a:endParaRPr lang="en-GB" altLang="en-US" sz="1600" dirty="0">
+              <a:latin typeface="Times New Roman" panose="02020603050405020304" charset="0"/>
+              <a:cs typeface="Times New Roman" panose="02020603050405020304" charset="0"/>
+            </a:endParaRPr>
+          </a:p>
+          <a:p>
+            <a:pPr marL="0" indent="0">
+              <a:lnSpc>
+                <a:spcPct val="150000"/>
+              </a:lnSpc>
+              <a:buNone/>
+            </a:pPr>
+            <a:r>
+              <a:rPr lang="en-US" altLang="en-GB" sz="1600" b="1">
+                <a:latin typeface="Times New Roman" panose="02020603050405020304" charset="0"/>
+                <a:cs typeface="Times New Roman" panose="02020603050405020304" charset="0"/>
+              </a:rPr>
+              <a:t>2.</a:t>
+            </a:r>
+            <a:r>
+              <a:rPr lang="en-GB" altLang="en-US" sz="1600" b="1">
+                <a:latin typeface="Times New Roman" panose="02020603050405020304" charset="0"/>
+                <a:cs typeface="Times New Roman" panose="02020603050405020304" charset="0"/>
+              </a:rPr>
+              <a:t> Random Forest Model </a:t>
+            </a:r>
+            <a:endParaRPr lang="en-GB" altLang="en-US" sz="1600" b="1">
+              <a:latin typeface="Times New Roman" panose="02020603050405020304" charset="0"/>
+              <a:cs typeface="Times New Roman" panose="02020603050405020304" charset="0"/>
+            </a:endParaRPr>
+          </a:p>
+          <a:p>
+            <a:pPr>
+              <a:lnSpc>
+                <a:spcPct val="150000"/>
+              </a:lnSpc>
+            </a:pPr>
+            <a:r>
+              <a:rPr lang="en-GB" altLang="en-US" sz="1600" dirty="0">
                 <a:latin typeface="Times New Roman" panose="02020603050405020304" charset="0"/>
                 <a:cs typeface="Times New Roman" panose="02020603050405020304" charset="0"/>
                 <a:sym typeface="+mn-ea"/>
               </a:rPr>
-              <a:t>Interpretation</a:t>
-            </a:r>
-            <a:endParaRPr lang="en-GB" altLang="en-US" sz="2000" b="1" u="sng"/>
-          </a:p>
-          <a:p>
-            <a:endParaRPr lang="en-US" altLang="en-GB" sz="2000"/>
-          </a:p>
-          <a:p>
-            <a:pPr marL="285750" indent="-285750" algn="l">
-              <a:buFont typeface="Arial" panose="020B0604020202020204" pitchFamily="34" charset="0"/>
-              <a:buChar char="•"/>
+              <a:t>Model achieved an accuracy score of 89.6%. </a:t>
+            </a:r>
+            <a:r>
+              <a:rPr lang="en-US" altLang="en-GB" sz="1600" dirty="0">
+                <a:latin typeface="Times New Roman" panose="02020603050405020304" charset="0"/>
+                <a:cs typeface="Times New Roman" panose="02020603050405020304" charset="0"/>
+                <a:sym typeface="+mn-ea"/>
+              </a:rPr>
+              <a:t>This shows its ability to capture complex sentiment patterns in tweets.</a:t>
+            </a:r>
+            <a:endParaRPr lang="en-GB" altLang="en-US" sz="1600" dirty="0">
+              <a:latin typeface="Times New Roman" panose="02020603050405020304" charset="0"/>
+              <a:cs typeface="Times New Roman" panose="02020603050405020304" charset="0"/>
+              <a:sym typeface="+mn-ea"/>
+            </a:endParaRPr>
+          </a:p>
+          <a:p>
+            <a:pPr>
+              <a:lnSpc>
+                <a:spcPct val="150000"/>
+              </a:lnSpc>
             </a:pPr>
             <a:r>
-              <a:rPr lang="en-US" altLang="en-GB" sz="2000">
-                <a:latin typeface="Times New Roman" panose="02020603050405020304" charset="0"/>
-                <a:cs typeface="Times New Roman" panose="02020603050405020304" charset="0"/>
-                <a:sym typeface="+mn-ea"/>
-              </a:rPr>
-              <a:t>4,</a:t>
-            </a:r>
-            <a:r>
-              <a:rPr lang="en-GB" altLang="en-US" sz="2000">
-                <a:latin typeface="Times New Roman" panose="02020603050405020304" charset="0"/>
-                <a:cs typeface="Times New Roman" panose="02020603050405020304" charset="0"/>
-                <a:sym typeface="+mn-ea"/>
-              </a:rPr>
-              <a:t>199</a:t>
-            </a:r>
-            <a:r>
-              <a:rPr lang="en-US" altLang="en-GB" sz="2000">
-                <a:latin typeface="Times New Roman" panose="02020603050405020304" charset="0"/>
-                <a:cs typeface="Times New Roman" panose="02020603050405020304" charset="0"/>
-                <a:sym typeface="+mn-ea"/>
-              </a:rPr>
-              <a:t> bookings correctly predicted as non-cancellations</a:t>
-            </a:r>
-            <a:endParaRPr lang="en-US" altLang="en-GB" sz="2000">
-              <a:latin typeface="Times New Roman" panose="02020603050405020304" charset="0"/>
-              <a:cs typeface="Times New Roman" panose="02020603050405020304" charset="0"/>
-            </a:endParaRPr>
-          </a:p>
-          <a:p>
-            <a:pPr marL="285750" indent="-285750" algn="l">
-              <a:buFont typeface="Arial" panose="020B0604020202020204" pitchFamily="34" charset="0"/>
-              <a:buChar char="•"/>
+              <a:rPr lang="en-GB" altLang="en-US" sz="1600" dirty="0">
+                <a:latin typeface="Times New Roman" panose="02020603050405020304" charset="0"/>
+                <a:cs typeface="Times New Roman" panose="02020603050405020304" charset="0"/>
+              </a:rPr>
+              <a:t>It also </a:t>
+            </a:r>
+            <a:r>
+              <a:rPr lang="en-US" altLang="en-GB" sz="1600" dirty="0">
+                <a:latin typeface="Times New Roman" panose="02020603050405020304" charset="0"/>
+                <a:cs typeface="Times New Roman" panose="02020603050405020304" charset="0"/>
+              </a:rPr>
+              <a:t>suggests that the Random Forest model is more adept at identifying sentiment nuances compared to logistic regression.</a:t>
+            </a:r>
+            <a:endParaRPr lang="en-US" altLang="en-GB" sz="1600" dirty="0">
+              <a:latin typeface="Times New Roman" panose="02020603050405020304" charset="0"/>
+              <a:cs typeface="Times New Roman" panose="02020603050405020304" charset="0"/>
+            </a:endParaRPr>
+          </a:p>
+          <a:p>
+            <a:pPr>
+              <a:lnSpc>
+                <a:spcPct val="150000"/>
+              </a:lnSpc>
             </a:pPr>
-            <a:endParaRPr lang="en-US" altLang="en-GB" sz="2000">
-              <a:latin typeface="Times New Roman" panose="02020603050405020304" charset="0"/>
-              <a:cs typeface="Times New Roman" panose="02020603050405020304" charset="0"/>
-            </a:endParaRPr>
-          </a:p>
-          <a:p>
-            <a:pPr marL="285750" indent="-285750" algn="l">
-              <a:buFont typeface="Arial" panose="020B0604020202020204" pitchFamily="34" charset="0"/>
-              <a:buChar char="•"/>
+            <a:endParaRPr lang="en-US" altLang="en-GB" sz="1600" dirty="0">
+              <a:latin typeface="Times New Roman" panose="02020603050405020304" charset="0"/>
+              <a:cs typeface="Times New Roman" panose="02020603050405020304" charset="0"/>
+            </a:endParaRPr>
+          </a:p>
+          <a:p>
+            <a:pPr marL="0" indent="0">
+              <a:lnSpc>
+                <a:spcPct val="150000"/>
+              </a:lnSpc>
+              <a:buNone/>
             </a:pPr>
             <a:r>
-              <a:rPr lang="en-US" altLang="en-GB" sz="2000">
-                <a:latin typeface="Times New Roman" panose="02020603050405020304" charset="0"/>
-                <a:cs typeface="Times New Roman" panose="02020603050405020304" charset="0"/>
-                <a:sym typeface="+mn-ea"/>
-              </a:rPr>
-              <a:t>1,</a:t>
-            </a:r>
-            <a:r>
-              <a:rPr lang="en-GB" altLang="en-US" sz="2000">
-                <a:latin typeface="Times New Roman" panose="02020603050405020304" charset="0"/>
-                <a:cs typeface="Times New Roman" panose="02020603050405020304" charset="0"/>
-                <a:sym typeface="+mn-ea"/>
-              </a:rPr>
-              <a:t>866</a:t>
-            </a:r>
-            <a:r>
-              <a:rPr lang="en-US" altLang="en-GB" sz="2000">
-                <a:latin typeface="Times New Roman" panose="02020603050405020304" charset="0"/>
-                <a:cs typeface="Times New Roman" panose="02020603050405020304" charset="0"/>
-                <a:sym typeface="+mn-ea"/>
-              </a:rPr>
-              <a:t> bookings correctly predicted as cancellations</a:t>
-            </a:r>
-            <a:endParaRPr lang="en-US" altLang="en-GB" sz="2000">
-              <a:latin typeface="Times New Roman" panose="02020603050405020304" charset="0"/>
-              <a:cs typeface="Times New Roman" panose="02020603050405020304" charset="0"/>
-            </a:endParaRPr>
-          </a:p>
-        </p:txBody>
-      </p:sp>
-      <p:pic>
-        <p:nvPicPr>
-          <p:cNvPr id="4" name="Content Placeholder 3" descr="Confusion matrix decision tree"/>
-          <p:cNvPicPr>
-            <a:picLocks noChangeAspect="1"/>
-          </p:cNvPicPr>
-          <p:nvPr>
-            <p:ph idx="1"/>
-          </p:nvPr>
-        </p:nvPicPr>
-        <p:blipFill>
-          <a:blip r:embed="rId1"/>
-          <a:stretch>
-            <a:fillRect/>
-          </a:stretch>
-        </p:blipFill>
-        <p:spPr>
-          <a:xfrm>
-            <a:off x="1082675" y="1460500"/>
-            <a:ext cx="7535545" cy="4776470"/>
-          </a:xfrm>
-          <a:prstGeom prst="rect">
-            <a:avLst/>
-          </a:prstGeom>
-        </p:spPr>
-      </p:pic>
+              <a:rPr lang="en-GB" altLang="en-US" sz="1600" b="1" dirty="0">
+                <a:latin typeface="Times New Roman" panose="02020603050405020304" charset="0"/>
+                <a:cs typeface="Times New Roman" panose="02020603050405020304" charset="0"/>
+              </a:rPr>
+              <a:t>3. Business Insights</a:t>
+            </a:r>
+            <a:endParaRPr lang="en-GB" altLang="en-US" sz="1600" b="1" dirty="0">
+              <a:latin typeface="Times New Roman" panose="02020603050405020304" charset="0"/>
+              <a:cs typeface="Times New Roman" panose="02020603050405020304" charset="0"/>
+            </a:endParaRPr>
+          </a:p>
+          <a:p>
+            <a:pPr>
+              <a:lnSpc>
+                <a:spcPct val="150000"/>
+              </a:lnSpc>
+            </a:pPr>
+            <a:r>
+              <a:rPr lang="en-GB" altLang="en-US" sz="1600" dirty="0">
+                <a:latin typeface="Times New Roman" panose="02020603050405020304" charset="0"/>
+                <a:cs typeface="Times New Roman" panose="02020603050405020304" charset="0"/>
+              </a:rPr>
+              <a:t>T</a:t>
+            </a:r>
+            <a:r>
+              <a:rPr lang="en-US" altLang="en-GB" sz="1600" dirty="0">
+                <a:latin typeface="Times New Roman" panose="02020603050405020304" charset="0"/>
+                <a:cs typeface="Times New Roman" panose="02020603050405020304" charset="0"/>
+              </a:rPr>
+              <a:t>he Random Forest model can serve as a reliable tool for analyzing sentiment toward products, brands, and public figures.</a:t>
+            </a:r>
+            <a:endParaRPr lang="en-US" altLang="en-GB" sz="1600" dirty="0">
+              <a:latin typeface="Times New Roman" panose="02020603050405020304" charset="0"/>
+              <a:cs typeface="Times New Roman" panose="02020603050405020304" charset="0"/>
+            </a:endParaRPr>
+          </a:p>
+          <a:p>
+            <a:pPr>
+              <a:lnSpc>
+                <a:spcPct val="150000"/>
+              </a:lnSpc>
+            </a:pPr>
+            <a:r>
+              <a:rPr lang="en-US" altLang="en-GB" sz="1600" dirty="0">
+                <a:latin typeface="Times New Roman" panose="02020603050405020304" charset="0"/>
+                <a:cs typeface="Times New Roman" panose="02020603050405020304" charset="0"/>
+              </a:rPr>
+              <a:t>The ability to </a:t>
+            </a:r>
+            <a:r>
+              <a:rPr lang="en-GB" altLang="en-US" sz="1600" dirty="0">
+                <a:latin typeface="Times New Roman" panose="02020603050405020304" charset="0"/>
+                <a:cs typeface="Times New Roman" panose="02020603050405020304" charset="0"/>
+              </a:rPr>
+              <a:t>of the model to </a:t>
+            </a:r>
+            <a:r>
+              <a:rPr lang="en-US" altLang="en-GB" sz="1600" dirty="0">
+                <a:latin typeface="Times New Roman" panose="02020603050405020304" charset="0"/>
+                <a:cs typeface="Times New Roman" panose="02020603050405020304" charset="0"/>
+              </a:rPr>
+              <a:t>classify tweets as Positive, Negative</a:t>
+            </a:r>
+            <a:r>
+              <a:rPr lang="en-GB" altLang="en-US" sz="1600" dirty="0">
+                <a:latin typeface="Times New Roman" panose="02020603050405020304" charset="0"/>
+                <a:cs typeface="Times New Roman" panose="02020603050405020304" charset="0"/>
+              </a:rPr>
+              <a:t> or </a:t>
+            </a:r>
+            <a:r>
+              <a:rPr lang="en-US" altLang="en-GB" sz="1600" dirty="0">
+                <a:latin typeface="Times New Roman" panose="02020603050405020304" charset="0"/>
+                <a:cs typeface="Times New Roman" panose="02020603050405020304" charset="0"/>
+              </a:rPr>
+              <a:t>Neutral </a:t>
+            </a:r>
+            <a:r>
+              <a:rPr lang="en-GB" altLang="en-US" sz="1600" dirty="0">
+                <a:latin typeface="Times New Roman" panose="02020603050405020304" charset="0"/>
+                <a:cs typeface="Times New Roman" panose="02020603050405020304" charset="0"/>
+              </a:rPr>
+              <a:t>will enable</a:t>
+            </a:r>
+            <a:r>
+              <a:rPr lang="en-US" altLang="en-GB" sz="1600" dirty="0">
+                <a:latin typeface="Times New Roman" panose="02020603050405020304" charset="0"/>
+                <a:cs typeface="Times New Roman" panose="02020603050405020304" charset="0"/>
+              </a:rPr>
+              <a:t> businesses to refine their marketing strategies, manage their brand reputation, and enhance customer engagement.</a:t>
+            </a:r>
+            <a:endParaRPr lang="en-US" altLang="en-GB" sz="1600" dirty="0">
+              <a:latin typeface="Times New Roman" panose="02020603050405020304" charset="0"/>
+              <a:cs typeface="Times New Roman" panose="02020603050405020304" charset="0"/>
+            </a:endParaRPr>
+          </a:p>
+          <a:p>
+            <a:pPr>
+              <a:lnSpc>
+                <a:spcPct val="150000"/>
+              </a:lnSpc>
+            </a:pPr>
+            <a:endParaRPr lang="en-GB" altLang="en-US" sz="1600" b="1">
+              <a:latin typeface="Times New Roman" panose="02020603050405020304" charset="0"/>
+              <a:cs typeface="Times New Roman" panose="02020603050405020304" charset="0"/>
+            </a:endParaRPr>
+          </a:p>
+          <a:p>
+            <a:pPr marL="0" indent="0">
+              <a:lnSpc>
+                <a:spcPct val="150000"/>
+              </a:lnSpc>
+              <a:buNone/>
+            </a:pPr>
+            <a:endParaRPr lang="en-US" altLang="en-GB" sz="1600">
+              <a:latin typeface="Times New Roman" panose="02020603050405020304" charset="0"/>
+              <a:cs typeface="Times New Roman" panose="02020603050405020304" charset="0"/>
+            </a:endParaRPr>
+          </a:p>
+        </p:txBody>
+      </p:sp>
     </p:spTree>
   </p:cSld>
   <p:clrMapOvr>
@@ -5188,7 +5380,14 @@
         <p:cNvGrpSpPr/>
         <p:nvPr/>
       </p:nvGrpSpPr>
-      <p:grpSpPr/>
+      <p:grpSpPr>
+        <a:xfrm>
+          <a:off x="0" y="0"/>
+          <a:ext cx="0" cy="0"/>
+          <a:chOff x="0" y="0"/>
+          <a:chExt cx="0" cy="0"/>
+        </a:xfrm>
+      </p:grpSpPr>
       <p:sp>
         <p:nvSpPr>
           <p:cNvPr id="2" name="Title 1"/>
@@ -5201,126 +5400,149 @@
         </p:nvSpPr>
         <p:spPr>
           <a:xfrm>
-            <a:off x="1870710" y="469900"/>
-            <a:ext cx="9328150" cy="655320"/>
+            <a:off x="2106295" y="624205"/>
+            <a:ext cx="9398000" cy="669925"/>
           </a:xfrm>
         </p:spPr>
         <p:txBody>
           <a:bodyPr/>
-          <a:p>
-            <a:r>
-              <a:rPr lang="en-GB" altLang="en-US" sz="3200" b="1">
-                <a:latin typeface="Times New Roman" panose="02020603050405020304" charset="0"/>
-                <a:cs typeface="Times New Roman" panose="02020603050405020304" charset="0"/>
-              </a:rPr>
-              <a:t>Random Forest(Untuned)-ROC Curve</a:t>
-            </a:r>
-            <a:endParaRPr lang="en-GB" altLang="en-US" sz="3200" b="1">
-              <a:latin typeface="Times New Roman" panose="02020603050405020304" charset="0"/>
-              <a:cs typeface="Times New Roman" panose="02020603050405020304" charset="0"/>
-            </a:endParaRPr>
-          </a:p>
-        </p:txBody>
-      </p:sp>
-      <p:sp>
-        <p:nvSpPr>
-          <p:cNvPr id="5" name="Text Box 4"/>
-          <p:cNvSpPr txBox="1"/>
-          <p:nvPr/>
+          <a:lstStyle/>
+          <a:p>
+            <a:pPr algn="l"/>
+            <a:r>
+              <a:rPr lang="en-GB" altLang="en-US" sz="3200" b="1" dirty="0">
+                <a:latin typeface="Times New Roman" panose="02020603050405020304" charset="0"/>
+                <a:cs typeface="Times New Roman" panose="02020603050405020304" charset="0"/>
+              </a:rPr>
+              <a:t>    Conclusion</a:t>
+            </a:r>
+            <a:endParaRPr lang="en-GB" altLang="en-US" sz="3200" b="1" dirty="0">
+              <a:latin typeface="Times New Roman" panose="02020603050405020304" charset="0"/>
+              <a:cs typeface="Times New Roman" panose="02020603050405020304" charset="0"/>
+            </a:endParaRPr>
+          </a:p>
+        </p:txBody>
+      </p:sp>
+      <p:sp>
+        <p:nvSpPr>
+          <p:cNvPr id="3" name="Content Placeholder 2"/>
+          <p:cNvSpPr>
+            <a:spLocks noGrp="1"/>
+          </p:cNvSpPr>
+          <p:nvPr>
+            <p:ph idx="1"/>
+          </p:nvPr>
         </p:nvSpPr>
         <p:spPr>
           <a:xfrm>
-            <a:off x="8580120" y="1779905"/>
-            <a:ext cx="3611880" cy="1787525"/>
+            <a:off x="946150" y="1391285"/>
+            <a:ext cx="9862185" cy="4022090"/>
           </a:xfrm>
-          <a:prstGeom prst="rect">
-            <a:avLst/>
-          </a:prstGeom>
-          <a:noFill/>
         </p:spPr>
         <p:txBody>
-          <a:bodyPr wrap="square" rtlCol="0">
-            <a:noAutofit/>
+          <a:bodyPr>
+            <a:normAutofit/>
           </a:bodyPr>
-          <a:p>
-            <a:r>
-              <a:rPr lang="en-GB" altLang="en-US" sz="2000" b="1" u="sng">
-                <a:latin typeface="Times New Roman" panose="02020603050405020304" charset="0"/>
-                <a:cs typeface="Times New Roman" panose="02020603050405020304" charset="0"/>
-              </a:rPr>
-              <a:t>Overall Metric Score</a:t>
-            </a:r>
-            <a:endParaRPr lang="en-GB" altLang="en-US" sz="2000" b="1" u="sng">
-              <a:latin typeface="Times New Roman" panose="02020603050405020304" charset="0"/>
-              <a:cs typeface="Times New Roman" panose="02020603050405020304" charset="0"/>
-            </a:endParaRPr>
-          </a:p>
-          <a:p>
-            <a:endParaRPr lang="en-GB" altLang="en-US" sz="2000" b="1" u="sng">
-              <a:latin typeface="Times New Roman" panose="02020603050405020304" charset="0"/>
-              <a:cs typeface="Times New Roman" panose="02020603050405020304" charset="0"/>
-            </a:endParaRPr>
-          </a:p>
-          <a:p>
-            <a:r>
-              <a:rPr lang="en-GB" altLang="en-US" sz="2000">
-                <a:latin typeface="Times New Roman" panose="02020603050405020304" charset="0"/>
-                <a:cs typeface="Times New Roman" panose="02020603050405020304" charset="0"/>
-              </a:rPr>
-              <a:t>1.Accuracy Score = 85%</a:t>
-            </a:r>
-            <a:endParaRPr lang="en-GB" altLang="en-US" sz="2000">
-              <a:latin typeface="Times New Roman" panose="02020603050405020304" charset="0"/>
-              <a:cs typeface="Times New Roman" panose="02020603050405020304" charset="0"/>
-            </a:endParaRPr>
-          </a:p>
-          <a:p>
-            <a:endParaRPr lang="en-GB" altLang="en-US" sz="2000">
-              <a:latin typeface="Times New Roman" panose="02020603050405020304" charset="0"/>
-              <a:cs typeface="Times New Roman" panose="02020603050405020304" charset="0"/>
-            </a:endParaRPr>
-          </a:p>
-          <a:p>
-            <a:r>
-              <a:rPr lang="en-GB" altLang="en-US" sz="2000">
-                <a:latin typeface="Times New Roman" panose="02020603050405020304" charset="0"/>
-                <a:cs typeface="Times New Roman" panose="02020603050405020304" charset="0"/>
-              </a:rPr>
-              <a:t>2. AUC = 0.91</a:t>
-            </a:r>
-            <a:endParaRPr lang="en-GB" altLang="en-US" sz="2000">
-              <a:latin typeface="Times New Roman" panose="02020603050405020304" charset="0"/>
-              <a:cs typeface="Times New Roman" panose="02020603050405020304" charset="0"/>
-            </a:endParaRPr>
-          </a:p>
-        </p:txBody>
-      </p:sp>
-      <p:pic>
-        <p:nvPicPr>
-          <p:cNvPr id="4" name="Content Placeholder 3" descr="Untuned RF ROC"/>
-          <p:cNvPicPr>
-            <a:picLocks noChangeAspect="1"/>
-          </p:cNvPicPr>
-          <p:nvPr>
-            <p:ph idx="1"/>
-          </p:nvPr>
-        </p:nvPicPr>
-        <p:blipFill>
-          <a:blip r:embed="rId1"/>
-          <a:stretch>
-            <a:fillRect/>
-          </a:stretch>
-        </p:blipFill>
-        <p:spPr>
-          <a:xfrm>
-            <a:off x="1221105" y="1330960"/>
-            <a:ext cx="7359650" cy="5259705"/>
-          </a:xfrm>
-          <a:prstGeom prst="rect">
-            <a:avLst/>
-          </a:prstGeom>
-        </p:spPr>
-      </p:pic>
+          <a:lstStyle/>
+          <a:p>
+            <a:pPr marL="0" indent="0">
+              <a:buNone/>
+            </a:pPr>
+            <a:r>
+              <a:rPr lang="en-GB" altLang="en-US" sz="2000" dirty="0">
+                <a:latin typeface="Times New Roman" panose="02020603050405020304" charset="0"/>
+                <a:cs typeface="Times New Roman" panose="02020603050405020304" charset="0"/>
+              </a:rPr>
+              <a:t>The overall objective of this project which was to develop an  e</a:t>
+            </a:r>
+            <a:r>
+              <a:rPr lang="en-US" altLang="en-GB" sz="2000" dirty="0">
+                <a:latin typeface="Times New Roman" panose="02020603050405020304" charset="0"/>
+                <a:cs typeface="Times New Roman" panose="02020603050405020304" charset="0"/>
+              </a:rPr>
+              <a:t>ntity-level sentiment analysis model that can accurately classify tweets as Positive, Negative, Neutral or Irrelevant </a:t>
+            </a:r>
+            <a:r>
+              <a:rPr lang="en-GB" altLang="en-US" sz="2000" dirty="0">
+                <a:latin typeface="Times New Roman" panose="02020603050405020304" charset="0"/>
+                <a:cs typeface="Times New Roman" panose="02020603050405020304" charset="0"/>
+              </a:rPr>
+              <a:t>was achieved.</a:t>
+            </a:r>
+            <a:endParaRPr lang="en-GB" altLang="en-US" sz="2000" dirty="0">
+              <a:latin typeface="Times New Roman" panose="02020603050405020304" charset="0"/>
+              <a:cs typeface="Times New Roman" panose="02020603050405020304" charset="0"/>
+            </a:endParaRPr>
+          </a:p>
+          <a:p>
+            <a:pPr marL="0" indent="0">
+              <a:buNone/>
+            </a:pPr>
+            <a:endParaRPr lang="en-US" altLang="en-GB" sz="2000" dirty="0">
+              <a:latin typeface="Times New Roman" panose="02020603050405020304" charset="0"/>
+              <a:cs typeface="Times New Roman" panose="02020603050405020304" charset="0"/>
+            </a:endParaRPr>
+          </a:p>
+          <a:p>
+            <a:pPr marL="0" indent="0">
+              <a:buNone/>
+            </a:pPr>
+            <a:r>
+              <a:rPr lang="en-GB" altLang="en-US" sz="2000" dirty="0">
+                <a:latin typeface="Times New Roman" panose="02020603050405020304" charset="0"/>
+                <a:cs typeface="Times New Roman" panose="02020603050405020304" charset="0"/>
+                <a:sym typeface="+mn-ea"/>
+              </a:rPr>
+              <a:t>I concluded that the </a:t>
+            </a:r>
+            <a:r>
+              <a:rPr lang="en-GB" altLang="en-US" sz="2000" b="1" dirty="0">
+                <a:latin typeface="Times New Roman" panose="02020603050405020304" charset="0"/>
+                <a:cs typeface="Times New Roman" panose="02020603050405020304" charset="0"/>
+                <a:sym typeface="+mn-ea"/>
+              </a:rPr>
+              <a:t>Random Forest Model</a:t>
+            </a:r>
+            <a:r>
+              <a:rPr lang="en-GB" altLang="en-US" sz="2000" dirty="0">
+                <a:latin typeface="Times New Roman" panose="02020603050405020304" charset="0"/>
+                <a:cs typeface="Times New Roman" panose="02020603050405020304" charset="0"/>
+                <a:sym typeface="+mn-ea"/>
+              </a:rPr>
+              <a:t> with an</a:t>
+            </a:r>
+            <a:r>
+              <a:rPr lang="en-GB" altLang="en-US" sz="2000" b="1" dirty="0">
+                <a:latin typeface="Times New Roman" panose="02020603050405020304" charset="0"/>
+                <a:cs typeface="Times New Roman" panose="02020603050405020304" charset="0"/>
+                <a:sym typeface="+mn-ea"/>
+              </a:rPr>
+              <a:t> Accuracy Score of 89.6%</a:t>
+            </a:r>
+            <a:r>
+              <a:rPr lang="en-GB" altLang="en-US" sz="2000" dirty="0">
+                <a:latin typeface="Times New Roman" panose="02020603050405020304" charset="0"/>
+                <a:cs typeface="Times New Roman" panose="02020603050405020304" charset="0"/>
+                <a:sym typeface="+mn-ea"/>
+              </a:rPr>
+              <a:t>  is the best model for this particular Sentiment Analysis Classification task.</a:t>
+            </a:r>
+            <a:endParaRPr lang="en-GB" altLang="en-US" sz="2000" dirty="0">
+              <a:latin typeface="Times New Roman" panose="02020603050405020304" charset="0"/>
+              <a:cs typeface="Times New Roman" panose="02020603050405020304" charset="0"/>
+            </a:endParaRPr>
+          </a:p>
+          <a:p>
+            <a:pPr marL="0" indent="0">
+              <a:buNone/>
+            </a:pPr>
+            <a:endParaRPr lang="en-US" altLang="en-GB" sz="2000" dirty="0">
+              <a:latin typeface="Times New Roman" panose="02020603050405020304" charset="0"/>
+              <a:cs typeface="Times New Roman" panose="02020603050405020304" charset="0"/>
+            </a:endParaRPr>
+          </a:p>
+        </p:txBody>
+      </p:sp>
     </p:spTree>
   </p:cSld>
   <p:clrMapOvr>
@@ -5338,48 +5560,24 @@
         <p:cNvGrpSpPr/>
         <p:nvPr/>
       </p:nvGrpSpPr>
-      <p:grpSpPr/>
-      <p:sp>
-        <p:nvSpPr>
-          <p:cNvPr id="2" name="Title 1"/>
-          <p:cNvSpPr>
-            <a:spLocks noGrp="1"/>
-          </p:cNvSpPr>
-          <p:nvPr>
-            <p:ph type="title"/>
-          </p:nvPr>
+      <p:grpSpPr>
+        <a:xfrm>
+          <a:off x="0" y="0"/>
+          <a:ext cx="0" cy="0"/>
+          <a:chOff x="0" y="0"/>
+          <a:chExt cx="0" cy="0"/>
+        </a:xfrm>
+      </p:grpSpPr>
+      <p:sp>
+        <p:nvSpPr>
+          <p:cNvPr id="4" name="Rectangle 3"/>
+          <p:cNvSpPr/>
+          <p:nvPr/>
         </p:nvSpPr>
         <p:spPr>
           <a:xfrm>
-            <a:off x="1965960" y="624205"/>
-            <a:ext cx="9538335" cy="724535"/>
-          </a:xfrm>
-        </p:spPr>
-        <p:txBody>
-          <a:bodyPr/>
-          <a:p>
-            <a:r>
-              <a:rPr lang="en-GB" altLang="en-US" sz="3200" b="1">
-                <a:latin typeface="Times New Roman" panose="02020603050405020304" charset="0"/>
-                <a:cs typeface="Times New Roman" panose="02020603050405020304" charset="0"/>
-                <a:sym typeface="+mn-ea"/>
-              </a:rPr>
-              <a:t>Random Forest(Tuned)-ROC Curve</a:t>
-            </a:r>
-            <a:endParaRPr lang="en-GB" altLang="en-US" sz="3200"/>
-          </a:p>
-        </p:txBody>
-      </p:sp>
-      <p:sp>
-        <p:nvSpPr>
-          <p:cNvPr id="5" name="Text Box 4"/>
-          <p:cNvSpPr txBox="1"/>
-          <p:nvPr/>
-        </p:nvSpPr>
-        <p:spPr>
-          <a:xfrm>
-            <a:off x="8458835" y="1945640"/>
-            <a:ext cx="3691890" cy="1630045"/>
+            <a:off x="4017962" y="2967335"/>
+            <a:ext cx="4156075" cy="1014730"/>
           </a:xfrm>
           <a:prstGeom prst="rect">
             <a:avLst/>
@@ -5387,91 +5585,52 @@
           <a:noFill/>
         </p:spPr>
         <p:txBody>
-          <a:bodyPr wrap="square" rtlCol="0" anchor="t">
+          <a:bodyPr wrap="none" lIns="91440" tIns="45720" rIns="91440" bIns="45720">
             <a:spAutoFit/>
+            <a:scene3d>
+              <a:camera prst="orthographicFront"/>
+              <a:lightRig rig="soft" dir="t">
+                <a:rot lat="0" lon="0" rev="15600000"/>
+              </a:lightRig>
+            </a:scene3d>
+            <a:sp3d extrusionH="57150" prstMaterial="softEdge">
+              <a:bevelT w="25400" h="38100"/>
+            </a:sp3d>
           </a:bodyPr>
-          <a:p>
-            <a:r>
-              <a:rPr lang="en-GB" altLang="en-US" sz="2000" b="1" u="sng">
-                <a:latin typeface="Times New Roman" panose="02020603050405020304" charset="0"/>
-                <a:cs typeface="Times New Roman" panose="02020603050405020304" charset="0"/>
-              </a:rPr>
-              <a:t>Overall Metric Score</a:t>
-            </a:r>
-            <a:endParaRPr lang="en-GB" altLang="en-US" sz="2000" b="1" u="sng">
-              <a:latin typeface="Times New Roman" panose="02020603050405020304" charset="0"/>
-              <a:cs typeface="Times New Roman" panose="02020603050405020304" charset="0"/>
-            </a:endParaRPr>
-          </a:p>
-          <a:p>
-            <a:endParaRPr lang="en-GB" altLang="en-US" sz="2000" b="1" u="sng">
-              <a:latin typeface="Times New Roman" panose="02020603050405020304" charset="0"/>
-              <a:cs typeface="Times New Roman" panose="02020603050405020304" charset="0"/>
-            </a:endParaRPr>
-          </a:p>
-          <a:p>
-            <a:r>
-              <a:rPr lang="en-GB" altLang="en-US" sz="2000">
-                <a:latin typeface="Times New Roman" panose="02020603050405020304" charset="0"/>
-                <a:cs typeface="Times New Roman" panose="02020603050405020304" charset="0"/>
-                <a:sym typeface="+mn-ea"/>
-              </a:rPr>
-              <a:t>1.Accuracy Score = 86%</a:t>
-            </a:r>
-            <a:endParaRPr lang="en-GB" altLang="en-US" sz="2000">
-              <a:latin typeface="Times New Roman" panose="02020603050405020304" charset="0"/>
-              <a:cs typeface="Times New Roman" panose="02020603050405020304" charset="0"/>
-            </a:endParaRPr>
-          </a:p>
-          <a:p>
-            <a:endParaRPr lang="en-GB" altLang="en-US" sz="2000">
-              <a:latin typeface="Times New Roman" panose="02020603050405020304" charset="0"/>
-              <a:cs typeface="Times New Roman" panose="02020603050405020304" charset="0"/>
-            </a:endParaRPr>
-          </a:p>
-          <a:p>
-            <a:r>
-              <a:rPr lang="en-GB" altLang="en-US" sz="2000">
-                <a:latin typeface="Times New Roman" panose="02020603050405020304" charset="0"/>
-                <a:cs typeface="Times New Roman" panose="02020603050405020304" charset="0"/>
-                <a:sym typeface="+mn-ea"/>
-              </a:rPr>
-              <a:t>2. AUC = 0.92</a:t>
-            </a:r>
-            <a:endParaRPr lang="en-GB" altLang="en-US" sz="2000">
-              <a:latin typeface="Times New Roman" panose="02020603050405020304" charset="0"/>
-              <a:cs typeface="Times New Roman" panose="02020603050405020304" charset="0"/>
-              <a:sym typeface="+mn-ea"/>
-            </a:endParaRPr>
-          </a:p>
-        </p:txBody>
-      </p:sp>
-      <p:pic>
-        <p:nvPicPr>
-          <p:cNvPr id="7" name="Content Placeholder 6" descr="Tuned RF ROC"/>
-          <p:cNvPicPr>
-            <a:picLocks noChangeAspect="1"/>
-          </p:cNvPicPr>
-          <p:nvPr>
-            <p:ph idx="1"/>
-          </p:nvPr>
-        </p:nvPicPr>
-        <p:blipFill>
-          <a:blip r:embed="rId1"/>
-          <a:stretch>
-            <a:fillRect/>
-          </a:stretch>
-        </p:blipFill>
-        <p:spPr>
-          <a:xfrm>
-            <a:off x="1082040" y="1348740"/>
-            <a:ext cx="7283450" cy="4979035"/>
-          </a:xfrm>
-          <a:prstGeom prst="rect">
-            <a:avLst/>
-          </a:prstGeom>
-        </p:spPr>
-      </p:pic>
+          <a:lstStyle/>
+          <a:p>
+            <a:pPr algn="ctr"/>
+            <a:r>
+              <a:rPr lang="en-US" sz="6000" b="1" i="0" cap="none" spc="0" dirty="0">
+                <a:solidFill>
+                  <a:schemeClr val="tx1"/>
+                </a:solidFill>
+                <a:effectLst/>
+                <a:latin typeface="Times New Roman" panose="02020603050405020304" charset="0"/>
+                <a:cs typeface="Times New Roman" panose="02020603050405020304" charset="0"/>
+              </a:rPr>
+              <a:t>Thank You</a:t>
+            </a:r>
+            <a:r>
+              <a:rPr lang="en-US" sz="5400" b="1" i="0" cap="none" spc="0" dirty="0">
+                <a:solidFill>
+                  <a:schemeClr val="accent4"/>
+                </a:solidFill>
+                <a:effectLst/>
+                <a:latin typeface="Arial" panose="020B0604020202020204" pitchFamily="34" charset="0"/>
+                <a:cs typeface="Arial" panose="020B0604020202020204" pitchFamily="34" charset="0"/>
+              </a:rPr>
+              <a:t>  </a:t>
+            </a:r>
+            <a:endParaRPr lang="en-US" sz="5400" b="1" cap="none" spc="0" dirty="0">
+              <a:solidFill>
+                <a:schemeClr val="accent4"/>
+              </a:solidFill>
+              <a:effectLst/>
+            </a:endParaRPr>
+          </a:p>
+        </p:txBody>
+      </p:sp>
     </p:spTree>
   </p:cSld>
   <p:clrMapOvr>
@@ -5489,74 +5648,24 @@
         <p:cNvGrpSpPr/>
         <p:nvPr/>
       </p:nvGrpSpPr>
-      <p:grpSpPr/>
-      <p:sp>
-        <p:nvSpPr>
-          <p:cNvPr id="2" name="Title 1"/>
-          <p:cNvSpPr>
-            <a:spLocks noGrp="1"/>
-          </p:cNvSpPr>
-          <p:nvPr>
-            <p:ph type="title"/>
-          </p:nvPr>
+      <p:grpSpPr>
+        <a:xfrm>
+          <a:off x="0" y="0"/>
+          <a:ext cx="0" cy="0"/>
+          <a:chOff x="0" y="0"/>
+          <a:chExt cx="0" cy="0"/>
+        </a:xfrm>
+      </p:grpSpPr>
+      <p:sp>
+        <p:nvSpPr>
+          <p:cNvPr id="4" name="Rectangle 3"/>
+          <p:cNvSpPr/>
+          <p:nvPr/>
         </p:nvSpPr>
         <p:spPr>
           <a:xfrm>
-            <a:off x="2076450" y="443865"/>
-            <a:ext cx="9427845" cy="862330"/>
-          </a:xfrm>
-        </p:spPr>
-        <p:txBody>
-          <a:bodyPr/>
-          <a:p>
-            <a:r>
-              <a:rPr lang="en-GB" altLang="en-US" sz="3200" b="1">
-                <a:latin typeface="Times New Roman" panose="02020603050405020304" charset="0"/>
-                <a:cs typeface="Times New Roman" panose="02020603050405020304" charset="0"/>
-                <a:sym typeface="+mn-ea"/>
-              </a:rPr>
-              <a:t>Random Forest(Tuned)-ROC Curve</a:t>
-            </a:r>
-            <a:endParaRPr lang="en-GB" altLang="en-US" sz="3200"/>
-          </a:p>
-        </p:txBody>
-      </p:sp>
-      <p:pic>
-        <p:nvPicPr>
-          <p:cNvPr id="4" name="Content Placeholder 3" descr="Tuned RF Confusion Matrix"/>
-          <p:cNvPicPr>
-            <a:picLocks noChangeAspect="1"/>
-          </p:cNvPicPr>
-          <p:nvPr>
-            <p:ph idx="1"/>
-          </p:nvPr>
-        </p:nvPicPr>
-        <p:blipFill>
-          <a:blip r:embed="rId1"/>
-          <a:stretch>
-            <a:fillRect/>
-          </a:stretch>
-        </p:blipFill>
-        <p:spPr>
-          <a:xfrm>
-            <a:off x="1507490" y="1430655"/>
-            <a:ext cx="6866890" cy="4711065"/>
-          </a:xfrm>
-          <a:prstGeom prst="rect">
-            <a:avLst/>
-          </a:prstGeom>
-        </p:spPr>
-      </p:pic>
-      <p:sp>
-        <p:nvSpPr>
-          <p:cNvPr id="5" name="Text Box 4"/>
-          <p:cNvSpPr txBox="1"/>
-          <p:nvPr/>
-        </p:nvSpPr>
-        <p:spPr>
-          <a:xfrm>
-            <a:off x="8374380" y="1737995"/>
-            <a:ext cx="3580130" cy="2381250"/>
+            <a:off x="5028282" y="2967335"/>
+            <a:ext cx="2853845" cy="922020"/>
           </a:xfrm>
           <a:prstGeom prst="rect">
             <a:avLst/>
@@ -5564,286 +5673,48 @@
           <a:noFill/>
         </p:spPr>
         <p:txBody>
-          <a:bodyPr wrap="square" rtlCol="0" anchor="t">
-            <a:noAutofit/>
+          <a:bodyPr wrap="square" lIns="91440" tIns="45720" rIns="91440" bIns="45720">
+            <a:spAutoFit/>
           </a:bodyPr>
-          <a:p>
-            <a:r>
-              <a:rPr lang="en-GB" altLang="en-US" sz="2000" b="1">
-                <a:latin typeface="Times New Roman" panose="02020603050405020304" charset="0"/>
-                <a:cs typeface="Times New Roman" panose="02020603050405020304" charset="0"/>
-                <a:sym typeface="+mn-ea"/>
-              </a:rPr>
-              <a:t>           </a:t>
-            </a:r>
-            <a:r>
-              <a:rPr lang="en-GB" altLang="en-US" sz="2000" b="1" u="sng">
-                <a:latin typeface="Times New Roman" panose="02020603050405020304" charset="0"/>
-                <a:cs typeface="Times New Roman" panose="02020603050405020304" charset="0"/>
-                <a:sym typeface="+mn-ea"/>
-              </a:rPr>
-              <a:t>Interpretation</a:t>
-            </a:r>
-            <a:endParaRPr lang="en-GB" altLang="en-US" sz="2000" b="1" u="sng">
-              <a:latin typeface="Times New Roman" panose="02020603050405020304" charset="0"/>
-              <a:cs typeface="Times New Roman" panose="02020603050405020304" charset="0"/>
-              <a:sym typeface="+mn-ea"/>
-            </a:endParaRPr>
-          </a:p>
-          <a:p>
-            <a:endParaRPr lang="en-US" altLang="en-GB"/>
-          </a:p>
-          <a:p>
-            <a:pPr marL="285750" indent="-285750" algn="l">
-              <a:buFont typeface="Arial" panose="020B0604020202020204" pitchFamily="34" charset="0"/>
-              <a:buChar char="•"/>
-            </a:pPr>
-            <a:r>
-              <a:rPr lang="en-US" altLang="en-GB" sz="2000">
-                <a:latin typeface="Times New Roman" panose="02020603050405020304" charset="0"/>
-                <a:cs typeface="Times New Roman" panose="02020603050405020304" charset="0"/>
-                <a:sym typeface="+mn-ea"/>
-              </a:rPr>
-              <a:t>4,</a:t>
-            </a:r>
-            <a:r>
-              <a:rPr lang="en-GB" altLang="en-US" sz="2000">
-                <a:latin typeface="Times New Roman" panose="02020603050405020304" charset="0"/>
-                <a:cs typeface="Times New Roman" panose="02020603050405020304" charset="0"/>
-                <a:sym typeface="+mn-ea"/>
-              </a:rPr>
-              <a:t>318</a:t>
-            </a:r>
-            <a:r>
-              <a:rPr lang="en-US" altLang="en-GB" sz="2000">
-                <a:latin typeface="Times New Roman" panose="02020603050405020304" charset="0"/>
-                <a:cs typeface="Times New Roman" panose="02020603050405020304" charset="0"/>
-                <a:sym typeface="+mn-ea"/>
-              </a:rPr>
-              <a:t> bookings correctly predicted as non-cancellations</a:t>
-            </a:r>
-            <a:endParaRPr lang="en-US" altLang="en-GB" sz="2000">
-              <a:latin typeface="Times New Roman" panose="02020603050405020304" charset="0"/>
-              <a:cs typeface="Times New Roman" panose="02020603050405020304" charset="0"/>
-            </a:endParaRPr>
-          </a:p>
-          <a:p>
-            <a:pPr marL="285750" indent="-285750" algn="l">
-              <a:buFont typeface="Arial" panose="020B0604020202020204" pitchFamily="34" charset="0"/>
-              <a:buChar char="•"/>
-            </a:pPr>
-            <a:endParaRPr lang="en-US" altLang="en-GB" sz="2000">
-              <a:latin typeface="Times New Roman" panose="02020603050405020304" charset="0"/>
-              <a:cs typeface="Times New Roman" panose="02020603050405020304" charset="0"/>
-            </a:endParaRPr>
-          </a:p>
-          <a:p>
-            <a:pPr marL="285750" indent="-285750" algn="l">
-              <a:buFont typeface="Arial" panose="020B0604020202020204" pitchFamily="34" charset="0"/>
-              <a:buChar char="•"/>
-            </a:pPr>
-            <a:r>
-              <a:rPr lang="en-US" altLang="en-GB" sz="2000">
-                <a:latin typeface="Times New Roman" panose="02020603050405020304" charset="0"/>
-                <a:cs typeface="Times New Roman" panose="02020603050405020304" charset="0"/>
-                <a:sym typeface="+mn-ea"/>
-              </a:rPr>
-              <a:t>1,</a:t>
-            </a:r>
-            <a:r>
-              <a:rPr lang="en-GB" altLang="en-US" sz="2000">
-                <a:latin typeface="Times New Roman" panose="02020603050405020304" charset="0"/>
-                <a:cs typeface="Times New Roman" panose="02020603050405020304" charset="0"/>
-                <a:sym typeface="+mn-ea"/>
-              </a:rPr>
-              <a:t>896</a:t>
-            </a:r>
-            <a:r>
-              <a:rPr lang="en-US" altLang="en-GB" sz="2000">
-                <a:latin typeface="Times New Roman" panose="02020603050405020304" charset="0"/>
-                <a:cs typeface="Times New Roman" panose="02020603050405020304" charset="0"/>
-                <a:sym typeface="+mn-ea"/>
-              </a:rPr>
-              <a:t> bookings correctly predicted as cancellations</a:t>
-            </a:r>
-            <a:endParaRPr lang="en-US" altLang="en-GB" sz="2000">
-              <a:latin typeface="Times New Roman" panose="02020603050405020304" charset="0"/>
-              <a:cs typeface="Times New Roman" panose="02020603050405020304" charset="0"/>
-              <a:sym typeface="+mn-ea"/>
-            </a:endParaRPr>
-          </a:p>
-        </p:txBody>
-      </p:sp>
-    </p:spTree>
-  </p:cSld>
-  <p:clrMapOvr>
-    <a:masterClrMapping/>
-  </p:clrMapOvr>
-</p:sld>
-</file>
-
-<file path=ppt/slides/slide19.xml><?xml version="1.0" encoding="utf-8"?>
-<p:sld xmlns:a="http://schemas.openxmlformats.org/drawingml/2006/main" xmlns:r="http://schemas.openxmlformats.org/officeDocument/2006/relationships" xmlns:p="http://schemas.openxmlformats.org/presentationml/2006/main">
-  <p:cSld>
-    <p:spTree>
-      <p:nvGrpSpPr>
-        <p:cNvPr id="1" name=""/>
-        <p:cNvGrpSpPr/>
-        <p:nvPr/>
-      </p:nvGrpSpPr>
-      <p:grpSpPr/>
-      <p:sp>
-        <p:nvSpPr>
-          <p:cNvPr id="2" name="Title 1"/>
-          <p:cNvSpPr>
-            <a:spLocks noGrp="1"/>
-          </p:cNvSpPr>
-          <p:nvPr>
-            <p:ph type="title"/>
-          </p:nvPr>
-        </p:nvSpPr>
-        <p:spPr>
-          <a:xfrm>
-            <a:off x="1701800" y="374650"/>
-            <a:ext cx="9802495" cy="766445"/>
-          </a:xfrm>
-        </p:spPr>
-        <p:txBody>
-          <a:bodyPr/>
-          <a:p>
-            <a:r>
-              <a:rPr lang="en-GB" altLang="en-US" sz="3200" b="1">
-                <a:latin typeface="Times New Roman" panose="02020603050405020304" charset="0"/>
-                <a:cs typeface="Times New Roman" panose="02020603050405020304" charset="0"/>
-              </a:rPr>
-              <a:t>Combined ROC Curves-All Models</a:t>
-            </a:r>
-            <a:endParaRPr lang="en-GB" altLang="en-US" sz="3200" b="1">
-              <a:latin typeface="Times New Roman" panose="02020603050405020304" charset="0"/>
-              <a:cs typeface="Times New Roman" panose="02020603050405020304" charset="0"/>
-            </a:endParaRPr>
-          </a:p>
-        </p:txBody>
-      </p:sp>
-      <p:sp>
-        <p:nvSpPr>
-          <p:cNvPr id="5" name="Text Box 4"/>
-          <p:cNvSpPr txBox="1"/>
-          <p:nvPr/>
-        </p:nvSpPr>
-        <p:spPr>
-          <a:xfrm>
-            <a:off x="8333740" y="1945640"/>
-            <a:ext cx="3816985" cy="1960245"/>
-          </a:xfrm>
-          <a:prstGeom prst="rect">
-            <a:avLst/>
-          </a:prstGeom>
-          <a:noFill/>
-        </p:spPr>
-        <p:txBody>
-          <a:bodyPr wrap="square" rtlCol="0" anchor="t">
-            <a:noAutofit/>
-          </a:bodyPr>
-          <a:p>
-            <a:r>
-              <a:rPr lang="en-GB" altLang="en-US" sz="2000" b="1" u="sng">
-                <a:latin typeface="Times New Roman" panose="02020603050405020304" charset="0"/>
-                <a:cs typeface="Times New Roman" panose="02020603050405020304" charset="0"/>
-              </a:rPr>
-              <a:t>Best Performing Model</a:t>
-            </a:r>
-            <a:endParaRPr lang="en-GB" altLang="en-US" sz="2000" b="1" u="sng">
-              <a:latin typeface="Times New Roman" panose="02020603050405020304" charset="0"/>
-              <a:cs typeface="Times New Roman" panose="02020603050405020304" charset="0"/>
-            </a:endParaRPr>
-          </a:p>
-          <a:p>
-            <a:endParaRPr lang="en-GB" altLang="en-US" sz="2000" b="1" u="sng">
-              <a:latin typeface="Times New Roman" panose="02020603050405020304" charset="0"/>
-              <a:cs typeface="Times New Roman" panose="02020603050405020304" charset="0"/>
-            </a:endParaRPr>
-          </a:p>
-          <a:p>
-            <a:r>
-              <a:rPr lang="en-GB" altLang="en-US" sz="2000">
-                <a:latin typeface="Times New Roman" panose="02020603050405020304" charset="0"/>
-                <a:cs typeface="Times New Roman" panose="02020603050405020304" charset="0"/>
-                <a:sym typeface="+mn-ea"/>
-              </a:rPr>
-              <a:t>Tuned Random Forest Model with:</a:t>
-            </a:r>
-            <a:endParaRPr lang="en-GB" altLang="en-US" sz="2000">
-              <a:latin typeface="Times New Roman" panose="02020603050405020304" charset="0"/>
-              <a:cs typeface="Times New Roman" panose="02020603050405020304" charset="0"/>
-              <a:sym typeface="+mn-ea"/>
-            </a:endParaRPr>
-          </a:p>
-          <a:p>
-            <a:r>
-              <a:rPr lang="en-GB" altLang="en-US" sz="2000">
-                <a:latin typeface="Times New Roman" panose="02020603050405020304" charset="0"/>
-                <a:cs typeface="Times New Roman" panose="02020603050405020304" charset="0"/>
-                <a:sym typeface="+mn-ea"/>
-              </a:rPr>
-              <a:t>1. Accuracy Score = 86%</a:t>
-            </a:r>
-            <a:endParaRPr lang="en-GB" altLang="en-US" sz="2000">
-              <a:latin typeface="Times New Roman" panose="02020603050405020304" charset="0"/>
-              <a:cs typeface="Times New Roman" panose="02020603050405020304" charset="0"/>
-              <a:sym typeface="+mn-ea"/>
-            </a:endParaRPr>
-          </a:p>
-          <a:p>
-            <a:endParaRPr lang="en-GB" altLang="en-US" sz="2000">
-              <a:latin typeface="Times New Roman" panose="02020603050405020304" charset="0"/>
-              <a:cs typeface="Times New Roman" panose="02020603050405020304" charset="0"/>
-              <a:sym typeface="+mn-ea"/>
-            </a:endParaRPr>
-          </a:p>
-          <a:p>
-            <a:r>
-              <a:rPr lang="en-GB" altLang="en-US" sz="2000">
-                <a:latin typeface="Times New Roman" panose="02020603050405020304" charset="0"/>
-                <a:cs typeface="Times New Roman" panose="02020603050405020304" charset="0"/>
-                <a:sym typeface="+mn-ea"/>
-              </a:rPr>
-              <a:t>2. AUC  = 0.92</a:t>
-            </a:r>
-            <a:endParaRPr lang="en-GB" altLang="en-US" sz="2000">
-              <a:latin typeface="Times New Roman" panose="02020603050405020304" charset="0"/>
-              <a:cs typeface="Times New Roman" panose="02020603050405020304" charset="0"/>
-              <a:sym typeface="+mn-ea"/>
-            </a:endParaRPr>
-          </a:p>
-        </p:txBody>
-      </p:sp>
-      <p:pic>
-        <p:nvPicPr>
-          <p:cNvPr id="4" name="Content Placeholder 3" descr="All curves"/>
-          <p:cNvPicPr>
-            <a:picLocks noChangeAspect="1"/>
-          </p:cNvPicPr>
-          <p:nvPr>
-            <p:ph idx="1"/>
-          </p:nvPr>
-        </p:nvPicPr>
-        <p:blipFill>
-          <a:blip r:embed="rId1"/>
-          <a:stretch>
-            <a:fillRect/>
-          </a:stretch>
-        </p:blipFill>
-        <p:spPr>
-          <a:xfrm>
-            <a:off x="854075" y="1391285"/>
-            <a:ext cx="7479030" cy="5173345"/>
-          </a:xfrm>
-          <a:prstGeom prst="rect">
-            <a:avLst/>
-          </a:prstGeom>
-        </p:spPr>
-      </p:pic>
+          <a:lstStyle/>
+          <a:p>
+            <a:pPr algn="ctr"/>
+            <a:r>
+              <a:rPr lang="en-US" sz="5400" b="0" cap="none" spc="0" dirty="0">
+                <a:ln w="0"/>
+                <a:solidFill>
+                  <a:schemeClr val="tx1"/>
+                </a:solidFill>
+                <a:effectLst>
+                  <a:outerShdw blurRad="38100" dist="19050" dir="2700000" algn="tl" rotWithShape="0">
+                    <a:schemeClr val="dk1">
+                      <a:alpha val="40000"/>
+                    </a:schemeClr>
+                  </a:outerShdw>
+                </a:effectLst>
+                <a:latin typeface="Times New Roman" panose="02020603050405020304" charset="0"/>
+                <a:cs typeface="Times New Roman" panose="02020603050405020304" charset="0"/>
+              </a:rPr>
+              <a:t>Q&amp;A</a:t>
+            </a:r>
+            <a:endParaRPr lang="en-US" sz="5400" b="0" cap="none" spc="0" dirty="0">
+              <a:ln w="0"/>
+              <a:solidFill>
+                <a:schemeClr val="tx1"/>
+              </a:solidFill>
+              <a:effectLst>
+                <a:outerShdw blurRad="38100" dist="19050" dir="2700000" algn="tl" rotWithShape="0">
+                  <a:schemeClr val="dk1">
+                    <a:alpha val="40000"/>
+                  </a:schemeClr>
+                </a:outerShdw>
+              </a:effectLst>
+              <a:latin typeface="Times New Roman" panose="02020603050405020304" charset="0"/>
+              <a:cs typeface="Times New Roman" panose="02020603050405020304" charset="0"/>
+            </a:endParaRPr>
+          </a:p>
+        </p:txBody>
+      </p:sp>
     </p:spTree>
   </p:cSld>
   <p:clrMapOvr>
@@ -6012,886 +5883,6 @@
 </p:sld>
 </file>
 
-<file path=ppt/slides/slide20.xml><?xml version="1.0" encoding="utf-8"?>
-<p:sld xmlns:a="http://schemas.openxmlformats.org/drawingml/2006/main" xmlns:r="http://schemas.openxmlformats.org/officeDocument/2006/relationships" xmlns:p="http://schemas.openxmlformats.org/presentationml/2006/main">
-  <p:cSld>
-    <p:spTree>
-      <p:nvGrpSpPr>
-        <p:cNvPr id="1" name=""/>
-        <p:cNvGrpSpPr/>
-        <p:nvPr/>
-      </p:nvGrpSpPr>
-      <p:grpSpPr>
-        <a:xfrm>
-          <a:off x="0" y="0"/>
-          <a:ext cx="0" cy="0"/>
-          <a:chOff x="0" y="0"/>
-          <a:chExt cx="0" cy="0"/>
-        </a:xfrm>
-      </p:grpSpPr>
-      <p:sp>
-        <p:nvSpPr>
-          <p:cNvPr id="2" name="Title 1"/>
-          <p:cNvSpPr>
-            <a:spLocks noGrp="1"/>
-          </p:cNvSpPr>
-          <p:nvPr>
-            <p:ph type="title"/>
-          </p:nvPr>
-        </p:nvSpPr>
-        <p:spPr>
-          <a:xfrm>
-            <a:off x="1630045" y="444500"/>
-            <a:ext cx="8828405" cy="514350"/>
-          </a:xfrm>
-        </p:spPr>
-        <p:txBody>
-          <a:bodyPr>
-            <a:normAutofit fontScale="90000"/>
-          </a:bodyPr>
-          <a:lstStyle/>
-          <a:p>
-            <a:r>
-              <a:rPr lang="en-GB" altLang="en-US" sz="3200" b="1" dirty="0">
-                <a:latin typeface="Times New Roman" panose="02020603050405020304" charset="0"/>
-                <a:cs typeface="Times New Roman" panose="02020603050405020304" charset="0"/>
-              </a:rPr>
-              <a:t>Insights</a:t>
-            </a:r>
-            <a:endParaRPr lang="en-GB" altLang="en-US" sz="3200" b="1" dirty="0">
-              <a:latin typeface="Times New Roman" panose="02020603050405020304" charset="0"/>
-              <a:cs typeface="Times New Roman" panose="02020603050405020304" charset="0"/>
-            </a:endParaRPr>
-          </a:p>
-        </p:txBody>
-      </p:sp>
-      <p:sp>
-        <p:nvSpPr>
-          <p:cNvPr id="3" name="Content Placeholder 2"/>
-          <p:cNvSpPr>
-            <a:spLocks noGrp="1"/>
-          </p:cNvSpPr>
-          <p:nvPr>
-            <p:ph idx="1"/>
-          </p:nvPr>
-        </p:nvSpPr>
-        <p:spPr>
-          <a:xfrm>
-            <a:off x="1630045" y="959485"/>
-            <a:ext cx="10333990" cy="5300345"/>
-          </a:xfrm>
-        </p:spPr>
-        <p:txBody>
-          <a:bodyPr>
-            <a:noAutofit/>
-          </a:bodyPr>
-          <a:lstStyle/>
-          <a:p>
-            <a:pPr marL="0" indent="0">
-              <a:lnSpc>
-                <a:spcPct val="150000"/>
-              </a:lnSpc>
-              <a:buNone/>
-            </a:pPr>
-            <a:r>
-              <a:rPr lang="en-GB" altLang="en-US" sz="1600" dirty="0">
-                <a:latin typeface="Times New Roman" panose="02020603050405020304" charset="0"/>
-                <a:cs typeface="Times New Roman" panose="02020603050405020304" charset="0"/>
-              </a:rPr>
-              <a:t>Upon developing and evaluating the models, I concluded the following:</a:t>
-            </a:r>
-            <a:endParaRPr lang="en-GB" altLang="en-US" sz="1600" dirty="0">
-              <a:latin typeface="Times New Roman" panose="02020603050405020304" charset="0"/>
-              <a:cs typeface="Times New Roman" panose="02020603050405020304" charset="0"/>
-            </a:endParaRPr>
-          </a:p>
-          <a:p>
-            <a:pPr marL="0" indent="0">
-              <a:lnSpc>
-                <a:spcPct val="150000"/>
-              </a:lnSpc>
-              <a:buNone/>
-            </a:pPr>
-            <a:r>
-              <a:rPr lang="en-GB" altLang="en-US" sz="1600" dirty="0">
-                <a:latin typeface="Times New Roman" panose="02020603050405020304" charset="0"/>
-                <a:cs typeface="Times New Roman" panose="02020603050405020304" charset="0"/>
-              </a:rPr>
-              <a:t>1</a:t>
-            </a:r>
-            <a:r>
-              <a:rPr lang="en-GB" altLang="en-US" sz="1600" b="1" dirty="0">
-                <a:latin typeface="Times New Roman" panose="02020603050405020304" charset="0"/>
-                <a:cs typeface="Times New Roman" panose="02020603050405020304" charset="0"/>
-              </a:rPr>
-              <a:t>. </a:t>
-            </a:r>
-            <a:r>
-              <a:rPr lang="en-GB" altLang="en-US" sz="1600" b="1" u="sng" dirty="0">
-                <a:latin typeface="Times New Roman" panose="02020603050405020304" charset="0"/>
-                <a:cs typeface="Times New Roman" panose="02020603050405020304" charset="0"/>
-              </a:rPr>
-              <a:t>T</a:t>
-            </a:r>
-            <a:r>
-              <a:rPr lang="en-US" altLang="en-GB" sz="1600" b="1" u="sng">
-                <a:latin typeface="Times New Roman" panose="02020603050405020304" charset="0"/>
-                <a:cs typeface="Times New Roman" panose="02020603050405020304" charset="0"/>
-              </a:rPr>
-              <a:t>uned Random Forest Model</a:t>
-            </a:r>
-            <a:endParaRPr lang="en-US" altLang="en-GB" sz="1600" u="sng">
-              <a:latin typeface="Times New Roman" panose="02020603050405020304" charset="0"/>
-              <a:cs typeface="Times New Roman" panose="02020603050405020304" charset="0"/>
-            </a:endParaRPr>
-          </a:p>
-          <a:p>
-            <a:pPr marL="0" indent="0">
-              <a:lnSpc>
-                <a:spcPct val="150000"/>
-              </a:lnSpc>
-              <a:buNone/>
-            </a:pPr>
-            <a:r>
-              <a:rPr lang="en-US" altLang="en-GB" sz="1600">
-                <a:latin typeface="Times New Roman" panose="02020603050405020304" charset="0"/>
-                <a:cs typeface="Times New Roman" panose="02020603050405020304" charset="0"/>
-              </a:rPr>
-              <a:t> </a:t>
-            </a:r>
-            <a:r>
-              <a:rPr lang="en-GB" altLang="en-US" sz="1600">
-                <a:latin typeface="Times New Roman" panose="02020603050405020304" charset="0"/>
-                <a:cs typeface="Times New Roman" panose="02020603050405020304" charset="0"/>
-              </a:rPr>
-              <a:t>O</a:t>
-            </a:r>
-            <a:r>
-              <a:rPr lang="en-US" altLang="en-GB" sz="1600">
-                <a:latin typeface="Times New Roman" panose="02020603050405020304" charset="0"/>
-                <a:cs typeface="Times New Roman" panose="02020603050405020304" charset="0"/>
-              </a:rPr>
-              <a:t>utperforms all other models, with the highest Accuracy Score of 86% and the highest AUC of 0.92</a:t>
-            </a:r>
-            <a:r>
-              <a:rPr lang="en-GB" altLang="en-US" sz="1600">
-                <a:latin typeface="Times New Roman" panose="02020603050405020304" charset="0"/>
-                <a:cs typeface="Times New Roman" panose="02020603050405020304" charset="0"/>
-              </a:rPr>
-              <a:t>.</a:t>
-            </a:r>
-            <a:endParaRPr lang="en-US" altLang="en-GB" sz="1600">
-              <a:latin typeface="Times New Roman" panose="02020603050405020304" charset="0"/>
-              <a:cs typeface="Times New Roman" panose="02020603050405020304" charset="0"/>
-            </a:endParaRPr>
-          </a:p>
-          <a:p>
-            <a:pPr marL="0" indent="0">
-              <a:lnSpc>
-                <a:spcPct val="150000"/>
-              </a:lnSpc>
-              <a:buNone/>
-            </a:pPr>
-            <a:r>
-              <a:rPr lang="en-US" altLang="en-GB" sz="1600" b="1">
-                <a:latin typeface="Times New Roman" panose="02020603050405020304" charset="0"/>
-                <a:cs typeface="Times New Roman" panose="02020603050405020304" charset="0"/>
-              </a:rPr>
-              <a:t>2. </a:t>
-            </a:r>
-            <a:r>
-              <a:rPr lang="en-US" altLang="en-GB" sz="1600" b="1" u="sng">
-                <a:latin typeface="Times New Roman" panose="02020603050405020304" charset="0"/>
-                <a:cs typeface="Times New Roman" panose="02020603050405020304" charset="0"/>
-              </a:rPr>
-              <a:t>Untuned Random Forest Model</a:t>
-            </a:r>
-            <a:endParaRPr lang="en-GB" altLang="en-US" sz="1600" b="1">
-              <a:latin typeface="Times New Roman" panose="02020603050405020304" charset="0"/>
-              <a:cs typeface="Times New Roman" panose="02020603050405020304" charset="0"/>
-            </a:endParaRPr>
-          </a:p>
-          <a:p>
-            <a:pPr marL="0" indent="0">
-              <a:lnSpc>
-                <a:spcPct val="150000"/>
-              </a:lnSpc>
-              <a:buNone/>
-            </a:pPr>
-            <a:r>
-              <a:rPr lang="en-US" altLang="en-GB" sz="1600">
-                <a:latin typeface="Times New Roman" panose="02020603050405020304" charset="0"/>
-                <a:cs typeface="Times New Roman" panose="02020603050405020304" charset="0"/>
-              </a:rPr>
-              <a:t> </a:t>
-            </a:r>
-            <a:r>
-              <a:rPr lang="en-GB" altLang="en-US" sz="1600">
-                <a:latin typeface="Times New Roman" panose="02020603050405020304" charset="0"/>
-                <a:cs typeface="Times New Roman" panose="02020603050405020304" charset="0"/>
-              </a:rPr>
-              <a:t>A</a:t>
-            </a:r>
-            <a:r>
-              <a:rPr lang="en-US" altLang="en-GB" sz="1600">
-                <a:latin typeface="Times New Roman" panose="02020603050405020304" charset="0"/>
-                <a:cs typeface="Times New Roman" panose="02020603050405020304" charset="0"/>
-              </a:rPr>
-              <a:t>lso performed well, achieving an Accuracy Score of 85% and an AUC of 0.91</a:t>
-            </a:r>
-            <a:r>
-              <a:rPr lang="en-GB" altLang="en-US" sz="1600">
-                <a:latin typeface="Times New Roman" panose="02020603050405020304" charset="0"/>
-                <a:cs typeface="Times New Roman" panose="02020603050405020304" charset="0"/>
-              </a:rPr>
-              <a:t> even without tuning of parameters</a:t>
-            </a:r>
-            <a:endParaRPr lang="en-US" altLang="en-GB" sz="1600">
-              <a:latin typeface="Times New Roman" panose="02020603050405020304" charset="0"/>
-              <a:cs typeface="Times New Roman" panose="02020603050405020304" charset="0"/>
-            </a:endParaRPr>
-          </a:p>
-          <a:p>
-            <a:pPr marL="0" indent="0">
-              <a:lnSpc>
-                <a:spcPct val="150000"/>
-              </a:lnSpc>
-              <a:buNone/>
-            </a:pPr>
-            <a:r>
-              <a:rPr lang="en-US" altLang="en-GB" sz="1600" b="1">
-                <a:latin typeface="Times New Roman" panose="02020603050405020304" charset="0"/>
-                <a:cs typeface="Times New Roman" panose="02020603050405020304" charset="0"/>
-              </a:rPr>
-              <a:t>3.</a:t>
-            </a:r>
-            <a:r>
-              <a:rPr lang="en-US" altLang="en-GB" sz="1600" b="1" u="sng">
-                <a:latin typeface="Times New Roman" panose="02020603050405020304" charset="0"/>
-                <a:cs typeface="Times New Roman" panose="02020603050405020304" charset="0"/>
-              </a:rPr>
-              <a:t> </a:t>
-            </a:r>
-            <a:r>
-              <a:rPr lang="en-GB" altLang="en-US" sz="1600" b="1" u="sng">
-                <a:latin typeface="Times New Roman" panose="02020603050405020304" charset="0"/>
-                <a:cs typeface="Times New Roman" panose="02020603050405020304" charset="0"/>
-              </a:rPr>
-              <a:t>T</a:t>
-            </a:r>
-            <a:r>
-              <a:rPr lang="en-US" altLang="en-GB" sz="1600" b="1" u="sng">
-                <a:latin typeface="Times New Roman" panose="02020603050405020304" charset="0"/>
-                <a:cs typeface="Times New Roman" panose="02020603050405020304" charset="0"/>
-              </a:rPr>
-              <a:t>uned Decision Tree Model </a:t>
-            </a:r>
-            <a:endParaRPr lang="en-US" altLang="en-GB" sz="1600" b="1" u="sng">
-              <a:latin typeface="Times New Roman" panose="02020603050405020304" charset="0"/>
-              <a:cs typeface="Times New Roman" panose="02020603050405020304" charset="0"/>
-            </a:endParaRPr>
-          </a:p>
-          <a:p>
-            <a:pPr marL="0" indent="0">
-              <a:lnSpc>
-                <a:spcPct val="150000"/>
-              </a:lnSpc>
-              <a:buNone/>
-            </a:pPr>
-            <a:r>
-              <a:rPr lang="en-GB" altLang="en-US" sz="1600">
-                <a:latin typeface="Times New Roman" panose="02020603050405020304" charset="0"/>
-                <a:cs typeface="Times New Roman" panose="02020603050405020304" charset="0"/>
-              </a:rPr>
-              <a:t>S</a:t>
-            </a:r>
-            <a:r>
-              <a:rPr lang="en-US" altLang="en-GB" sz="1600">
-                <a:latin typeface="Times New Roman" panose="02020603050405020304" charset="0"/>
-                <a:cs typeface="Times New Roman" panose="02020603050405020304" charset="0"/>
-              </a:rPr>
-              <a:t>howed a notable improvement over the baseline Logistic Regression Model, with an Accuracy Score of 84% and an AUC of</a:t>
-            </a:r>
-            <a:r>
-              <a:rPr lang="en-GB" altLang="en-US" sz="1600">
-                <a:latin typeface="Times New Roman" panose="02020603050405020304" charset="0"/>
-                <a:cs typeface="Times New Roman" panose="02020603050405020304" charset="0"/>
-              </a:rPr>
-              <a:t> </a:t>
-            </a:r>
-            <a:r>
-              <a:rPr lang="en-US" altLang="en-GB" sz="1600">
-                <a:latin typeface="Times New Roman" panose="02020603050405020304" charset="0"/>
-                <a:cs typeface="Times New Roman" panose="02020603050405020304" charset="0"/>
-              </a:rPr>
-              <a:t>0.89, suggesting that decision trees, when optimized, are a reliable choice, though slightly less effective than Random Forest.</a:t>
-            </a:r>
-            <a:endParaRPr lang="en-US" altLang="en-GB" sz="1600">
-              <a:latin typeface="Times New Roman" panose="02020603050405020304" charset="0"/>
-              <a:cs typeface="Times New Roman" panose="02020603050405020304" charset="0"/>
-            </a:endParaRPr>
-          </a:p>
-          <a:p>
-            <a:pPr marL="0" indent="0">
-              <a:lnSpc>
-                <a:spcPct val="150000"/>
-              </a:lnSpc>
-              <a:buNone/>
-            </a:pPr>
-            <a:r>
-              <a:rPr lang="en-US" altLang="en-GB" sz="1600" b="1" u="sng">
-                <a:latin typeface="Times New Roman" panose="02020603050405020304" charset="0"/>
-                <a:cs typeface="Times New Roman" panose="02020603050405020304" charset="0"/>
-              </a:rPr>
-              <a:t>4. Logistic Regression Model (Baseline)</a:t>
-            </a:r>
-            <a:endParaRPr lang="en-US" altLang="en-GB" sz="1600" b="1" u="sng">
-              <a:latin typeface="Times New Roman" panose="02020603050405020304" charset="0"/>
-              <a:cs typeface="Times New Roman" panose="02020603050405020304" charset="0"/>
-            </a:endParaRPr>
-          </a:p>
-          <a:p>
-            <a:pPr marL="0" indent="0">
-              <a:lnSpc>
-                <a:spcPct val="150000"/>
-              </a:lnSpc>
-              <a:buNone/>
-            </a:pPr>
-            <a:r>
-              <a:rPr lang="en-GB" altLang="en-US" sz="1600">
-                <a:latin typeface="Times New Roman" panose="02020603050405020304" charset="0"/>
-                <a:cs typeface="Times New Roman" panose="02020603050405020304" charset="0"/>
-              </a:rPr>
-              <a:t>W</a:t>
-            </a:r>
-            <a:r>
-              <a:rPr lang="en-US" altLang="en-GB" sz="1600">
-                <a:latin typeface="Times New Roman" panose="02020603050405020304" charset="0"/>
-                <a:cs typeface="Times New Roman" panose="02020603050405020304" charset="0"/>
-              </a:rPr>
-              <a:t>ith an Accuracy Score of 79% and an AUC of 0.86, serves as a solid starting point but demonstrates lower performance compared to more complex models like Random Forest.</a:t>
-            </a:r>
-            <a:endParaRPr lang="en-US" altLang="en-GB" sz="1600">
-              <a:latin typeface="Times New Roman" panose="02020603050405020304" charset="0"/>
-              <a:cs typeface="Times New Roman" panose="02020603050405020304" charset="0"/>
-            </a:endParaRPr>
-          </a:p>
-        </p:txBody>
-      </p:sp>
-    </p:spTree>
-  </p:cSld>
-  <p:clrMapOvr>
-    <a:masterClrMapping/>
-  </p:clrMapOvr>
-</p:sld>
-</file>
-
-<file path=ppt/slides/slide21.xml><?xml version="1.0" encoding="utf-8"?>
-<p:sld xmlns:a="http://schemas.openxmlformats.org/drawingml/2006/main" xmlns:r="http://schemas.openxmlformats.org/officeDocument/2006/relationships" xmlns:p="http://schemas.openxmlformats.org/presentationml/2006/main">
-  <p:cSld>
-    <p:spTree>
-      <p:nvGrpSpPr>
-        <p:cNvPr id="1" name=""/>
-        <p:cNvGrpSpPr/>
-        <p:nvPr/>
-      </p:nvGrpSpPr>
-      <p:grpSpPr>
-        <a:xfrm>
-          <a:off x="0" y="0"/>
-          <a:ext cx="0" cy="0"/>
-          <a:chOff x="0" y="0"/>
-          <a:chExt cx="0" cy="0"/>
-        </a:xfrm>
-      </p:grpSpPr>
-      <p:sp>
-        <p:nvSpPr>
-          <p:cNvPr id="2" name="Title 1"/>
-          <p:cNvSpPr>
-            <a:spLocks noGrp="1"/>
-          </p:cNvSpPr>
-          <p:nvPr>
-            <p:ph type="title"/>
-          </p:nvPr>
-        </p:nvSpPr>
-        <p:spPr>
-          <a:xfrm>
-            <a:off x="2106295" y="624205"/>
-            <a:ext cx="9398000" cy="669925"/>
-          </a:xfrm>
-        </p:spPr>
-        <p:txBody>
-          <a:bodyPr/>
-          <a:lstStyle/>
-          <a:p>
-            <a:pPr algn="l"/>
-            <a:r>
-              <a:rPr lang="en-GB" altLang="en-US" sz="3200" b="1" dirty="0">
-                <a:latin typeface="Times New Roman" panose="02020603050405020304" charset="0"/>
-                <a:cs typeface="Times New Roman" panose="02020603050405020304" charset="0"/>
-              </a:rPr>
-              <a:t>    Conclusion</a:t>
-            </a:r>
-            <a:endParaRPr lang="en-GB" altLang="en-US" sz="3200" b="1" dirty="0">
-              <a:latin typeface="Times New Roman" panose="02020603050405020304" charset="0"/>
-              <a:cs typeface="Times New Roman" panose="02020603050405020304" charset="0"/>
-            </a:endParaRPr>
-          </a:p>
-        </p:txBody>
-      </p:sp>
-      <p:sp>
-        <p:nvSpPr>
-          <p:cNvPr id="3" name="Content Placeholder 2"/>
-          <p:cNvSpPr>
-            <a:spLocks noGrp="1"/>
-          </p:cNvSpPr>
-          <p:nvPr>
-            <p:ph idx="1"/>
-          </p:nvPr>
-        </p:nvSpPr>
-        <p:spPr>
-          <a:xfrm>
-            <a:off x="946150" y="1391285"/>
-            <a:ext cx="9862185" cy="4022090"/>
-          </a:xfrm>
-        </p:spPr>
-        <p:txBody>
-          <a:bodyPr>
-            <a:normAutofit/>
-          </a:bodyPr>
-          <a:lstStyle/>
-          <a:p>
-            <a:pPr marL="0" indent="0">
-              <a:buNone/>
-            </a:pPr>
-            <a:endParaRPr lang="en-GB" altLang="en-US" sz="2000" dirty="0">
-              <a:latin typeface="Times New Roman" panose="02020603050405020304" charset="0"/>
-              <a:cs typeface="Times New Roman" panose="02020603050405020304" charset="0"/>
-            </a:endParaRPr>
-          </a:p>
-          <a:p>
-            <a:pPr marL="0" indent="0">
-              <a:buNone/>
-            </a:pPr>
-            <a:r>
-              <a:rPr lang="en-GB" altLang="en-US" sz="2000" dirty="0">
-                <a:latin typeface="Times New Roman" panose="02020603050405020304" charset="0"/>
-                <a:cs typeface="Times New Roman" panose="02020603050405020304" charset="0"/>
-              </a:rPr>
-              <a:t>I concluded that the tuned  </a:t>
-            </a:r>
-            <a:r>
-              <a:rPr lang="en-GB" altLang="en-US" sz="2000" b="1" dirty="0">
-                <a:latin typeface="Times New Roman" panose="02020603050405020304" charset="0"/>
-                <a:cs typeface="Times New Roman" panose="02020603050405020304" charset="0"/>
-              </a:rPr>
-              <a:t>Random Forest Model</a:t>
-            </a:r>
-            <a:r>
-              <a:rPr lang="en-GB" altLang="en-US" sz="2000" dirty="0">
-                <a:latin typeface="Times New Roman" panose="02020603050405020304" charset="0"/>
-                <a:cs typeface="Times New Roman" panose="02020603050405020304" charset="0"/>
-              </a:rPr>
-              <a:t> with an</a:t>
-            </a:r>
-            <a:r>
-              <a:rPr lang="en-GB" altLang="en-US" sz="2000" b="1" dirty="0">
-                <a:latin typeface="Times New Roman" panose="02020603050405020304" charset="0"/>
-                <a:cs typeface="Times New Roman" panose="02020603050405020304" charset="0"/>
-              </a:rPr>
-              <a:t> Accuracy S</a:t>
-            </a:r>
-            <a:r>
-              <a:rPr lang="en-GB" altLang="en-US" sz="2000" b="1" dirty="0">
-                <a:latin typeface="Times New Roman" panose="02020603050405020304" charset="0"/>
-                <a:cs typeface="Times New Roman" panose="02020603050405020304" charset="0"/>
-              </a:rPr>
-              <a:t>core of 86%</a:t>
-            </a:r>
-            <a:r>
-              <a:rPr lang="en-GB" altLang="en-US" sz="2000" dirty="0">
-                <a:latin typeface="Times New Roman" panose="02020603050405020304" charset="0"/>
-                <a:cs typeface="Times New Roman" panose="02020603050405020304" charset="0"/>
-              </a:rPr>
-              <a:t> and an </a:t>
-            </a:r>
-            <a:r>
-              <a:rPr lang="en-GB" altLang="en-US" sz="2000" b="1" dirty="0">
-                <a:latin typeface="Times New Roman" panose="02020603050405020304" charset="0"/>
-                <a:cs typeface="Times New Roman" panose="02020603050405020304" charset="0"/>
-              </a:rPr>
-              <a:t>AUC of 0.92</a:t>
-            </a:r>
-            <a:r>
-              <a:rPr lang="en-GB" altLang="en-US" sz="2000" dirty="0">
-                <a:latin typeface="Times New Roman" panose="02020603050405020304" charset="0"/>
-                <a:cs typeface="Times New Roman" panose="02020603050405020304" charset="0"/>
-              </a:rPr>
-              <a:t> is the best model out of the four models developed. </a:t>
-            </a:r>
-            <a:endParaRPr lang="en-GB" altLang="en-US" sz="2000" dirty="0">
-              <a:latin typeface="Times New Roman" panose="02020603050405020304" charset="0"/>
-              <a:cs typeface="Times New Roman" panose="02020603050405020304" charset="0"/>
-            </a:endParaRPr>
-          </a:p>
-          <a:p>
-            <a:pPr marL="0" indent="0">
-              <a:buNone/>
-            </a:pPr>
-            <a:endParaRPr lang="en-GB" altLang="en-US" sz="2000" dirty="0">
-              <a:latin typeface="Times New Roman" panose="02020603050405020304" charset="0"/>
-              <a:cs typeface="Times New Roman" panose="02020603050405020304" charset="0"/>
-            </a:endParaRPr>
-          </a:p>
-          <a:p>
-            <a:pPr marL="0" indent="0">
-              <a:buNone/>
-            </a:pPr>
-            <a:r>
-              <a:rPr lang="en-GB" altLang="en-US" sz="2000" dirty="0">
-                <a:latin typeface="Times New Roman" panose="02020603050405020304" charset="0"/>
-                <a:cs typeface="Times New Roman" panose="02020603050405020304" charset="0"/>
-              </a:rPr>
-              <a:t>The overall objective of this project which was to develop a high performing model to predict hotel booking cancellations was therefore met.</a:t>
-            </a:r>
-            <a:endParaRPr lang="en-GB" altLang="en-US" sz="2000" dirty="0">
-              <a:latin typeface="Times New Roman" panose="02020603050405020304" charset="0"/>
-              <a:cs typeface="Times New Roman" panose="02020603050405020304" charset="0"/>
-            </a:endParaRPr>
-          </a:p>
-        </p:txBody>
-      </p:sp>
-    </p:spTree>
-  </p:cSld>
-  <p:clrMapOvr>
-    <a:masterClrMapping/>
-  </p:clrMapOvr>
-</p:sld>
-</file>
-
-<file path=ppt/slides/slide22.xml><?xml version="1.0" encoding="utf-8"?>
-<p:sld xmlns:a="http://schemas.openxmlformats.org/drawingml/2006/main" xmlns:r="http://schemas.openxmlformats.org/officeDocument/2006/relationships" xmlns:p="http://schemas.openxmlformats.org/presentationml/2006/main">
-  <p:cSld>
-    <p:spTree>
-      <p:nvGrpSpPr>
-        <p:cNvPr id="1" name=""/>
-        <p:cNvGrpSpPr/>
-        <p:nvPr/>
-      </p:nvGrpSpPr>
-      <p:grpSpPr/>
-      <p:sp>
-        <p:nvSpPr>
-          <p:cNvPr id="2" name="Title 1"/>
-          <p:cNvSpPr>
-            <a:spLocks noGrp="1"/>
-          </p:cNvSpPr>
-          <p:nvPr>
-            <p:ph type="title"/>
-          </p:nvPr>
-        </p:nvSpPr>
-        <p:spPr>
-          <a:xfrm>
-            <a:off x="609600" y="274955"/>
-            <a:ext cx="10972800" cy="1087755"/>
-          </a:xfrm>
-        </p:spPr>
-        <p:txBody>
-          <a:bodyPr/>
-          <a:p>
-            <a:r>
-              <a:rPr lang="en-GB" altLang="en-US" sz="3200"/>
-              <a:t>Future Improvement Strategies</a:t>
-            </a:r>
-            <a:endParaRPr lang="en-GB" altLang="en-US" sz="3200"/>
-          </a:p>
-        </p:txBody>
-      </p:sp>
-      <p:sp>
-        <p:nvSpPr>
-          <p:cNvPr id="3" name="Content Placeholder 2"/>
-          <p:cNvSpPr>
-            <a:spLocks noGrp="1"/>
-          </p:cNvSpPr>
-          <p:nvPr>
-            <p:ph idx="1"/>
-          </p:nvPr>
-        </p:nvSpPr>
-        <p:spPr/>
-        <p:txBody>
-          <a:bodyPr/>
-          <a:p>
-            <a:r>
-              <a:rPr lang="en-US" altLang="en-GB" sz="2000" b="1">
-                <a:latin typeface="Times New Roman" panose="02020603050405020304" charset="0"/>
-                <a:cs typeface="Times New Roman" panose="02020603050405020304" charset="0"/>
-              </a:rPr>
-              <a:t>Feature Engineering</a:t>
-            </a:r>
-            <a:r>
-              <a:rPr lang="en-US" altLang="en-GB" sz="2000">
-                <a:latin typeface="Times New Roman" panose="02020603050405020304" charset="0"/>
-                <a:cs typeface="Times New Roman" panose="02020603050405020304" charset="0"/>
-              </a:rPr>
-              <a:t>: incorporating additional features such as customer demographics, booking patterns</a:t>
-            </a:r>
-            <a:r>
-              <a:rPr lang="en-GB" altLang="en-US" sz="2000">
-                <a:latin typeface="Times New Roman" panose="02020603050405020304" charset="0"/>
-                <a:cs typeface="Times New Roman" panose="02020603050405020304" charset="0"/>
-              </a:rPr>
-              <a:t> could improve model’s performance.</a:t>
-            </a:r>
-            <a:endParaRPr lang="en-GB" altLang="en-US" sz="2000">
-              <a:latin typeface="Times New Roman" panose="02020603050405020304" charset="0"/>
-              <a:cs typeface="Times New Roman" panose="02020603050405020304" charset="0"/>
-            </a:endParaRPr>
-          </a:p>
-          <a:p>
-            <a:pPr marL="0" indent="0">
-              <a:buNone/>
-            </a:pPr>
-            <a:endParaRPr lang="en-US" altLang="en-GB" sz="2000">
-              <a:latin typeface="Times New Roman" panose="02020603050405020304" charset="0"/>
-              <a:cs typeface="Times New Roman" panose="02020603050405020304" charset="0"/>
-            </a:endParaRPr>
-          </a:p>
-          <a:p>
-            <a:r>
-              <a:rPr lang="en-US" altLang="en-GB" sz="2000" b="1">
-                <a:latin typeface="Times New Roman" panose="02020603050405020304" charset="0"/>
-                <a:cs typeface="Times New Roman" panose="02020603050405020304" charset="0"/>
-              </a:rPr>
-              <a:t>Model Ensemble:</a:t>
-            </a:r>
-            <a:r>
-              <a:rPr lang="en-US" altLang="en-GB" sz="2000">
-                <a:latin typeface="Times New Roman" panose="02020603050405020304" charset="0"/>
-                <a:cs typeface="Times New Roman" panose="02020603050405020304" charset="0"/>
-              </a:rPr>
-              <a:t> Combining the strengths of multiple models through techniques like stacking or boosting could improve performance. </a:t>
-            </a:r>
-            <a:endParaRPr lang="en-US" altLang="en-GB" sz="2000">
-              <a:latin typeface="Times New Roman" panose="02020603050405020304" charset="0"/>
-              <a:cs typeface="Times New Roman" panose="02020603050405020304" charset="0"/>
-            </a:endParaRPr>
-          </a:p>
-          <a:p>
-            <a:pPr marL="0" indent="0">
-              <a:buNone/>
-            </a:pPr>
-            <a:endParaRPr lang="en-US" altLang="en-GB" sz="2000">
-              <a:latin typeface="Times New Roman" panose="02020603050405020304" charset="0"/>
-              <a:cs typeface="Times New Roman" panose="02020603050405020304" charset="0"/>
-            </a:endParaRPr>
-          </a:p>
-          <a:p>
-            <a:r>
-              <a:rPr lang="en-US" altLang="en-GB" sz="2000" b="1">
-                <a:latin typeface="Times New Roman" panose="02020603050405020304" charset="0"/>
-                <a:cs typeface="Times New Roman" panose="02020603050405020304" charset="0"/>
-              </a:rPr>
-              <a:t>Real-Time Predictions</a:t>
-            </a:r>
-            <a:r>
-              <a:rPr lang="en-US" altLang="en-GB" sz="2000">
-                <a:latin typeface="Times New Roman" panose="02020603050405020304" charset="0"/>
-                <a:cs typeface="Times New Roman" panose="02020603050405020304" charset="0"/>
-              </a:rPr>
-              <a:t>: Implementing this model into a real-time system for predictive booking management could help hotels take proactive measures to minimize cancellations</a:t>
-            </a:r>
-            <a:r>
-              <a:rPr lang="en-GB" altLang="en-US" sz="2000">
-                <a:latin typeface="Times New Roman" panose="02020603050405020304" charset="0"/>
-                <a:cs typeface="Times New Roman" panose="02020603050405020304" charset="0"/>
-              </a:rPr>
-              <a:t>.</a:t>
-            </a:r>
-            <a:endParaRPr lang="en-GB" altLang="en-US" sz="2000">
-              <a:latin typeface="Times New Roman" panose="02020603050405020304" charset="0"/>
-              <a:cs typeface="Times New Roman" panose="02020603050405020304" charset="0"/>
-            </a:endParaRPr>
-          </a:p>
-        </p:txBody>
-      </p:sp>
-    </p:spTree>
-  </p:cSld>
-  <p:clrMapOvr>
-    <a:masterClrMapping/>
-  </p:clrMapOvr>
-</p:sld>
-</file>
-
-<file path=ppt/slides/slide23.xml><?xml version="1.0" encoding="utf-8"?>
-<p:sld xmlns:a="http://schemas.openxmlformats.org/drawingml/2006/main" xmlns:r="http://schemas.openxmlformats.org/officeDocument/2006/relationships" xmlns:p="http://schemas.openxmlformats.org/presentationml/2006/main">
-  <p:cSld>
-    <p:spTree>
-      <p:nvGrpSpPr>
-        <p:cNvPr id="1" name=""/>
-        <p:cNvGrpSpPr/>
-        <p:nvPr/>
-      </p:nvGrpSpPr>
-      <p:grpSpPr>
-        <a:xfrm>
-          <a:off x="0" y="0"/>
-          <a:ext cx="0" cy="0"/>
-          <a:chOff x="0" y="0"/>
-          <a:chExt cx="0" cy="0"/>
-        </a:xfrm>
-      </p:grpSpPr>
-      <p:sp>
-        <p:nvSpPr>
-          <p:cNvPr id="4" name="Rectangle 3"/>
-          <p:cNvSpPr/>
-          <p:nvPr/>
-        </p:nvSpPr>
-        <p:spPr>
-          <a:xfrm>
-            <a:off x="4017962" y="2967335"/>
-            <a:ext cx="4156075" cy="1014730"/>
-          </a:xfrm>
-          <a:prstGeom prst="rect">
-            <a:avLst/>
-          </a:prstGeom>
-          <a:noFill/>
-        </p:spPr>
-        <p:txBody>
-          <a:bodyPr wrap="none" lIns="91440" tIns="45720" rIns="91440" bIns="45720">
-            <a:spAutoFit/>
-            <a:scene3d>
-              <a:camera prst="orthographicFront"/>
-              <a:lightRig rig="soft" dir="t">
-                <a:rot lat="0" lon="0" rev="15600000"/>
-              </a:lightRig>
-            </a:scene3d>
-            <a:sp3d extrusionH="57150" prstMaterial="softEdge">
-              <a:bevelT w="25400" h="38100"/>
-            </a:sp3d>
-          </a:bodyPr>
-          <a:lstStyle/>
-          <a:p>
-            <a:pPr algn="ctr"/>
-            <a:r>
-              <a:rPr lang="en-US" sz="6000" b="1" i="0" cap="none" spc="0" dirty="0">
-                <a:solidFill>
-                  <a:schemeClr val="tx1"/>
-                </a:solidFill>
-                <a:effectLst/>
-                <a:latin typeface="Times New Roman" panose="02020603050405020304" charset="0"/>
-                <a:cs typeface="Times New Roman" panose="02020603050405020304" charset="0"/>
-              </a:rPr>
-              <a:t>Thank You</a:t>
-            </a:r>
-            <a:r>
-              <a:rPr lang="en-US" sz="5400" b="1" i="0" cap="none" spc="0" dirty="0">
-                <a:solidFill>
-                  <a:schemeClr val="accent4"/>
-                </a:solidFill>
-                <a:effectLst/>
-                <a:latin typeface="Arial" panose="020B0604020202020204" pitchFamily="34" charset="0"/>
-                <a:cs typeface="Arial" panose="020B0604020202020204" pitchFamily="34" charset="0"/>
-              </a:rPr>
-              <a:t>  </a:t>
-            </a:r>
-            <a:endParaRPr lang="en-US" sz="5400" b="1" cap="none" spc="0" dirty="0">
-              <a:solidFill>
-                <a:schemeClr val="accent4"/>
-              </a:solidFill>
-              <a:effectLst/>
-            </a:endParaRPr>
-          </a:p>
-        </p:txBody>
-      </p:sp>
-    </p:spTree>
-  </p:cSld>
-  <p:clrMapOvr>
-    <a:masterClrMapping/>
-  </p:clrMapOvr>
-</p:sld>
-</file>
-
-<file path=ppt/slides/slide24.xml><?xml version="1.0" encoding="utf-8"?>
-<p:sld xmlns:a="http://schemas.openxmlformats.org/drawingml/2006/main" xmlns:r="http://schemas.openxmlformats.org/officeDocument/2006/relationships" xmlns:p="http://schemas.openxmlformats.org/presentationml/2006/main">
-  <p:cSld>
-    <p:spTree>
-      <p:nvGrpSpPr>
-        <p:cNvPr id="1" name=""/>
-        <p:cNvGrpSpPr/>
-        <p:nvPr/>
-      </p:nvGrpSpPr>
-      <p:grpSpPr>
-        <a:xfrm>
-          <a:off x="0" y="0"/>
-          <a:ext cx="0" cy="0"/>
-          <a:chOff x="0" y="0"/>
-          <a:chExt cx="0" cy="0"/>
-        </a:xfrm>
-      </p:grpSpPr>
-      <p:sp>
-        <p:nvSpPr>
-          <p:cNvPr id="4" name="Rectangle 3"/>
-          <p:cNvSpPr/>
-          <p:nvPr/>
-        </p:nvSpPr>
-        <p:spPr>
-          <a:xfrm>
-            <a:off x="5028282" y="2967335"/>
-            <a:ext cx="2853845" cy="922020"/>
-          </a:xfrm>
-          <a:prstGeom prst="rect">
-            <a:avLst/>
-          </a:prstGeom>
-          <a:noFill/>
-        </p:spPr>
-        <p:txBody>
-          <a:bodyPr wrap="square" lIns="91440" tIns="45720" rIns="91440" bIns="45720">
-            <a:spAutoFit/>
-          </a:bodyPr>
-          <a:lstStyle/>
-          <a:p>
-            <a:pPr algn="ctr"/>
-            <a:r>
-              <a:rPr lang="en-US" sz="5400" b="0" cap="none" spc="0" dirty="0">
-                <a:ln w="0"/>
-                <a:solidFill>
-                  <a:schemeClr val="tx1"/>
-                </a:solidFill>
-                <a:effectLst>
-                  <a:outerShdw blurRad="38100" dist="19050" dir="2700000" algn="tl" rotWithShape="0">
-                    <a:schemeClr val="dk1">
-                      <a:alpha val="40000"/>
-                    </a:schemeClr>
-                  </a:outerShdw>
-                </a:effectLst>
-                <a:latin typeface="Times New Roman" panose="02020603050405020304" charset="0"/>
-                <a:cs typeface="Times New Roman" panose="02020603050405020304" charset="0"/>
-              </a:rPr>
-              <a:t>Q&amp;A</a:t>
-            </a:r>
-            <a:endParaRPr lang="en-US" sz="5400" b="0" cap="none" spc="0" dirty="0">
-              <a:ln w="0"/>
-              <a:solidFill>
-                <a:schemeClr val="tx1"/>
-              </a:solidFill>
-              <a:effectLst>
-                <a:outerShdw blurRad="38100" dist="19050" dir="2700000" algn="tl" rotWithShape="0">
-                  <a:schemeClr val="dk1">
-                    <a:alpha val="40000"/>
-                  </a:schemeClr>
-                </a:outerShdw>
-              </a:effectLst>
-              <a:latin typeface="Times New Roman" panose="02020603050405020304" charset="0"/>
-              <a:cs typeface="Times New Roman" panose="02020603050405020304" charset="0"/>
-            </a:endParaRPr>
-          </a:p>
-        </p:txBody>
-      </p:sp>
-    </p:spTree>
-  </p:cSld>
-  <p:clrMapOvr>
-    <a:masterClrMapping/>
-  </p:clrMapOvr>
-</p:sld>
-</file>
-
 <file path=ppt/slides/slide3.xml><?xml version="1.0" encoding="utf-8"?>
 <p:sld xmlns:a="http://schemas.openxmlformats.org/drawingml/2006/main" xmlns:r="http://schemas.openxmlformats.org/officeDocument/2006/relationships" xmlns:p="http://schemas.openxmlformats.org/presentationml/2006/main">
   <p:cSld>
@@ -7643,21 +6634,12 @@
             </a:endParaRPr>
           </a:p>
           <a:p>
-            <a:pPr marL="0" indent="0">
+            <a:pPr>
               <a:lnSpc>
                 <a:spcPct val="150000"/>
               </a:lnSpc>
-              <a:buFont typeface="+mj-lt"/>
-              <a:buNone/>
             </a:pPr>
             <a:r>
-              <a:rPr lang="en-GB" altLang="en-US" sz="2000">
-                <a:latin typeface="Times New Roman" panose="02020603050405020304" charset="0"/>
-                <a:cs typeface="Times New Roman" panose="02020603050405020304" charset="0"/>
-              </a:rPr>
-              <a:t>1. </a:t>
-            </a:r>
-            <a:r>
               <a:rPr lang="en-US" altLang="en-GB" sz="2000">
                 <a:latin typeface="Times New Roman" panose="02020603050405020304" charset="0"/>
                 <a:cs typeface="Times New Roman" panose="02020603050405020304" charset="0"/>
@@ -7670,26 +6652,17 @@
             </a:endParaRPr>
           </a:p>
           <a:p>
-            <a:pPr marL="0" indent="0">
+            <a:pPr>
               <a:lnSpc>
                 <a:spcPct val="150000"/>
               </a:lnSpc>
-              <a:buFont typeface="+mj-lt"/>
-              <a:buNone/>
             </a:pPr>
             <a:r>
-              <a:rPr lang="en-GB" altLang="en-US" sz="2000">
-                <a:latin typeface="Times New Roman" panose="02020603050405020304" charset="0"/>
-                <a:cs typeface="Times New Roman" panose="02020603050405020304" charset="0"/>
-              </a:rPr>
-              <a:t>2. </a:t>
-            </a:r>
-            <a:r>
               <a:rPr lang="en-US" altLang="en-GB" sz="2000">
                 <a:latin typeface="Times New Roman" panose="02020603050405020304" charset="0"/>
                 <a:cs typeface="Times New Roman" panose="02020603050405020304" charset="0"/>
               </a:rPr>
-              <a:t> Improve Customer Engagement Strategies </a:t>
+              <a:t>Improve Customer Engagement Strategies </a:t>
             </a:r>
             <a:endParaRPr lang="en-US" altLang="en-GB" sz="2000">
               <a:latin typeface="Times New Roman" panose="02020603050405020304" charset="0"/>
@@ -7697,26 +6670,17 @@
             </a:endParaRPr>
           </a:p>
           <a:p>
-            <a:pPr marL="0" indent="0">
+            <a:pPr>
               <a:lnSpc>
                 <a:spcPct val="150000"/>
               </a:lnSpc>
-              <a:buFont typeface="+mj-lt"/>
-              <a:buNone/>
             </a:pPr>
             <a:r>
-              <a:rPr lang="en-GB" altLang="en-US" sz="2000">
-                <a:latin typeface="Times New Roman" panose="02020603050405020304" charset="0"/>
-                <a:cs typeface="Times New Roman" panose="02020603050405020304" charset="0"/>
-              </a:rPr>
-              <a:t>3. </a:t>
-            </a:r>
-            <a:r>
               <a:rPr lang="en-US" altLang="en-GB" sz="2000">
                 <a:latin typeface="Times New Roman" panose="02020603050405020304" charset="0"/>
                 <a:cs typeface="Times New Roman" panose="02020603050405020304" charset="0"/>
               </a:rPr>
-              <a:t> Support Data-Driven Decision-Making</a:t>
+              <a:t>Support Data-Driven Decision-Making</a:t>
             </a:r>
             <a:endParaRPr lang="en-US" altLang="en-GB" sz="2000">
               <a:latin typeface="Times New Roman" panose="02020603050405020304" charset="0"/>
@@ -7820,7 +6784,7 @@
             </a:r>
             <a:r>
               <a:rPr lang="en-US" altLang="en-GB">
-                <a:hlinkClick r:id="rId1" tooltip="" action="ppaction://hlinkfile"/>
+                <a:hlinkClick r:id="rId1" action="ppaction://hlinkfile"/>
               </a:rPr>
               <a:t>Kaggle</a:t>
             </a:r>
@@ -8175,26 +7139,17 @@
             </a:endParaRPr>
           </a:p>
           <a:p>
-            <a:pPr marL="0" indent="0">
+            <a:pPr>
               <a:lnSpc>
                 <a:spcPct val="150000"/>
               </a:lnSpc>
-              <a:buFont typeface="+mj-lt"/>
-              <a:buNone/>
             </a:pPr>
             <a:r>
-              <a:rPr lang="en-GB" altLang="en-US" sz="2000">
-                <a:latin typeface="Times New Roman" panose="02020603050405020304" charset="0"/>
-                <a:cs typeface="Times New Roman" panose="02020603050405020304" charset="0"/>
-              </a:rPr>
-              <a:t>1.</a:t>
-            </a:r>
-            <a:r>
               <a:rPr lang="en-US" altLang="en-GB" sz="2000">
                 <a:latin typeface="Times New Roman" panose="02020603050405020304" charset="0"/>
                 <a:cs typeface="Times New Roman" panose="02020603050405020304" charset="0"/>
               </a:rPr>
-              <a:t> The training dataset had 74681 rows and 4 columns while the validation dataset had 999 rows and 4 columns</a:t>
+              <a:t>The training dataset had 74681 rows and 4 columns while the validation dataset had 999 rows and 4 columns</a:t>
             </a:r>
             <a:endParaRPr lang="en-US" altLang="en-GB" sz="2000">
               <a:latin typeface="Times New Roman" panose="02020603050405020304" charset="0"/>
@@ -8202,26 +7157,17 @@
             </a:endParaRPr>
           </a:p>
           <a:p>
-            <a:pPr marL="0" indent="0">
+            <a:pPr>
               <a:lnSpc>
                 <a:spcPct val="150000"/>
               </a:lnSpc>
-              <a:buFont typeface="+mj-lt"/>
-              <a:buNone/>
             </a:pPr>
             <a:r>
-              <a:rPr lang="en-GB" altLang="en-US" sz="2000">
-                <a:latin typeface="Times New Roman" panose="02020603050405020304" charset="0"/>
-                <a:cs typeface="Times New Roman" panose="02020603050405020304" charset="0"/>
-              </a:rPr>
-              <a:t>2.</a:t>
-            </a:r>
-            <a:r>
               <a:rPr lang="en-US" altLang="en-GB" sz="2000">
                 <a:latin typeface="Times New Roman" panose="02020603050405020304" charset="0"/>
                 <a:cs typeface="Times New Roman" panose="02020603050405020304" charset="0"/>
               </a:rPr>
-              <a:t> The training dataset had 686 missing values in the tweet column while the validation dataset had no missing values</a:t>
+              <a:t>The training dataset had 686 missing values in the tweet column while the validation dataset had no missing values</a:t>
             </a:r>
             <a:endParaRPr lang="en-US" altLang="en-GB" sz="2000">
               <a:latin typeface="Times New Roman" panose="02020603050405020304" charset="0"/>
@@ -8229,26 +7175,17 @@
             </a:endParaRPr>
           </a:p>
           <a:p>
-            <a:pPr marL="0" indent="0">
+            <a:pPr>
               <a:lnSpc>
                 <a:spcPct val="150000"/>
               </a:lnSpc>
-              <a:buFont typeface="+mj-lt"/>
-              <a:buNone/>
             </a:pPr>
             <a:r>
-              <a:rPr lang="en-GB" altLang="en-US" sz="2000">
-                <a:latin typeface="Times New Roman" panose="02020603050405020304" charset="0"/>
-                <a:cs typeface="Times New Roman" panose="02020603050405020304" charset="0"/>
-              </a:rPr>
-              <a:t>3.</a:t>
-            </a:r>
-            <a:r>
               <a:rPr lang="en-US" altLang="en-GB" sz="2000">
                 <a:latin typeface="Times New Roman" panose="02020603050405020304" charset="0"/>
                 <a:cs typeface="Times New Roman" panose="02020603050405020304" charset="0"/>
               </a:rPr>
-              <a:t> Both datasets had one column with integer data type and 3 columns with categorical data type</a:t>
+              <a:t>Both datasets had one column with integer data type and 3 columns with categorical data type</a:t>
             </a:r>
             <a:endParaRPr lang="en-US" altLang="en-GB" sz="2000">
               <a:latin typeface="Times New Roman" panose="02020603050405020304" charset="0"/>
@@ -8256,19 +7193,17 @@
             </a:endParaRPr>
           </a:p>
           <a:p>
-            <a:pPr marL="0" indent="0">
+            <a:pPr>
               <a:lnSpc>
                 <a:spcPct val="150000"/>
               </a:lnSpc>
-              <a:buFont typeface="+mj-lt"/>
-              <a:buNone/>
             </a:pPr>
             <a:r>
               <a:rPr lang="en-GB" altLang="en-US" sz="2000">
                 <a:latin typeface="Times New Roman" panose="02020603050405020304" charset="0"/>
                 <a:cs typeface="Times New Roman" panose="02020603050405020304" charset="0"/>
               </a:rPr>
-              <a:t>4. Both datasets had 4 unique values on the Sentiment Column</a:t>
+              <a:t>Both datasets had 4 unique values on the Sentiment Column</a:t>
             </a:r>
             <a:endParaRPr lang="en-GB" altLang="en-US" sz="2000">
               <a:latin typeface="Times New Roman" panose="02020603050405020304" charset="0"/>
@@ -8276,19 +7211,17 @@
             </a:endParaRPr>
           </a:p>
           <a:p>
-            <a:pPr marL="0" indent="0">
+            <a:pPr>
               <a:lnSpc>
                 <a:spcPct val="150000"/>
               </a:lnSpc>
-              <a:buFont typeface="+mj-lt"/>
-              <a:buNone/>
             </a:pPr>
             <a:r>
               <a:rPr lang="en-GB" altLang="en-US" sz="2000">
                 <a:latin typeface="Times New Roman" panose="02020603050405020304" charset="0"/>
                 <a:cs typeface="Times New Roman" panose="02020603050405020304" charset="0"/>
               </a:rPr>
-              <a:t>5. The column names were renamed to ID, Entity, Sentiment and Tweet</a:t>
+              <a:t>The column names were renamed to ID, Entity, Sentiment and Tweet</a:t>
             </a:r>
             <a:endParaRPr lang="en-GB" altLang="en-US" sz="2000">
               <a:latin typeface="Times New Roman" panose="02020603050405020304" charset="0"/>

--- a/presentation.pptx
+++ b/presentation.pptx
@@ -5,7 +5,7 @@
     <p:sldMasterId id="2147483648" r:id="rId1"/>
   </p:sldMasterIdLst>
   <p:notesMasterIdLst>
-    <p:notesMasterId r:id="rId21"/>
+    <p:notesMasterId r:id="rId20"/>
   </p:notesMasterIdLst>
   <p:sldIdLst>
     <p:sldId id="330" r:id="rId3"/>
@@ -21,11 +21,10 @@
     <p:sldId id="282" r:id="rId13"/>
     <p:sldId id="320" r:id="rId14"/>
     <p:sldId id="287" r:id="rId15"/>
-    <p:sldId id="329" r:id="rId16"/>
-    <p:sldId id="263" r:id="rId17"/>
-    <p:sldId id="298" r:id="rId18"/>
-    <p:sldId id="264" r:id="rId19"/>
-    <p:sldId id="297" r:id="rId20"/>
+    <p:sldId id="263" r:id="rId16"/>
+    <p:sldId id="298" r:id="rId17"/>
+    <p:sldId id="264" r:id="rId18"/>
+    <p:sldId id="297" r:id="rId19"/>
   </p:sldIdLst>
   <p:sldSz cx="12192000" cy="6858000"/>
   <p:notesSz cx="6858000" cy="9144000"/>
@@ -475,7 +474,7 @@
 </file>
 
 <file path=ppt/slideLayouts/slideLayout1.xml><?xml version="1.0" encoding="utf-8"?>
-<p:sldLayout xmlns:a="http://schemas.openxmlformats.org/drawingml/2006/main" xmlns:r="http://schemas.openxmlformats.org/officeDocument/2006/relationships" xmlns:p="http://schemas.openxmlformats.org/presentationml/2006/main" type="title" preserve="1" showMasterPhAnim="0" showMasterSp="0">
+<p:sldLayout xmlns:a="http://schemas.openxmlformats.org/drawingml/2006/main" xmlns:r="http://schemas.openxmlformats.org/officeDocument/2006/relationships" xmlns:p="http://schemas.openxmlformats.org/presentationml/2006/main" type="title" preserve="1" showMasterSp="0">
   <p:cSld name="Title Slide">
     <p:bg>
       <p:bgPr>
@@ -501,7 +500,7 @@
       </p:grpSpPr>
       <p:pic>
         <p:nvPicPr>
-          <p:cNvPr id="2050" name="Picture 2" descr="关系图"/>
+          <p:cNvPr id="2050" name="Picture 3"/>
           <p:cNvPicPr>
             <a:picLocks noChangeAspect="1"/>
           </p:cNvPicPr>
@@ -509,15 +508,14 @@
         </p:nvPicPr>
         <p:blipFill>
           <a:blip r:embed="rId2"/>
-          <a:srcRect r="2528" b="10909"/>
           <a:stretch>
             <a:fillRect/>
           </a:stretch>
         </p:blipFill>
         <p:spPr>
           <a:xfrm>
-            <a:off x="239184" y="692150"/>
-            <a:ext cx="11885083" cy="6110288"/>
+            <a:off x="0" y="19050"/>
+            <a:ext cx="12206817" cy="6867525"/>
           </a:xfrm>
           <a:prstGeom prst="rect">
             <a:avLst/>
@@ -530,122 +528,24 @@
       </p:pic>
       <p:sp>
         <p:nvSpPr>
-          <p:cNvPr id="10" name="Rectangle 7"/>
-          <p:cNvSpPr>
-            <a:spLocks noChangeArrowheads="1"/>
-          </p:cNvSpPr>
-          <p:nvPr/>
-        </p:nvSpPr>
-        <p:spPr bwMode="auto">
-          <a:xfrm>
-            <a:off x="2117" y="549275"/>
-            <a:ext cx="12192000" cy="1511300"/>
-          </a:xfrm>
-          <a:prstGeom prst="rect">
-            <a:avLst/>
-          </a:prstGeom>
-          <a:gradFill rotWithShape="0">
-            <a:gsLst>
-              <a:gs pos="0">
-                <a:schemeClr val="bg2">
-                  <a:gamma/>
-                  <a:tint val="0"/>
-                  <a:invGamma/>
-                </a:schemeClr>
-              </a:gs>
-              <a:gs pos="100000">
-                <a:schemeClr val="bg2">
-                  <a:alpha val="53999"/>
-                </a:schemeClr>
-              </a:gs>
-            </a:gsLst>
-            <a:lin ang="0" scaled="1"/>
-          </a:gradFill>
-          <a:ln>
-            <a:noFill/>
-          </a:ln>
-          <a:effectLst/>
-          <a:extLst>
-            <a:ext uri="{91240B29-F687-4F45-9708-019B960494DF}">
-              <a14:hiddenLine xmlns:a14="http://schemas.microsoft.com/office/drawing/2010/main" w="9525">
-                <a:solidFill>
-                  <a:srgbClr val="000000"/>
-                </a:solidFill>
-                <a:miter lim="800000"/>
-                <a:headEnd/>
-                <a:tailEnd/>
-              </a14:hiddenLine>
-            </a:ext>
-            <a:ext uri="{AF507438-7753-43E0-B8FC-AC1667EBCBE1}">
-              <a14:hiddenEffects xmlns:a14="http://schemas.microsoft.com/office/drawing/2010/main">
-                <a:effectLst>
-                  <a:outerShdw dist="35921" dir="2700000" algn="ctr" rotWithShape="0">
-                    <a:schemeClr val="bg2"/>
-                  </a:outerShdw>
-                </a:effectLst>
-              </a14:hiddenEffects>
-            </a:ext>
-          </a:extLst>
-        </p:spPr>
-        <p:txBody>
-          <a:bodyPr anchor="ctr"/>
-          <a:lstStyle/>
-          <a:p>
-            <a:pPr marL="0" marR="0" lvl="0" indent="0" algn="l" defTabSz="914400" rtl="0" eaLnBrk="1" fontAlgn="base" latinLnBrk="0" hangingPunct="1">
-              <a:lnSpc>
-                <a:spcPct val="100000"/>
-              </a:lnSpc>
-              <a:spcBef>
-                <a:spcPct val="0"/>
-              </a:spcBef>
-              <a:spcAft>
-                <a:spcPct val="0"/>
-              </a:spcAft>
-              <a:buClrTx/>
-              <a:buSzTx/>
-              <a:buFontTx/>
-              <a:buNone/>
-              <a:defRPr/>
-            </a:pPr>
-            <a:endParaRPr kumimoji="0" lang="en-US" sz="1800" b="0" i="0" u="none" strike="noStrike" kern="1200" cap="none" spc="0" normalizeH="0" baseline="0" noProof="0" smtClean="0">
-              <a:ln>
-                <a:noFill/>
-              </a:ln>
-              <a:solidFill>
-                <a:schemeClr val="tx1"/>
-              </a:solidFill>
-              <a:effectLst/>
-              <a:uLnTx/>
-              <a:uFillTx/>
-              <a:latin typeface="Arial" panose="020B0604020202020204" pitchFamily="34" charset="0"/>
-              <a:ea typeface="SimSun" panose="02010600030101010101" pitchFamily="2" charset="-122"/>
-              <a:cs typeface="+mn-cs"/>
-            </a:endParaRPr>
-          </a:p>
-        </p:txBody>
-      </p:sp>
-      <p:sp>
-        <p:nvSpPr>
           <p:cNvPr id="2051" name="Rectangle 3"/>
           <p:cNvSpPr>
-            <a:spLocks noChangeArrowheads="1"/>
-          </p:cNvSpPr>
-          <p:nvPr>
-            <p:ph type="subTitle" idx="1"/>
+            <a:spLocks noGrp="1" noChangeArrowheads="1"/>
+          </p:cNvSpPr>
+          <p:nvPr>
+            <p:ph type="ctrTitle"/>
           </p:nvPr>
         </p:nvSpPr>
         <p:spPr>
           <a:xfrm>
-            <a:off x="2544233" y="2492375"/>
-            <a:ext cx="7393517" cy="1222375"/>
+            <a:off x="2063751" y="1701800"/>
+            <a:ext cx="9211733" cy="1082675"/>
           </a:xfrm>
         </p:spPr>
         <p:txBody>
-          <a:bodyPr anchor="ctr"/>
+          <a:bodyPr/>
           <a:lstStyle>
-            <a:lvl1pPr marL="0" indent="0" algn="ctr">
-              <a:buFontTx/>
-              <a:buNone/>
+            <a:lvl1pPr>
               <a:defRPr/>
             </a:lvl1pPr>
           </a:lstStyle>
@@ -653,7 +553,7 @@
             <a:pPr lvl="0"/>
             <a:r>
               <a:rPr lang="en-US" altLang="zh-CN" noProof="0" smtClean="0"/>
-              <a:t>Click to edit Master subtitle style</a:t>
+              <a:t>Click to edit Master title style</a:t>
             </a:r>
             <a:endParaRPr lang="en-US" altLang="zh-CN" noProof="0" smtClean="0"/>
           </a:p>
@@ -661,32 +561,38 @@
       </p:sp>
       <p:sp>
         <p:nvSpPr>
-          <p:cNvPr id="2056" name="Rectangle 8"/>
-          <p:cNvSpPr>
-            <a:spLocks noChangeArrowheads="1"/>
-          </p:cNvSpPr>
-          <p:nvPr>
-            <p:ph type="ctrTitle"/>
+          <p:cNvPr id="2052" name="Rectangle 4"/>
+          <p:cNvSpPr>
+            <a:spLocks noGrp="1" noChangeArrowheads="1"/>
+          </p:cNvSpPr>
+          <p:nvPr>
+            <p:ph type="subTitle" idx="1"/>
           </p:nvPr>
         </p:nvSpPr>
         <p:spPr>
           <a:xfrm>
-            <a:off x="1007533" y="620713"/>
-            <a:ext cx="10363200" cy="1470025"/>
+            <a:off x="2063751" y="2927350"/>
+            <a:ext cx="9218083" cy="1752600"/>
           </a:xfrm>
         </p:spPr>
         <p:txBody>
           <a:bodyPr/>
           <a:lstStyle>
-            <a:lvl1pPr>
-              <a:defRPr sz="3600"/>
+            <a:lvl1pPr marL="0" indent="0" algn="r">
+              <a:buFontTx/>
+              <a:buNone/>
+              <a:defRPr>
+                <a:solidFill>
+                  <a:schemeClr val="bg1"/>
+                </a:solidFill>
+              </a:defRPr>
             </a:lvl1pPr>
           </a:lstStyle>
           <a:p>
             <a:pPr lvl="0"/>
             <a:r>
               <a:rPr lang="en-US" altLang="zh-CN" noProof="0" smtClean="0"/>
-              <a:t>Click to edit Master title style</a:t>
+              <a:t>Click to edit Master subtitle style</a:t>
             </a:r>
             <a:endParaRPr lang="en-US" altLang="zh-CN" noProof="0" smtClean="0"/>
           </a:p>
@@ -694,9 +600,9 @@
       </p:sp>
       <p:sp>
         <p:nvSpPr>
-          <p:cNvPr id="11" name="Rectangle 4"/>
-          <p:cNvSpPr>
-            <a:spLocks noChangeArrowheads="1"/>
+          <p:cNvPr id="9" name="Rectangle 5"/>
+          <p:cNvSpPr>
+            <a:spLocks noGrp="1" noChangeArrowheads="1"/>
           </p:cNvSpPr>
           <p:nvPr>
             <p:ph type="dt" sz="half" idx="2"/>
@@ -757,9 +663,9 @@
       </p:sp>
       <p:sp>
         <p:nvSpPr>
-          <p:cNvPr id="12" name="Rectangle 5"/>
-          <p:cNvSpPr>
-            <a:spLocks noChangeArrowheads="1"/>
+          <p:cNvPr id="10" name="Rectangle 6"/>
+          <p:cNvSpPr>
+            <a:spLocks noGrp="1" noChangeArrowheads="1"/>
           </p:cNvSpPr>
           <p:nvPr>
             <p:ph type="ftr" sz="quarter" idx="3"/>
@@ -817,9 +723,9 @@
       </p:sp>
       <p:sp>
         <p:nvSpPr>
-          <p:cNvPr id="13" name="Rectangle 6"/>
-          <p:cNvSpPr>
-            <a:spLocks noChangeArrowheads="1"/>
+          <p:cNvPr id="11" name="Rectangle 7"/>
+          <p:cNvSpPr>
+            <a:spLocks noGrp="1" noChangeArrowheads="1"/>
           </p:cNvSpPr>
           <p:nvPr>
             <p:ph type="sldNum" sz="quarter" idx="4"/>
@@ -883,141 +789,6 @@
   <p:clrMapOvr>
     <a:masterClrMapping/>
   </p:clrMapOvr>
-  <p:timing>
-    <p:tnLst>
-      <p:par>
-        <p:cTn id="1" dur="indefinite" restart="never" nodeType="tmRoot">
-          <p:childTnLst>
-            <p:seq concurrent="1" nextAc="seek">
-              <p:cTn id="2" dur="indefinite" nodeType="mainSeq">
-                <p:childTnLst>
-                  <p:par>
-                    <p:cTn id="3" fill="hold">
-                      <p:stCondLst>
-                        <p:cond delay="indefinite"/>
-                        <p:cond evt="onBegin" delay="0">
-                          <p:tn val="2"/>
-                        </p:cond>
-                      </p:stCondLst>
-                      <p:childTnLst>
-                        <p:par>
-                          <p:cTn id="4" fill="hold">
-                            <p:stCondLst>
-                              <p:cond delay="0"/>
-                            </p:stCondLst>
-                            <p:childTnLst>
-                              <p:par>
-                                <p:cTn id="5" presetID="29" presetClass="entr" presetSubtype="0" fill="hold" grpId="0" nodeType="withEffect">
-                                  <p:stCondLst>
-                                    <p:cond delay="0"/>
-                                  </p:stCondLst>
-                                  <p:childTnLst>
-                                    <p:set>
-                                      <p:cBhvr>
-                                        <p:cTn id="6" dur="1" fill="hold">
-                                          <p:stCondLst>
-                                            <p:cond delay="0"/>
-                                          </p:stCondLst>
-                                        </p:cTn>
-                                        <p:tgtEl>
-                                          <p:spTgt spid="10"/>
-                                        </p:tgtEl>
-                                        <p:attrNameLst>
-                                          <p:attrName>style.visibility</p:attrName>
-                                        </p:attrNameLst>
-                                      </p:cBhvr>
-                                      <p:to>
-                                        <p:strVal val="visible"/>
-                                      </p:to>
-                                    </p:set>
-                                    <p:anim calcmode="lin" valueType="num">
-                                      <p:cBhvr>
-                                        <p:cTn id="7" dur="1000" fill="hold"/>
-                                        <p:tgtEl>
-                                          <p:spTgt spid="10"/>
-                                        </p:tgtEl>
-                                        <p:attrNameLst>
-                                          <p:attrName>ppt_x</p:attrName>
-                                        </p:attrNameLst>
-                                      </p:cBhvr>
-                                      <p:tavLst>
-                                        <p:tav tm="0">
-                                          <p:val>
-                                            <p:strVal val="#ppt_x-.2"/>
-                                          </p:val>
-                                        </p:tav>
-                                        <p:tav tm="100000">
-                                          <p:val>
-                                            <p:strVal val="#ppt_x"/>
-                                          </p:val>
-                                        </p:tav>
-                                      </p:tavLst>
-                                    </p:anim>
-                                    <p:anim calcmode="lin" valueType="num">
-                                      <p:cBhvr>
-                                        <p:cTn id="8" dur="1000" fill="hold"/>
-                                        <p:tgtEl>
-                                          <p:spTgt spid="10"/>
-                                        </p:tgtEl>
-                                        <p:attrNameLst>
-                                          <p:attrName>ppt_y</p:attrName>
-                                        </p:attrNameLst>
-                                      </p:cBhvr>
-                                      <p:tavLst>
-                                        <p:tav tm="0">
-                                          <p:val>
-                                            <p:strVal val="#ppt_y"/>
-                                          </p:val>
-                                        </p:tav>
-                                        <p:tav tm="100000">
-                                          <p:val>
-                                            <p:strVal val="#ppt_y"/>
-                                          </p:val>
-                                        </p:tav>
-                                      </p:tavLst>
-                                    </p:anim>
-                                    <p:animEffect transition="in" filter="wipe(right)" prLst="gradientSize: 0.1">
-                                      <p:cBhvr>
-                                        <p:cTn id="9" dur="1000"/>
-                                        <p:tgtEl>
-                                          <p:spTgt spid="10"/>
-                                        </p:tgtEl>
-                                      </p:cBhvr>
-                                    </p:animEffect>
-                                  </p:childTnLst>
-                                </p:cTn>
-                              </p:par>
-                            </p:childTnLst>
-                          </p:cTn>
-                        </p:par>
-                      </p:childTnLst>
-                    </p:cTn>
-                  </p:par>
-                </p:childTnLst>
-              </p:cTn>
-              <p:prevCondLst>
-                <p:cond evt="onPrev" delay="0">
-                  <p:tgtEl>
-                    <p:sldTgt/>
-                  </p:tgtEl>
-                </p:cond>
-              </p:prevCondLst>
-              <p:nextCondLst>
-                <p:cond evt="onNext" delay="0">
-                  <p:tgtEl>
-                    <p:sldTgt/>
-                  </p:tgtEl>
-                </p:cond>
-              </p:nextCondLst>
-            </p:seq>
-          </p:childTnLst>
-        </p:cTn>
-      </p:par>
-    </p:tnLst>
-    <p:bldLst>
-      <p:bldP spid="10" grpId="0" bldLvl="0" animBg="1"/>
-    </p:bldLst>
-  </p:timing>
   <p:hf sldNum="0" hdr="0" ftr="0" dt="0"/>
 </p:sldLayout>
 </file>
@@ -1216,8 +987,8 @@
         </p:nvSpPr>
         <p:spPr>
           <a:xfrm>
-            <a:off x="8839200" y="274638"/>
-            <a:ext cx="2743200" cy="5851525"/>
+            <a:off x="8839200" y="190500"/>
+            <a:ext cx="2743200" cy="5937250"/>
           </a:xfrm>
         </p:spPr>
         <p:txBody>
@@ -1244,8 +1015,8 @@
         </p:nvSpPr>
         <p:spPr>
           <a:xfrm>
-            <a:off x="609600" y="274638"/>
-            <a:ext cx="8026400" cy="5851525"/>
+            <a:off x="609600" y="190500"/>
+            <a:ext cx="8026400" cy="5937250"/>
           </a:xfrm>
         </p:spPr>
         <p:txBody>
@@ -1763,8 +1534,8 @@
         </p:nvSpPr>
         <p:spPr>
           <a:xfrm>
-            <a:off x="609600" y="1600200"/>
-            <a:ext cx="5384800" cy="4525963"/>
+            <a:off x="609600" y="1174750"/>
+            <a:ext cx="5384800" cy="4953000"/>
           </a:xfrm>
         </p:spPr>
         <p:txBody>
@@ -1824,8 +1595,8 @@
         </p:nvSpPr>
         <p:spPr>
           <a:xfrm>
-            <a:off x="6197600" y="1600200"/>
-            <a:ext cx="5384800" cy="4525963"/>
+            <a:off x="6197600" y="1174750"/>
+            <a:ext cx="5384800" cy="4953000"/>
           </a:xfrm>
         </p:spPr>
         <p:txBody>
@@ -3070,105 +2841,9 @@
         <p:nvPr/>
       </p:nvGrpSpPr>
       <p:grpSpPr/>
-      <p:sp>
-        <p:nvSpPr>
-          <p:cNvPr id="1026" name="Rectangle 2"/>
-          <p:cNvSpPr>
-            <a:spLocks noChangeArrowheads="1"/>
-          </p:cNvSpPr>
-          <p:nvPr/>
-        </p:nvSpPr>
-        <p:spPr bwMode="auto">
-          <a:xfrm>
-            <a:off x="2117" y="333375"/>
-            <a:ext cx="12192000" cy="1009650"/>
-          </a:xfrm>
-          <a:prstGeom prst="rect">
-            <a:avLst/>
-          </a:prstGeom>
-          <a:gradFill rotWithShape="0">
-            <a:gsLst>
-              <a:gs pos="0">
-                <a:schemeClr val="bg2">
-                  <a:gamma/>
-                  <a:tint val="0"/>
-                  <a:invGamma/>
-                </a:schemeClr>
-              </a:gs>
-              <a:gs pos="100000">
-                <a:schemeClr val="bg2">
-                  <a:alpha val="53999"/>
-                </a:schemeClr>
-              </a:gs>
-            </a:gsLst>
-            <a:lin ang="0" scaled="1"/>
-          </a:gradFill>
-          <a:ln>
-            <a:noFill/>
-          </a:ln>
-          <a:effectLst/>
-          <a:extLst>
-            <a:ext uri="{91240B29-F687-4F45-9708-019B960494DF}">
-              <a14:hiddenLine xmlns:a14="http://schemas.microsoft.com/office/drawing/2010/main" w="9525">
-                <a:solidFill>
-                  <a:srgbClr val="000000"/>
-                </a:solidFill>
-                <a:miter lim="800000"/>
-                <a:headEnd/>
-                <a:tailEnd/>
-              </a14:hiddenLine>
-            </a:ext>
-            <a:ext uri="{AF507438-7753-43E0-B8FC-AC1667EBCBE1}">
-              <a14:hiddenEffects xmlns:a14="http://schemas.microsoft.com/office/drawing/2010/main">
-                <a:effectLst>
-                  <a:outerShdw dist="35921" dir="2700000" algn="ctr" rotWithShape="0">
-                    <a:schemeClr val="bg2"/>
-                  </a:outerShdw>
-                </a:effectLst>
-              </a14:hiddenEffects>
-            </a:ext>
-          </a:extLst>
-        </p:spPr>
-        <p:txBody>
-          <a:bodyPr anchor="ctr"/>
-          <a:lstStyle/>
-          <a:p>
-            <a:pPr marL="0" marR="0" lvl="0" indent="0" algn="l" defTabSz="914400" rtl="0" eaLnBrk="1" fontAlgn="base" latinLnBrk="0" hangingPunct="1">
-              <a:lnSpc>
-                <a:spcPct val="100000"/>
-              </a:lnSpc>
-              <a:spcBef>
-                <a:spcPct val="0"/>
-              </a:spcBef>
-              <a:spcAft>
-                <a:spcPct val="0"/>
-              </a:spcAft>
-              <a:buClrTx/>
-              <a:buSzTx/>
-              <a:buFontTx/>
-              <a:buNone/>
-              <a:defRPr/>
-            </a:pPr>
-            <a:endParaRPr kumimoji="0" lang="en-US" sz="1800" b="0" i="0" u="none" strike="noStrike" kern="1200" cap="none" spc="0" normalizeH="0" baseline="0" noProof="0" smtClean="0">
-              <a:ln>
-                <a:noFill/>
-              </a:ln>
-              <a:solidFill>
-                <a:schemeClr val="tx1"/>
-              </a:solidFill>
-              <a:effectLst/>
-              <a:uLnTx/>
-              <a:uFillTx/>
-              <a:latin typeface="Arial" panose="020B0604020202020204" pitchFamily="34" charset="0"/>
-              <a:ea typeface="SimSun" panose="02010600030101010101" pitchFamily="2" charset="-122"/>
-              <a:cs typeface="+mn-cs"/>
-            </a:endParaRPr>
-          </a:p>
-        </p:txBody>
-      </p:sp>
       <p:pic>
         <p:nvPicPr>
-          <p:cNvPr id="1027" name="Picture 3" descr="关系图"/>
+          <p:cNvPr id="1026" name="Picture 8"/>
           <p:cNvPicPr>
             <a:picLocks noChangeAspect="1"/>
           </p:cNvPicPr>
@@ -3176,15 +2851,14 @@
         </p:nvPicPr>
         <p:blipFill>
           <a:blip r:embed="rId12"/>
-          <a:srcRect t="1094" r="8122" b="13318"/>
           <a:stretch>
             <a:fillRect/>
           </a:stretch>
         </p:blipFill>
         <p:spPr>
           <a:xfrm>
-            <a:off x="7730067" y="4438650"/>
-            <a:ext cx="4453467" cy="2333625"/>
+            <a:off x="0" y="0"/>
+            <a:ext cx="12192000" cy="6858000"/>
           </a:xfrm>
           <a:prstGeom prst="rect">
             <a:avLst/>
@@ -3197,16 +2871,18 @@
       </p:pic>
       <p:sp>
         <p:nvSpPr>
-          <p:cNvPr id="1028" name="Rectangle 4"/>
-          <p:cNvSpPr/>
+          <p:cNvPr id="1027" name="Rectangle 3"/>
+          <p:cNvSpPr>
+            <a:spLocks noGrp="1"/>
+          </p:cNvSpPr>
           <p:nvPr>
             <p:ph type="title"/>
           </p:nvPr>
         </p:nvSpPr>
         <p:spPr>
           <a:xfrm>
-            <a:off x="609600" y="274638"/>
-            <a:ext cx="10972800" cy="1143000"/>
+            <a:off x="609600" y="190500"/>
+            <a:ext cx="10972800" cy="582613"/>
           </a:xfrm>
           <a:prstGeom prst="rect">
             <a:avLst/>
@@ -3230,16 +2906,18 @@
       </p:sp>
       <p:sp>
         <p:nvSpPr>
-          <p:cNvPr id="1029" name="Rectangle 5"/>
-          <p:cNvSpPr/>
+          <p:cNvPr id="1028" name="Rectangle 4"/>
+          <p:cNvSpPr>
+            <a:spLocks noGrp="1"/>
+          </p:cNvSpPr>
           <p:nvPr>
             <p:ph type="body" idx="1"/>
           </p:nvPr>
         </p:nvSpPr>
         <p:spPr>
           <a:xfrm>
-            <a:off x="609600" y="1600200"/>
-            <a:ext cx="10972800" cy="4525963"/>
+            <a:off x="609600" y="1174750"/>
+            <a:ext cx="10972800" cy="4953000"/>
           </a:xfrm>
           <a:prstGeom prst="rect">
             <a:avLst/>
@@ -3295,9 +2973,9 @@
       </p:sp>
       <p:sp>
         <p:nvSpPr>
-          <p:cNvPr id="1030" name="Rectangle 6"/>
-          <p:cNvSpPr>
-            <a:spLocks noChangeArrowheads="1"/>
+          <p:cNvPr id="1029" name="Rectangle 5"/>
+          <p:cNvSpPr>
+            <a:spLocks noGrp="1" noChangeArrowheads="1"/>
           </p:cNvSpPr>
           <p:nvPr>
             <p:ph type="dt" sz="half" idx="2"/>
@@ -3362,9 +3040,9 @@
       </p:sp>
       <p:sp>
         <p:nvSpPr>
-          <p:cNvPr id="1031" name="Rectangle 7"/>
-          <p:cNvSpPr>
-            <a:spLocks noChangeArrowheads="1"/>
+          <p:cNvPr id="1030" name="Rectangle 6"/>
+          <p:cNvSpPr>
+            <a:spLocks noGrp="1" noChangeArrowheads="1"/>
           </p:cNvSpPr>
           <p:nvPr>
             <p:ph type="ftr" sz="quarter" idx="3"/>
@@ -3426,9 +3104,9 @@
       </p:sp>
       <p:sp>
         <p:nvSpPr>
-          <p:cNvPr id="1032" name="Rectangle 8"/>
-          <p:cNvSpPr>
-            <a:spLocks noChangeArrowheads="1"/>
+          <p:cNvPr id="1031" name="Rectangle 7"/>
+          <p:cNvSpPr>
+            <a:spLocks noGrp="1" noChangeArrowheads="1"/>
           </p:cNvSpPr>
           <p:nvPr>
             <p:ph type="sldNum" sz="quarter" idx="4"/>
@@ -3507,357 +3185,140 @@
     <p:sldLayoutId id="2147483658" r:id="rId10"/>
     <p:sldLayoutId id="2147483659" r:id="rId11"/>
   </p:sldLayoutIdLst>
-  <p:timing>
-    <p:tnLst>
-      <p:par>
-        <p:cTn id="1" dur="indefinite" restart="never" nodeType="tmRoot">
-          <p:childTnLst>
-            <p:seq concurrent="1" nextAc="seek">
-              <p:cTn id="2" dur="indefinite" nodeType="mainSeq">
-                <p:childTnLst>
-                  <p:par>
-                    <p:cTn id="3" fill="hold">
-                      <p:stCondLst>
-                        <p:cond delay="indefinite"/>
-                        <p:cond evt="onBegin" delay="0">
-                          <p:tn val="2"/>
-                        </p:cond>
-                      </p:stCondLst>
-                      <p:childTnLst>
-                        <p:par>
-                          <p:cTn id="4" fill="hold">
-                            <p:stCondLst>
-                              <p:cond delay="0"/>
-                            </p:stCondLst>
-                            <p:childTnLst>
-                              <p:par>
-                                <p:cTn id="5" presetID="29" presetClass="entr" presetSubtype="0" fill="hold" grpId="0" nodeType="withEffect">
-                                  <p:stCondLst>
-                                    <p:cond delay="0"/>
-                                  </p:stCondLst>
-                                  <p:childTnLst>
-                                    <p:set>
-                                      <p:cBhvr>
-                                        <p:cTn id="6" dur="1" fill="hold">
-                                          <p:stCondLst>
-                                            <p:cond delay="0"/>
-                                          </p:stCondLst>
-                                        </p:cTn>
-                                        <p:tgtEl>
-                                          <p:spTgt spid="1026"/>
-                                        </p:tgtEl>
-                                        <p:attrNameLst>
-                                          <p:attrName>style.visibility</p:attrName>
-                                        </p:attrNameLst>
-                                      </p:cBhvr>
-                                      <p:to>
-                                        <p:strVal val="visible"/>
-                                      </p:to>
-                                    </p:set>
-                                    <p:anim calcmode="lin" valueType="num">
-                                      <p:cBhvr>
-                                        <p:cTn id="7" dur="1000" fill="hold"/>
-                                        <p:tgtEl>
-                                          <p:spTgt spid="1026"/>
-                                        </p:tgtEl>
-                                        <p:attrNameLst>
-                                          <p:attrName>ppt_x</p:attrName>
-                                        </p:attrNameLst>
-                                      </p:cBhvr>
-                                      <p:tavLst>
-                                        <p:tav tm="0">
-                                          <p:val>
-                                            <p:strVal val="#ppt_x-.2"/>
-                                          </p:val>
-                                        </p:tav>
-                                        <p:tav tm="100000">
-                                          <p:val>
-                                            <p:strVal val="#ppt_x"/>
-                                          </p:val>
-                                        </p:tav>
-                                      </p:tavLst>
-                                    </p:anim>
-                                    <p:anim calcmode="lin" valueType="num">
-                                      <p:cBhvr>
-                                        <p:cTn id="8" dur="1000" fill="hold"/>
-                                        <p:tgtEl>
-                                          <p:spTgt spid="1026"/>
-                                        </p:tgtEl>
-                                        <p:attrNameLst>
-                                          <p:attrName>ppt_y</p:attrName>
-                                        </p:attrNameLst>
-                                      </p:cBhvr>
-                                      <p:tavLst>
-                                        <p:tav tm="0">
-                                          <p:val>
-                                            <p:strVal val="#ppt_y"/>
-                                          </p:val>
-                                        </p:tav>
-                                        <p:tav tm="100000">
-                                          <p:val>
-                                            <p:strVal val="#ppt_y"/>
-                                          </p:val>
-                                        </p:tav>
-                                      </p:tavLst>
-                                    </p:anim>
-                                    <p:animEffect transition="in" filter="wipe(right)" prLst="gradientSize: 0.1">
-                                      <p:cBhvr>
-                                        <p:cTn id="9" dur="1000"/>
-                                        <p:tgtEl>
-                                          <p:spTgt spid="1026"/>
-                                        </p:tgtEl>
-                                      </p:cBhvr>
-                                    </p:animEffect>
-                                  </p:childTnLst>
-                                </p:cTn>
-                              </p:par>
-                              <p:par>
-                                <p:cTn id="10" presetID="29" presetClass="entr" presetSubtype="0" fill="hold" grpId="0" nodeType="withEffect">
-                                  <p:stCondLst>
-                                    <p:cond delay="0"/>
-                                  </p:stCondLst>
-                                  <p:childTnLst>
-                                    <p:set>
-                                      <p:cBhvr>
-                                        <p:cTn id="11" dur="1" fill="hold">
-                                          <p:stCondLst>
-                                            <p:cond delay="0"/>
-                                          </p:stCondLst>
-                                        </p:cTn>
-                                        <p:tgtEl>
-                                          <p:spTgt spid="1028"/>
-                                        </p:tgtEl>
-                                        <p:attrNameLst>
-                                          <p:attrName>style.visibility</p:attrName>
-                                        </p:attrNameLst>
-                                      </p:cBhvr>
-                                      <p:to>
-                                        <p:strVal val="visible"/>
-                                      </p:to>
-                                    </p:set>
-                                    <p:anim calcmode="lin" valueType="num">
-                                      <p:cBhvr>
-                                        <p:cTn id="12" dur="1000" fill="hold"/>
-                                        <p:tgtEl>
-                                          <p:spTgt spid="1028"/>
-                                        </p:tgtEl>
-                                        <p:attrNameLst>
-                                          <p:attrName>ppt_x</p:attrName>
-                                        </p:attrNameLst>
-                                      </p:cBhvr>
-                                      <p:tavLst>
-                                        <p:tav tm="0">
-                                          <p:val>
-                                            <p:strVal val="#ppt_x-.2"/>
-                                          </p:val>
-                                        </p:tav>
-                                        <p:tav tm="100000">
-                                          <p:val>
-                                            <p:strVal val="#ppt_x"/>
-                                          </p:val>
-                                        </p:tav>
-                                      </p:tavLst>
-                                    </p:anim>
-                                    <p:anim calcmode="lin" valueType="num">
-                                      <p:cBhvr>
-                                        <p:cTn id="13" dur="1000" fill="hold"/>
-                                        <p:tgtEl>
-                                          <p:spTgt spid="1028"/>
-                                        </p:tgtEl>
-                                        <p:attrNameLst>
-                                          <p:attrName>ppt_y</p:attrName>
-                                        </p:attrNameLst>
-                                      </p:cBhvr>
-                                      <p:tavLst>
-                                        <p:tav tm="0">
-                                          <p:val>
-                                            <p:strVal val="#ppt_y"/>
-                                          </p:val>
-                                        </p:tav>
-                                        <p:tav tm="100000">
-                                          <p:val>
-                                            <p:strVal val="#ppt_y"/>
-                                          </p:val>
-                                        </p:tav>
-                                      </p:tavLst>
-                                    </p:anim>
-                                    <p:animEffect transition="in" filter="wipe(right)" prLst="gradientSize: 0.1">
-                                      <p:cBhvr>
-                                        <p:cTn id="14" dur="1000"/>
-                                        <p:tgtEl>
-                                          <p:spTgt spid="1028"/>
-                                        </p:tgtEl>
-                                      </p:cBhvr>
-                                    </p:animEffect>
-                                  </p:childTnLst>
-                                </p:cTn>
-                              </p:par>
-                            </p:childTnLst>
-                          </p:cTn>
-                        </p:par>
-                      </p:childTnLst>
-                    </p:cTn>
-                  </p:par>
-                </p:childTnLst>
-              </p:cTn>
-              <p:prevCondLst>
-                <p:cond evt="onPrev" delay="0">
-                  <p:tgtEl>
-                    <p:sldTgt/>
-                  </p:tgtEl>
-                </p:cond>
-              </p:prevCondLst>
-              <p:nextCondLst>
-                <p:cond evt="onNext" delay="0">
-                  <p:tgtEl>
-                    <p:sldTgt/>
-                  </p:tgtEl>
-                </p:cond>
-              </p:nextCondLst>
-            </p:seq>
-          </p:childTnLst>
-        </p:cTn>
-      </p:par>
-    </p:tnLst>
-    <p:bldLst>
-      <p:bldP spid="1026" grpId="0" bldLvl="0" animBg="1"/>
-      <p:bldP spid="1028" grpId="0" bldLvl="0"/>
-    </p:bldLst>
-  </p:timing>
   <p:hf sldNum="0" hdr="0" ftr="0" dt="0"/>
   <p:txStyles>
     <p:titleStyle>
-      <a:lvl1pPr algn="ctr" rtl="0" fontAlgn="base">
+      <a:lvl1pPr algn="r" rtl="0" fontAlgn="base">
         <a:spcBef>
           <a:spcPct val="0"/>
         </a:spcBef>
         <a:spcAft>
           <a:spcPct val="0"/>
         </a:spcAft>
-        <a:defRPr sz="4400" kern="1200">
+        <a:defRPr sz="3600" kern="1200">
           <a:solidFill>
-            <a:schemeClr val="tx2"/>
+            <a:schemeClr val="bg1"/>
           </a:solidFill>
           <a:latin typeface="+mj-lt"/>
           <a:ea typeface="+mj-ea"/>
           <a:cs typeface="+mj-cs"/>
         </a:defRPr>
       </a:lvl1pPr>
-      <a:lvl2pPr algn="ctr" rtl="0" fontAlgn="base">
+      <a:lvl2pPr algn="r" rtl="0" fontAlgn="base">
         <a:spcBef>
           <a:spcPct val="0"/>
         </a:spcBef>
         <a:spcAft>
           <a:spcPct val="0"/>
         </a:spcAft>
-        <a:defRPr sz="4400">
+        <a:defRPr sz="3600">
           <a:solidFill>
-            <a:schemeClr val="tx2"/>
+            <a:schemeClr val="bg1"/>
           </a:solidFill>
           <a:latin typeface="Arial" panose="020B0604020202020204" pitchFamily="34" charset="0"/>
           <a:ea typeface="SimSun" panose="02010600030101010101" pitchFamily="2" charset="-122"/>
         </a:defRPr>
       </a:lvl2pPr>
-      <a:lvl3pPr algn="ctr" rtl="0" fontAlgn="base">
+      <a:lvl3pPr algn="r" rtl="0" fontAlgn="base">
         <a:spcBef>
           <a:spcPct val="0"/>
         </a:spcBef>
         <a:spcAft>
           <a:spcPct val="0"/>
         </a:spcAft>
-        <a:defRPr sz="4400">
+        <a:defRPr sz="3600">
           <a:solidFill>
-            <a:schemeClr val="tx2"/>
+            <a:schemeClr val="bg1"/>
           </a:solidFill>
           <a:latin typeface="Arial" panose="020B0604020202020204" pitchFamily="34" charset="0"/>
           <a:ea typeface="SimSun" panose="02010600030101010101" pitchFamily="2" charset="-122"/>
         </a:defRPr>
       </a:lvl3pPr>
-      <a:lvl4pPr algn="ctr" rtl="0" fontAlgn="base">
+      <a:lvl4pPr algn="r" rtl="0" fontAlgn="base">
         <a:spcBef>
           <a:spcPct val="0"/>
         </a:spcBef>
         <a:spcAft>
           <a:spcPct val="0"/>
         </a:spcAft>
-        <a:defRPr sz="4400">
+        <a:defRPr sz="3600">
           <a:solidFill>
-            <a:schemeClr val="tx2"/>
+            <a:schemeClr val="bg1"/>
           </a:solidFill>
           <a:latin typeface="Arial" panose="020B0604020202020204" pitchFamily="34" charset="0"/>
           <a:ea typeface="SimSun" panose="02010600030101010101" pitchFamily="2" charset="-122"/>
         </a:defRPr>
       </a:lvl4pPr>
-      <a:lvl5pPr algn="ctr" rtl="0" fontAlgn="base">
+      <a:lvl5pPr algn="r" rtl="0" fontAlgn="base">
         <a:spcBef>
           <a:spcPct val="0"/>
         </a:spcBef>
         <a:spcAft>
           <a:spcPct val="0"/>
         </a:spcAft>
-        <a:defRPr sz="4400">
+        <a:defRPr sz="3600">
           <a:solidFill>
-            <a:schemeClr val="tx2"/>
+            <a:schemeClr val="bg1"/>
           </a:solidFill>
           <a:latin typeface="Arial" panose="020B0604020202020204" pitchFamily="34" charset="0"/>
           <a:ea typeface="SimSun" panose="02010600030101010101" pitchFamily="2" charset="-122"/>
         </a:defRPr>
       </a:lvl5pPr>
-      <a:lvl6pPr marL="457200" algn="ctr" rtl="0" fontAlgn="base">
+      <a:lvl6pPr marL="457200" algn="r" rtl="0" fontAlgn="base">
         <a:spcBef>
           <a:spcPct val="0"/>
         </a:spcBef>
         <a:spcAft>
           <a:spcPct val="0"/>
         </a:spcAft>
-        <a:defRPr sz="4400">
+        <a:defRPr sz="3600">
           <a:solidFill>
-            <a:schemeClr val="tx2"/>
+            <a:schemeClr val="bg1"/>
           </a:solidFill>
           <a:latin typeface="Arial" panose="020B0604020202020204" pitchFamily="34" charset="0"/>
           <a:ea typeface="SimSun" panose="02010600030101010101" pitchFamily="2" charset="-122"/>
         </a:defRPr>
       </a:lvl6pPr>
-      <a:lvl7pPr marL="914400" algn="ctr" rtl="0" fontAlgn="base">
+      <a:lvl7pPr marL="914400" algn="r" rtl="0" fontAlgn="base">
         <a:spcBef>
           <a:spcPct val="0"/>
         </a:spcBef>
         <a:spcAft>
           <a:spcPct val="0"/>
         </a:spcAft>
-        <a:defRPr sz="4400">
+        <a:defRPr sz="3600">
           <a:solidFill>
-            <a:schemeClr val="tx2"/>
+            <a:schemeClr val="bg1"/>
           </a:solidFill>
           <a:latin typeface="Arial" panose="020B0604020202020204" pitchFamily="34" charset="0"/>
           <a:ea typeface="SimSun" panose="02010600030101010101" pitchFamily="2" charset="-122"/>
         </a:defRPr>
       </a:lvl7pPr>
-      <a:lvl8pPr marL="1371600" algn="ctr" rtl="0" fontAlgn="base">
+      <a:lvl8pPr marL="1371600" algn="r" rtl="0" fontAlgn="base">
         <a:spcBef>
           <a:spcPct val="0"/>
         </a:spcBef>
         <a:spcAft>
           <a:spcPct val="0"/>
         </a:spcAft>
-        <a:defRPr sz="4400">
+        <a:defRPr sz="3600">
           <a:solidFill>
-            <a:schemeClr val="tx2"/>
+            <a:schemeClr val="bg1"/>
           </a:solidFill>
           <a:latin typeface="Arial" panose="020B0604020202020204" pitchFamily="34" charset="0"/>
           <a:ea typeface="SimSun" panose="02010600030101010101" pitchFamily="2" charset="-122"/>
         </a:defRPr>
       </a:lvl8pPr>
-      <a:lvl9pPr marL="1828800" algn="ctr" rtl="0" fontAlgn="base">
+      <a:lvl9pPr marL="1828800" algn="r" rtl="0" fontAlgn="base">
         <a:spcBef>
           <a:spcPct val="0"/>
         </a:spcBef>
         <a:spcAft>
           <a:spcPct val="0"/>
         </a:spcAft>
-        <a:defRPr sz="4400">
+        <a:defRPr sz="3600">
           <a:solidFill>
-            <a:schemeClr val="tx2"/>
+            <a:schemeClr val="bg1"/>
           </a:solidFill>
           <a:latin typeface="Arial" panose="020B0604020202020204" pitchFamily="34" charset="0"/>
           <a:ea typeface="SimSun" panose="02010600030101010101" pitchFamily="2" charset="-122"/>
@@ -4144,43 +3605,69 @@
         </p:nvSpPr>
         <p:spPr>
           <a:xfrm>
-            <a:off x="845820" y="247015"/>
-            <a:ext cx="10736580" cy="1005205"/>
+            <a:off x="1296670" y="0"/>
+            <a:ext cx="10895330" cy="1005205"/>
           </a:xfrm>
         </p:spPr>
         <p:txBody>
           <a:bodyPr/>
           <a:p>
             <a:r>
-              <a:rPr lang="en-US" altLang="en-GB" sz="2000">
+              <a:rPr lang="en-GB" altLang="en-US" sz="2000" b="1">
+                <a:solidFill>
+                  <a:schemeClr val="tx1"/>
+                </a:solidFill>
+                <a:latin typeface="Times New Roman" panose="02020603050405020304" charset="0"/>
+                <a:cs typeface="Times New Roman" panose="02020603050405020304" charset="0"/>
+              </a:rPr>
+              <a:t>   </a:t>
+            </a:r>
+            <a:r>
+              <a:rPr lang="en-US" altLang="en-GB" sz="2000" b="1">
+                <a:solidFill>
+                  <a:schemeClr val="tx1"/>
+                </a:solidFill>
                 <a:latin typeface="Times New Roman" panose="02020603050405020304" charset="0"/>
                 <a:cs typeface="Times New Roman" panose="02020603050405020304" charset="0"/>
               </a:rPr>
               <a:t>BUILDING AN NLP MODEL FOR ENTITY-LEVEL SENTIMENT ANALYSIS ON TWITTER</a:t>
             </a:r>
-            <a:endParaRPr lang="en-US" altLang="en-GB" sz="2000">
-              <a:latin typeface="Times New Roman" panose="02020603050405020304" charset="0"/>
-              <a:cs typeface="Times New Roman" panose="02020603050405020304" charset="0"/>
-            </a:endParaRPr>
-          </a:p>
-        </p:txBody>
-      </p:sp>
-      <p:sp>
-        <p:nvSpPr>
-          <p:cNvPr id="3" name="Content Placeholder 2"/>
-          <p:cNvSpPr/>
+            <a:endParaRPr lang="en-US" altLang="en-GB" sz="2000" b="1">
+              <a:solidFill>
+                <a:schemeClr val="tx1"/>
+              </a:solidFill>
+              <a:latin typeface="Times New Roman" panose="02020603050405020304" charset="0"/>
+              <a:cs typeface="Times New Roman" panose="02020603050405020304" charset="0"/>
+            </a:endParaRPr>
+          </a:p>
+        </p:txBody>
+      </p:sp>
+      <p:pic>
+        <p:nvPicPr>
+          <p:cNvPr id="4" name="Content Placeholder 3" descr="Presentation"/>
+          <p:cNvPicPr>
+            <a:picLocks noChangeAspect="1"/>
+          </p:cNvPicPr>
           <p:nvPr>
             <p:ph idx="1"/>
           </p:nvPr>
-        </p:nvSpPr>
-        <p:spPr/>
-        <p:txBody>
-          <a:bodyPr/>
-          <a:p>
-            <a:endParaRPr lang="en-GB" altLang="en-US"/>
-          </a:p>
-        </p:txBody>
-      </p:sp>
+        </p:nvPicPr>
+        <p:blipFill>
+          <a:blip r:embed="rId1"/>
+          <a:stretch>
+            <a:fillRect/>
+          </a:stretch>
+        </p:blipFill>
+        <p:spPr>
+          <a:xfrm>
+            <a:off x="1897380" y="1170305"/>
+            <a:ext cx="8995410" cy="5067935"/>
+          </a:xfrm>
+          <a:prstGeom prst="rect">
+            <a:avLst/>
+          </a:prstGeom>
+        </p:spPr>
+      </p:pic>
     </p:spTree>
   </p:cSld>
   <p:clrMapOvr>
@@ -4218,22 +3705,29 @@
         </p:nvSpPr>
         <p:spPr>
           <a:xfrm>
-            <a:off x="2592925" y="624110"/>
-            <a:ext cx="8911687" cy="736060"/>
+            <a:off x="1699895" y="0"/>
+            <a:ext cx="9658985" cy="735965"/>
           </a:xfrm>
         </p:spPr>
         <p:txBody>
           <a:bodyPr/>
           <a:lstStyle/>
           <a:p>
-            <a:r>
-              <a:rPr lang="en-GB" altLang="en-US" sz="3200" b="1" dirty="0">
+            <a:pPr algn="l"/>
+            <a:r>
+              <a:rPr lang="en-GB" altLang="en-US" sz="2800" b="1" dirty="0">
+                <a:solidFill>
+                  <a:schemeClr val="tx1"/>
+                </a:solidFill>
                 <a:latin typeface="Times New Roman" panose="02020603050405020304" charset="0"/>
                 <a:cs typeface="Times New Roman" panose="02020603050405020304" charset="0"/>
               </a:rPr>
               <a:t>Modelling</a:t>
             </a:r>
-            <a:endParaRPr lang="en-GB" altLang="en-US" sz="3200" b="1" dirty="0">
+            <a:endParaRPr lang="en-GB" altLang="en-US" sz="2800" b="1" dirty="0">
+              <a:solidFill>
+                <a:schemeClr val="tx1"/>
+              </a:solidFill>
               <a:latin typeface="Times New Roman" panose="02020603050405020304" charset="0"/>
               <a:cs typeface="Times New Roman" panose="02020603050405020304" charset="0"/>
             </a:endParaRPr>
@@ -4252,8 +3746,8 @@
         </p:nvSpPr>
         <p:spPr>
           <a:xfrm>
-            <a:off x="2592925" y="1447800"/>
-            <a:ext cx="8619905" cy="4998720"/>
+            <a:off x="1700530" y="1097280"/>
+            <a:ext cx="9512300" cy="5349240"/>
           </a:xfrm>
         </p:spPr>
         <p:txBody>
@@ -4311,7 +3805,7 @@
                 <a:latin typeface="Times New Roman" panose="02020603050405020304" charset="0"/>
                 <a:cs typeface="Times New Roman" panose="02020603050405020304" charset="0"/>
               </a:rPr>
-              <a:t>2. Random Forest Model(Tuned) </a:t>
+              <a:t>2. Random Forest Model</a:t>
             </a:r>
             <a:endParaRPr lang="en-GB" altLang="en-US" sz="2000">
               <a:latin typeface="Times New Roman" panose="02020603050405020304" charset="0"/>
@@ -4357,22 +3851,29 @@
         </p:nvSpPr>
         <p:spPr>
           <a:xfrm>
-            <a:off x="2482215" y="756285"/>
-            <a:ext cx="8911590" cy="579755"/>
+            <a:off x="1717040" y="176530"/>
+            <a:ext cx="9676765" cy="579755"/>
           </a:xfrm>
         </p:spPr>
         <p:txBody>
           <a:bodyPr/>
           <a:lstStyle/>
           <a:p>
-            <a:r>
-              <a:rPr lang="en-GB" altLang="en-US" sz="3200" b="1" dirty="0">
+            <a:pPr algn="l"/>
+            <a:r>
+              <a:rPr lang="en-GB" altLang="en-US" sz="2800" b="1" dirty="0">
+                <a:solidFill>
+                  <a:schemeClr val="tx1"/>
+                </a:solidFill>
                 <a:latin typeface="Times New Roman" panose="02020603050405020304" charset="0"/>
                 <a:cs typeface="Times New Roman" panose="02020603050405020304" charset="0"/>
               </a:rPr>
               <a:t>Model Evaluation</a:t>
             </a:r>
-            <a:endParaRPr lang="en-GB" altLang="en-US" sz="3200" b="1" dirty="0">
+            <a:endParaRPr lang="en-GB" altLang="en-US" sz="2800" b="1" dirty="0">
+              <a:solidFill>
+                <a:schemeClr val="tx1"/>
+              </a:solidFill>
               <a:latin typeface="Times New Roman" panose="02020603050405020304" charset="0"/>
               <a:cs typeface="Times New Roman" panose="02020603050405020304" charset="0"/>
             </a:endParaRPr>
@@ -4401,7 +3902,7 @@
           </a:bodyPr>
           <a:lstStyle/>
           <a:p>
-            <a:pPr marL="0" indent="0">
+            <a:pPr marL="0" indent="0" algn="just">
               <a:lnSpc>
                 <a:spcPct val="150000"/>
               </a:lnSpc>
@@ -4422,7 +3923,7 @@
             </a:endParaRPr>
           </a:p>
           <a:p>
-            <a:pPr>
+            <a:pPr algn="just">
               <a:lnSpc>
                 <a:spcPct val="150000"/>
               </a:lnSpc>
@@ -4456,7 +3957,7 @@
             </a:endParaRPr>
           </a:p>
           <a:p>
-            <a:pPr>
+            <a:pPr algn="just">
               <a:lnSpc>
                 <a:spcPct val="150000"/>
               </a:lnSpc>
@@ -4474,7 +3975,7 @@
             </a:endParaRPr>
           </a:p>
           <a:p>
-            <a:pPr marL="0" indent="0">
+            <a:pPr marL="0" indent="0" algn="just">
               <a:lnSpc>
                 <a:spcPct val="150000"/>
               </a:lnSpc>
@@ -4517,21 +4018,28 @@
         </p:nvSpPr>
         <p:spPr>
           <a:xfrm>
-            <a:off x="2592705" y="624205"/>
-            <a:ext cx="8911590" cy="863600"/>
+            <a:off x="1748790" y="0"/>
+            <a:ext cx="9755505" cy="863600"/>
           </a:xfrm>
         </p:spPr>
         <p:txBody>
           <a:bodyPr/>
           <a:p>
-            <a:r>
-              <a:rPr lang="en-GB" altLang="en-US" sz="3200" b="1">
+            <a:pPr algn="l"/>
+            <a:r>
+              <a:rPr lang="en-GB" altLang="en-US" sz="2800" b="1">
+                <a:solidFill>
+                  <a:schemeClr val="tx1"/>
+                </a:solidFill>
                 <a:latin typeface="Times New Roman" panose="02020603050405020304" charset="0"/>
                 <a:cs typeface="Times New Roman" panose="02020603050405020304" charset="0"/>
               </a:rPr>
               <a:t>Logistic Regression Model-Confusion Matrix</a:t>
             </a:r>
-            <a:endParaRPr lang="en-GB" altLang="en-US" sz="3200" b="1">
+            <a:endParaRPr lang="en-GB" altLang="en-US" sz="2800" b="1">
+              <a:solidFill>
+                <a:schemeClr val="tx1"/>
+              </a:solidFill>
               <a:latin typeface="Times New Roman" panose="02020603050405020304" charset="0"/>
               <a:cs typeface="Times New Roman" panose="02020603050405020304" charset="0"/>
             </a:endParaRPr>
@@ -4583,7 +4091,7 @@
                 <a:latin typeface="Times New Roman" panose="02020603050405020304" charset="0"/>
                 <a:cs typeface="Times New Roman" panose="02020603050405020304" charset="0"/>
               </a:rPr>
-              <a:t>1.Accuracy Score = 76%</a:t>
+              <a:t>Accuracy Score = 76%</a:t>
             </a:r>
             <a:endParaRPr lang="en-GB" altLang="en-US" sz="2000">
               <a:latin typeface="Times New Roman" panose="02020603050405020304" charset="0"/>
@@ -4616,8 +4124,8 @@
         </p:blipFill>
         <p:spPr>
           <a:xfrm>
-            <a:off x="2593340" y="1381125"/>
-            <a:ext cx="6307455" cy="4510405"/>
+            <a:off x="2003425" y="1381125"/>
+            <a:ext cx="6897370" cy="4510405"/>
           </a:xfrm>
           <a:prstGeom prst="rect">
             <a:avLst/>
@@ -4661,8 +4169,8 @@
         </p:nvSpPr>
         <p:spPr>
           <a:xfrm>
-            <a:off x="1640425" y="388525"/>
-            <a:ext cx="8911687" cy="770350"/>
+            <a:off x="1688465" y="0"/>
+            <a:ext cx="9006840" cy="770255"/>
           </a:xfrm>
         </p:spPr>
         <p:txBody>
@@ -4671,14 +4179,21 @@
           </a:bodyPr>
           <a:lstStyle/>
           <a:p>
-            <a:r>
-              <a:rPr lang="en-GB" altLang="en-US" sz="3200" b="1" dirty="0">
+            <a:pPr algn="l"/>
+            <a:r>
+              <a:rPr lang="en-GB" altLang="en-US" sz="2800" b="1" dirty="0">
+                <a:solidFill>
+                  <a:schemeClr val="tx1"/>
+                </a:solidFill>
                 <a:latin typeface="Times New Roman" panose="02020603050405020304" charset="0"/>
                 <a:cs typeface="Times New Roman" panose="02020603050405020304" charset="0"/>
               </a:rPr>
               <a:t>Random Forest Model-Confusion Matrix</a:t>
             </a:r>
-            <a:endParaRPr lang="en-GB" altLang="en-US" sz="3200" b="1" dirty="0">
+            <a:endParaRPr lang="en-GB" altLang="en-US" sz="2800" b="1" dirty="0">
+              <a:solidFill>
+                <a:schemeClr val="tx1"/>
+              </a:solidFill>
               <a:latin typeface="Times New Roman" panose="02020603050405020304" charset="0"/>
               <a:cs typeface="Times New Roman" panose="02020603050405020304" charset="0"/>
             </a:endParaRPr>
@@ -4709,9 +4224,9 @@
             <a:endParaRPr lang="en-US" altLang="en-GB"/>
           </a:p>
           <a:p>
-            <a:pPr marL="285750" indent="-285750" algn="l">
+            <a:pPr indent="0" algn="l">
               <a:buFont typeface="Arial" panose="020B0604020202020204" pitchFamily="34" charset="0"/>
-              <a:buChar char="•"/>
+              <a:buNone/>
             </a:pPr>
             <a:r>
               <a:rPr lang="en-GB" altLang="en-US" sz="2000" b="1" u="sng">
@@ -4737,9 +4252,9 @@
             </a:endParaRPr>
           </a:p>
           <a:p>
-            <a:pPr marL="285750" indent="-285750" algn="l">
+            <a:pPr indent="0" algn="l">
               <a:buFont typeface="Arial" panose="020B0604020202020204" pitchFamily="34" charset="0"/>
-              <a:buChar char="•"/>
+              <a:buNone/>
             </a:pPr>
             <a:r>
               <a:rPr lang="en-GB" altLang="en-US" sz="2000">
@@ -4747,7 +4262,7 @@
                 <a:cs typeface="Times New Roman" panose="02020603050405020304" charset="0"/>
                 <a:sym typeface="+mn-ea"/>
               </a:rPr>
-              <a:t>1.Accuracy Score = 89.6%</a:t>
+              <a:t>Accuracy Score = 89.6%</a:t>
             </a:r>
             <a:endParaRPr lang="en-US" altLang="en-GB" sz="2000">
               <a:latin typeface="Times New Roman" panose="02020603050405020304" charset="0"/>
@@ -4775,7 +4290,7 @@
         <p:spPr>
           <a:xfrm>
             <a:off x="1274445" y="1439545"/>
-            <a:ext cx="6872605" cy="4135755"/>
+            <a:ext cx="6872605" cy="4359275"/>
           </a:xfrm>
           <a:prstGeom prst="rect">
             <a:avLst/>
@@ -4819,8 +4334,8 @@
         </p:nvSpPr>
         <p:spPr>
           <a:xfrm>
-            <a:off x="1640425" y="388525"/>
-            <a:ext cx="8911687" cy="770350"/>
+            <a:off x="1755140" y="157480"/>
+            <a:ext cx="8955405" cy="577850"/>
           </a:xfrm>
         </p:spPr>
         <p:txBody>
@@ -4829,165 +4344,335 @@
           </a:bodyPr>
           <a:lstStyle/>
           <a:p>
-            <a:r>
-              <a:rPr lang="en-GB" altLang="en-US" sz="3200" b="1" dirty="0">
-                <a:latin typeface="Times New Roman" panose="02020603050405020304" charset="0"/>
-                <a:cs typeface="Times New Roman" panose="02020603050405020304" charset="0"/>
-                <a:sym typeface="+mn-ea"/>
-              </a:rPr>
-              <a:t>Decision Tree Model(Tuned) - Confusion Matrix</a:t>
-            </a:r>
-            <a:endParaRPr lang="en-GB" altLang="en-US" sz="3200" b="1" dirty="0">
-              <a:latin typeface="Times New Roman" panose="02020603050405020304" charset="0"/>
-              <a:cs typeface="Times New Roman" panose="02020603050405020304" charset="0"/>
-            </a:endParaRPr>
-          </a:p>
-        </p:txBody>
-      </p:sp>
-      <p:sp>
-        <p:nvSpPr>
-          <p:cNvPr id="6" name="Text Box 5"/>
-          <p:cNvSpPr txBox="1"/>
-          <p:nvPr/>
+            <a:pPr algn="l"/>
+            <a:r>
+              <a:rPr lang="en-GB" altLang="en-US" sz="3110" b="1" dirty="0">
+                <a:solidFill>
+                  <a:schemeClr val="tx1"/>
+                </a:solidFill>
+                <a:latin typeface="Times New Roman" panose="02020603050405020304" charset="0"/>
+                <a:cs typeface="Times New Roman" panose="02020603050405020304" charset="0"/>
+              </a:rPr>
+              <a:t>Insights</a:t>
+            </a:r>
+            <a:endParaRPr lang="en-GB" altLang="en-US" sz="3110" b="1" dirty="0">
+              <a:solidFill>
+                <a:schemeClr val="tx1"/>
+              </a:solidFill>
+              <a:latin typeface="Times New Roman" panose="02020603050405020304" charset="0"/>
+              <a:cs typeface="Times New Roman" panose="02020603050405020304" charset="0"/>
+            </a:endParaRPr>
+          </a:p>
+        </p:txBody>
+      </p:sp>
+      <p:sp>
+        <p:nvSpPr>
+          <p:cNvPr id="3" name="Content Placeholder 2"/>
+          <p:cNvSpPr>
+            <a:spLocks noGrp="1"/>
+          </p:cNvSpPr>
+          <p:nvPr>
+            <p:ph idx="1"/>
+          </p:nvPr>
         </p:nvSpPr>
         <p:spPr>
           <a:xfrm>
-            <a:off x="8768080" y="1654810"/>
-            <a:ext cx="3424555" cy="2550795"/>
+            <a:off x="309880" y="959485"/>
+            <a:ext cx="11654155" cy="5598795"/>
           </a:xfrm>
-          <a:prstGeom prst="rect">
-            <a:avLst/>
-          </a:prstGeom>
-          <a:noFill/>
         </p:spPr>
         <p:txBody>
-          <a:bodyPr wrap="square" rtlCol="0">
+          <a:bodyPr>
             <a:noAutofit/>
           </a:bodyPr>
-          <a:p>
-            <a:r>
-              <a:rPr lang="en-GB" altLang="en-US"/>
-              <a:t>   </a:t>
-            </a:r>
-            <a:r>
-              <a:rPr lang="en-GB" altLang="en-US" sz="2000" b="1" u="sng">
+          <a:lstStyle/>
+          <a:p>
+            <a:pPr marL="0" indent="0" algn="just">
+              <a:lnSpc>
+                <a:spcPct val="150000"/>
+              </a:lnSpc>
+              <a:buNone/>
+            </a:pPr>
+            <a:r>
+              <a:rPr lang="en-GB" altLang="en-US" sz="1800" dirty="0">
+                <a:latin typeface="Times New Roman" panose="02020603050405020304" charset="0"/>
+                <a:cs typeface="Times New Roman" panose="02020603050405020304" charset="0"/>
+              </a:rPr>
+              <a:t>1</a:t>
+            </a:r>
+            <a:r>
+              <a:rPr lang="en-GB" altLang="en-US" sz="1800" b="1" dirty="0">
+                <a:latin typeface="Times New Roman" panose="02020603050405020304" charset="0"/>
+                <a:cs typeface="Times New Roman" panose="02020603050405020304" charset="0"/>
+              </a:rPr>
+              <a:t>.Logistic Regression Model</a:t>
+            </a:r>
+            <a:endParaRPr lang="en-GB" altLang="en-US" sz="1800" b="1" dirty="0">
+              <a:latin typeface="Times New Roman" panose="02020603050405020304" charset="0"/>
+              <a:cs typeface="Times New Roman" panose="02020603050405020304" charset="0"/>
+            </a:endParaRPr>
+          </a:p>
+          <a:p>
+            <a:pPr algn="just">
+              <a:lnSpc>
+                <a:spcPct val="150000"/>
+              </a:lnSpc>
+            </a:pPr>
+            <a:r>
+              <a:rPr lang="en-GB" altLang="en-US" sz="1800" dirty="0">
+                <a:latin typeface="Times New Roman" panose="02020603050405020304" charset="0"/>
+                <a:cs typeface="Times New Roman" panose="02020603050405020304" charset="0"/>
+              </a:rPr>
+              <a:t>Model achieved an accuracy score of 76%</a:t>
+            </a:r>
+            <a:endParaRPr lang="en-GB" altLang="en-US" sz="1800" dirty="0">
+              <a:latin typeface="Times New Roman" panose="02020603050405020304" charset="0"/>
+              <a:cs typeface="Times New Roman" panose="02020603050405020304" charset="0"/>
+            </a:endParaRPr>
+          </a:p>
+          <a:p>
+            <a:pPr algn="just">
+              <a:lnSpc>
+                <a:spcPct val="150000"/>
+              </a:lnSpc>
+            </a:pPr>
+            <a:r>
+              <a:rPr lang="en-US" altLang="en-GB" sz="1800" dirty="0">
+                <a:latin typeface="Times New Roman" panose="02020603050405020304" charset="0"/>
+                <a:cs typeface="Times New Roman" panose="02020603050405020304" charset="0"/>
+              </a:rPr>
+              <a:t>The score indicates the model's effectiveness in sentiment classification.</a:t>
+            </a:r>
+            <a:endParaRPr lang="en-US" altLang="en-GB" sz="1800" dirty="0">
+              <a:latin typeface="Times New Roman" panose="02020603050405020304" charset="0"/>
+              <a:cs typeface="Times New Roman" panose="02020603050405020304" charset="0"/>
+            </a:endParaRPr>
+          </a:p>
+          <a:p>
+            <a:pPr marL="0" indent="0" algn="just">
+              <a:lnSpc>
+                <a:spcPct val="150000"/>
+              </a:lnSpc>
+              <a:buNone/>
+            </a:pPr>
+            <a:endParaRPr lang="en-US" altLang="en-GB" sz="1800" dirty="0">
+              <a:latin typeface="Times New Roman" panose="02020603050405020304" charset="0"/>
+              <a:cs typeface="Times New Roman" panose="02020603050405020304" charset="0"/>
+            </a:endParaRPr>
+          </a:p>
+          <a:p>
+            <a:pPr marL="0" indent="0" algn="just">
+              <a:lnSpc>
+                <a:spcPct val="150000"/>
+              </a:lnSpc>
+              <a:buNone/>
+            </a:pPr>
+            <a:r>
+              <a:rPr lang="en-US" altLang="en-GB" sz="1800" b="1">
+                <a:latin typeface="Times New Roman" panose="02020603050405020304" charset="0"/>
+                <a:cs typeface="Times New Roman" panose="02020603050405020304" charset="0"/>
+              </a:rPr>
+              <a:t>2.</a:t>
+            </a:r>
+            <a:r>
+              <a:rPr lang="en-GB" altLang="en-US" sz="1800" b="1">
+                <a:latin typeface="Times New Roman" panose="02020603050405020304" charset="0"/>
+                <a:cs typeface="Times New Roman" panose="02020603050405020304" charset="0"/>
+              </a:rPr>
+              <a:t> Random Forest Model </a:t>
+            </a:r>
+            <a:endParaRPr lang="en-GB" altLang="en-US" sz="1800" b="1">
+              <a:latin typeface="Times New Roman" panose="02020603050405020304" charset="0"/>
+              <a:cs typeface="Times New Roman" panose="02020603050405020304" charset="0"/>
+            </a:endParaRPr>
+          </a:p>
+          <a:p>
+            <a:pPr algn="just">
+              <a:lnSpc>
+                <a:spcPct val="150000"/>
+              </a:lnSpc>
+            </a:pPr>
+            <a:r>
+              <a:rPr lang="en-GB" altLang="en-US" sz="1800" dirty="0">
                 <a:latin typeface="Times New Roman" panose="02020603050405020304" charset="0"/>
                 <a:cs typeface="Times New Roman" panose="02020603050405020304" charset="0"/>
                 <a:sym typeface="+mn-ea"/>
               </a:rPr>
-              <a:t>Interpretation</a:t>
-            </a:r>
-            <a:endParaRPr lang="en-GB" altLang="en-US" sz="2000" b="1" u="sng"/>
-          </a:p>
-          <a:p>
-            <a:endParaRPr lang="en-US" altLang="en-GB" sz="2000"/>
-          </a:p>
-          <a:p>
-            <a:pPr marL="285750" indent="-285750" algn="l">
-              <a:buFont typeface="Arial" panose="020B0604020202020204" pitchFamily="34" charset="0"/>
-              <a:buChar char="•"/>
+              <a:t>Model achieved an accuracy score of 89.6%. </a:t>
+            </a:r>
+            <a:r>
+              <a:rPr lang="en-US" altLang="en-GB" sz="1800" dirty="0">
+                <a:latin typeface="Times New Roman" panose="02020603050405020304" charset="0"/>
+                <a:cs typeface="Times New Roman" panose="02020603050405020304" charset="0"/>
+                <a:sym typeface="+mn-ea"/>
+              </a:rPr>
+              <a:t>This shows its ability to capture complex sentiment patterns in tweets.</a:t>
+            </a:r>
+            <a:endParaRPr lang="en-GB" altLang="en-US" sz="1800" dirty="0">
+              <a:latin typeface="Times New Roman" panose="02020603050405020304" charset="0"/>
+              <a:cs typeface="Times New Roman" panose="02020603050405020304" charset="0"/>
+              <a:sym typeface="+mn-ea"/>
+            </a:endParaRPr>
+          </a:p>
+          <a:p>
+            <a:pPr algn="just">
+              <a:lnSpc>
+                <a:spcPct val="150000"/>
+              </a:lnSpc>
             </a:pPr>
             <a:r>
-              <a:rPr lang="en-US" altLang="en-GB" sz="2000">
-                <a:latin typeface="Times New Roman" panose="02020603050405020304" charset="0"/>
-                <a:cs typeface="Times New Roman" panose="02020603050405020304" charset="0"/>
-                <a:sym typeface="+mn-ea"/>
-              </a:rPr>
-              <a:t>4,</a:t>
-            </a:r>
-            <a:r>
-              <a:rPr lang="en-GB" altLang="en-US" sz="2000">
-                <a:latin typeface="Times New Roman" panose="02020603050405020304" charset="0"/>
-                <a:cs typeface="Times New Roman" panose="02020603050405020304" charset="0"/>
-                <a:sym typeface="+mn-ea"/>
-              </a:rPr>
-              <a:t>199</a:t>
-            </a:r>
-            <a:r>
-              <a:rPr lang="en-US" altLang="en-GB" sz="2000">
-                <a:latin typeface="Times New Roman" panose="02020603050405020304" charset="0"/>
-                <a:cs typeface="Times New Roman" panose="02020603050405020304" charset="0"/>
-                <a:sym typeface="+mn-ea"/>
-              </a:rPr>
-              <a:t> bookings correctly predicted as non-cancellations</a:t>
-            </a:r>
-            <a:endParaRPr lang="en-US" altLang="en-GB" sz="2000">
-              <a:latin typeface="Times New Roman" panose="02020603050405020304" charset="0"/>
-              <a:cs typeface="Times New Roman" panose="02020603050405020304" charset="0"/>
-            </a:endParaRPr>
-          </a:p>
-          <a:p>
-            <a:pPr marL="285750" indent="-285750" algn="l">
-              <a:buFont typeface="Arial" panose="020B0604020202020204" pitchFamily="34" charset="0"/>
-              <a:buChar char="•"/>
+              <a:rPr lang="en-GB" altLang="en-US" sz="1800" dirty="0">
+                <a:latin typeface="Times New Roman" panose="02020603050405020304" charset="0"/>
+                <a:cs typeface="Times New Roman" panose="02020603050405020304" charset="0"/>
+              </a:rPr>
+              <a:t>It also </a:t>
+            </a:r>
+            <a:r>
+              <a:rPr lang="en-US" altLang="en-GB" sz="1800" dirty="0">
+                <a:latin typeface="Times New Roman" panose="02020603050405020304" charset="0"/>
+                <a:cs typeface="Times New Roman" panose="02020603050405020304" charset="0"/>
+              </a:rPr>
+              <a:t>suggests that the model is more adept at identifying sentiment nuances compared to logistic regression.</a:t>
+            </a:r>
+            <a:endParaRPr lang="en-US" altLang="en-GB" sz="1800" dirty="0">
+              <a:latin typeface="Times New Roman" panose="02020603050405020304" charset="0"/>
+              <a:cs typeface="Times New Roman" panose="02020603050405020304" charset="0"/>
+            </a:endParaRPr>
+          </a:p>
+          <a:p>
+            <a:pPr marL="0" indent="0" algn="just">
+              <a:lnSpc>
+                <a:spcPct val="150000"/>
+              </a:lnSpc>
+              <a:buNone/>
             </a:pPr>
-            <a:endParaRPr lang="en-US" altLang="en-GB" sz="2000">
-              <a:latin typeface="Times New Roman" panose="02020603050405020304" charset="0"/>
-              <a:cs typeface="Times New Roman" panose="02020603050405020304" charset="0"/>
-            </a:endParaRPr>
-          </a:p>
-          <a:p>
-            <a:pPr marL="285750" indent="-285750" algn="l">
-              <a:buFont typeface="Arial" panose="020B0604020202020204" pitchFamily="34" charset="0"/>
-              <a:buChar char="•"/>
+            <a:endParaRPr lang="en-US" altLang="en-GB" sz="1800" dirty="0">
+              <a:latin typeface="Times New Roman" panose="02020603050405020304" charset="0"/>
+              <a:cs typeface="Times New Roman" panose="02020603050405020304" charset="0"/>
+            </a:endParaRPr>
+          </a:p>
+          <a:p>
+            <a:pPr marL="0" indent="0" algn="just">
+              <a:lnSpc>
+                <a:spcPct val="150000"/>
+              </a:lnSpc>
+              <a:buNone/>
             </a:pPr>
             <a:r>
-              <a:rPr lang="en-US" altLang="en-GB" sz="2000">
-                <a:latin typeface="Times New Roman" panose="02020603050405020304" charset="0"/>
-                <a:cs typeface="Times New Roman" panose="02020603050405020304" charset="0"/>
-                <a:sym typeface="+mn-ea"/>
-              </a:rPr>
-              <a:t>1,</a:t>
-            </a:r>
-            <a:r>
-              <a:rPr lang="en-GB" altLang="en-US" sz="2000">
-                <a:latin typeface="Times New Roman" panose="02020603050405020304" charset="0"/>
-                <a:cs typeface="Times New Roman" panose="02020603050405020304" charset="0"/>
-                <a:sym typeface="+mn-ea"/>
-              </a:rPr>
-              <a:t>866</a:t>
-            </a:r>
-            <a:r>
-              <a:rPr lang="en-US" altLang="en-GB" sz="2000">
-                <a:latin typeface="Times New Roman" panose="02020603050405020304" charset="0"/>
-                <a:cs typeface="Times New Roman" panose="02020603050405020304" charset="0"/>
-                <a:sym typeface="+mn-ea"/>
-              </a:rPr>
-              <a:t> bookings correctly predicted as cancellations</a:t>
-            </a:r>
-            <a:endParaRPr lang="en-US" altLang="en-GB" sz="2000">
-              <a:latin typeface="Times New Roman" panose="02020603050405020304" charset="0"/>
-              <a:cs typeface="Times New Roman" panose="02020603050405020304" charset="0"/>
-            </a:endParaRPr>
-          </a:p>
-        </p:txBody>
-      </p:sp>
-      <p:pic>
-        <p:nvPicPr>
-          <p:cNvPr id="4" name="Content Placeholder 3" descr="Confusion matrix decision tree"/>
-          <p:cNvPicPr>
-            <a:picLocks noChangeAspect="1"/>
-          </p:cNvPicPr>
-          <p:nvPr>
-            <p:ph idx="1"/>
-          </p:nvPr>
-        </p:nvPicPr>
-        <p:blipFill>
-          <a:blip r:embed="rId1"/>
-          <a:stretch>
-            <a:fillRect/>
-          </a:stretch>
-        </p:blipFill>
-        <p:spPr>
-          <a:xfrm>
-            <a:off x="1082675" y="1460500"/>
-            <a:ext cx="7535545" cy="4776470"/>
-          </a:xfrm>
-          <a:prstGeom prst="rect">
-            <a:avLst/>
-          </a:prstGeom>
-        </p:spPr>
-      </p:pic>
+              <a:rPr lang="en-GB" altLang="en-US" sz="1800" b="1" dirty="0">
+                <a:latin typeface="Times New Roman" panose="02020603050405020304" charset="0"/>
+                <a:cs typeface="Times New Roman" panose="02020603050405020304" charset="0"/>
+              </a:rPr>
+              <a:t>3. Business Insights</a:t>
+            </a:r>
+            <a:endParaRPr lang="en-GB" altLang="en-US" sz="1800" b="1" dirty="0">
+              <a:latin typeface="Times New Roman" panose="02020603050405020304" charset="0"/>
+              <a:cs typeface="Times New Roman" panose="02020603050405020304" charset="0"/>
+            </a:endParaRPr>
+          </a:p>
+          <a:p>
+            <a:pPr algn="just">
+              <a:lnSpc>
+                <a:spcPct val="150000"/>
+              </a:lnSpc>
+            </a:pPr>
+            <a:r>
+              <a:rPr lang="en-US" altLang="en-GB" sz="1800" dirty="0">
+                <a:latin typeface="Times New Roman" panose="02020603050405020304" charset="0"/>
+                <a:cs typeface="Times New Roman" panose="02020603050405020304" charset="0"/>
+              </a:rPr>
+              <a:t>Random Forest model can serve as a reliable tool for analyzing sentiment toward products, brands, and public figures.</a:t>
+            </a:r>
+            <a:endParaRPr lang="en-US" altLang="en-GB" sz="1800" dirty="0">
+              <a:latin typeface="Times New Roman" panose="02020603050405020304" charset="0"/>
+              <a:cs typeface="Times New Roman" panose="02020603050405020304" charset="0"/>
+            </a:endParaRPr>
+          </a:p>
+          <a:p>
+            <a:pPr algn="just">
+              <a:lnSpc>
+                <a:spcPct val="150000"/>
+              </a:lnSpc>
+            </a:pPr>
+            <a:r>
+              <a:rPr lang="en-US" altLang="en-GB" sz="1800" dirty="0">
+                <a:latin typeface="Times New Roman" panose="02020603050405020304" charset="0"/>
+                <a:cs typeface="Times New Roman" panose="02020603050405020304" charset="0"/>
+              </a:rPr>
+              <a:t>The ability to </a:t>
+            </a:r>
+            <a:r>
+              <a:rPr lang="en-GB" altLang="en-US" sz="1800" dirty="0">
+                <a:latin typeface="Times New Roman" panose="02020603050405020304" charset="0"/>
+                <a:cs typeface="Times New Roman" panose="02020603050405020304" charset="0"/>
+              </a:rPr>
+              <a:t>of the model to </a:t>
+            </a:r>
+            <a:r>
+              <a:rPr lang="en-US" altLang="en-GB" sz="1800" dirty="0">
+                <a:latin typeface="Times New Roman" panose="02020603050405020304" charset="0"/>
+                <a:cs typeface="Times New Roman" panose="02020603050405020304" charset="0"/>
+              </a:rPr>
+              <a:t>classify tweets as Positive, Negative</a:t>
+            </a:r>
+            <a:r>
+              <a:rPr lang="en-GB" altLang="en-US" sz="1800" dirty="0">
+                <a:latin typeface="Times New Roman" panose="02020603050405020304" charset="0"/>
+                <a:cs typeface="Times New Roman" panose="02020603050405020304" charset="0"/>
+              </a:rPr>
+              <a:t> or </a:t>
+            </a:r>
+            <a:r>
+              <a:rPr lang="en-US" altLang="en-GB" sz="1800" dirty="0">
+                <a:latin typeface="Times New Roman" panose="02020603050405020304" charset="0"/>
+                <a:cs typeface="Times New Roman" panose="02020603050405020304" charset="0"/>
+              </a:rPr>
+              <a:t>Neutral </a:t>
+            </a:r>
+            <a:r>
+              <a:rPr lang="en-GB" altLang="en-US" sz="1800" dirty="0">
+                <a:latin typeface="Times New Roman" panose="02020603050405020304" charset="0"/>
+                <a:cs typeface="Times New Roman" panose="02020603050405020304" charset="0"/>
+              </a:rPr>
+              <a:t>will enable</a:t>
+            </a:r>
+            <a:r>
+              <a:rPr lang="en-US" altLang="en-GB" sz="1800" dirty="0">
+                <a:latin typeface="Times New Roman" panose="02020603050405020304" charset="0"/>
+                <a:cs typeface="Times New Roman" panose="02020603050405020304" charset="0"/>
+              </a:rPr>
+              <a:t> businesses to refine their marketing strategies, manage their brand reputation, and enhance customer engagement.</a:t>
+            </a:r>
+            <a:endParaRPr lang="en-US" altLang="en-GB" sz="1800" dirty="0">
+              <a:latin typeface="Times New Roman" panose="02020603050405020304" charset="0"/>
+              <a:cs typeface="Times New Roman" panose="02020603050405020304" charset="0"/>
+            </a:endParaRPr>
+          </a:p>
+          <a:p>
+            <a:pPr>
+              <a:lnSpc>
+                <a:spcPct val="150000"/>
+              </a:lnSpc>
+            </a:pPr>
+            <a:endParaRPr lang="en-GB" altLang="en-US" sz="1600" b="1">
+              <a:latin typeface="Times New Roman" panose="02020603050405020304" charset="0"/>
+              <a:cs typeface="Times New Roman" panose="02020603050405020304" charset="0"/>
+            </a:endParaRPr>
+          </a:p>
+          <a:p>
+            <a:pPr marL="0" indent="0">
+              <a:lnSpc>
+                <a:spcPct val="150000"/>
+              </a:lnSpc>
+              <a:buNone/>
+            </a:pPr>
+            <a:endParaRPr lang="en-US" altLang="en-GB" sz="1600">
+              <a:latin typeface="Times New Roman" panose="02020603050405020304" charset="0"/>
+              <a:cs typeface="Times New Roman" panose="02020603050405020304" charset="0"/>
+            </a:endParaRPr>
+          </a:p>
+        </p:txBody>
+      </p:sp>
     </p:spTree>
   </p:cSld>
   <p:clrMapOvr>
@@ -5025,338 +4710,149 @@
         </p:nvSpPr>
         <p:spPr>
           <a:xfrm>
-            <a:off x="1630045" y="444500"/>
-            <a:ext cx="8828405" cy="514350"/>
+            <a:off x="1565275" y="0"/>
+            <a:ext cx="9732010" cy="748665"/>
           </a:xfrm>
         </p:spPr>
         <p:txBody>
+          <a:bodyPr/>
+          <a:lstStyle/>
+          <a:p>
+            <a:pPr algn="l"/>
+            <a:r>
+              <a:rPr lang="en-GB" altLang="en-US" sz="2800" b="1" dirty="0">
+                <a:solidFill>
+                  <a:schemeClr val="tx1"/>
+                </a:solidFill>
+                <a:latin typeface="Times New Roman" panose="02020603050405020304" charset="0"/>
+                <a:cs typeface="Times New Roman" panose="02020603050405020304" charset="0"/>
+              </a:rPr>
+              <a:t>   Conclusion</a:t>
+            </a:r>
+            <a:endParaRPr lang="en-GB" altLang="en-US" sz="2800" b="1" dirty="0">
+              <a:solidFill>
+                <a:schemeClr val="tx1"/>
+              </a:solidFill>
+              <a:latin typeface="Times New Roman" panose="02020603050405020304" charset="0"/>
+              <a:cs typeface="Times New Roman" panose="02020603050405020304" charset="0"/>
+            </a:endParaRPr>
+          </a:p>
+        </p:txBody>
+      </p:sp>
+      <p:sp>
+        <p:nvSpPr>
+          <p:cNvPr id="3" name="Content Placeholder 2"/>
+          <p:cNvSpPr>
+            <a:spLocks noGrp="1"/>
+          </p:cNvSpPr>
+          <p:nvPr>
+            <p:ph idx="1"/>
+          </p:nvPr>
+        </p:nvSpPr>
+        <p:spPr>
+          <a:xfrm>
+            <a:off x="946150" y="1025525"/>
+            <a:ext cx="9862185" cy="4499610"/>
+          </a:xfrm>
+        </p:spPr>
+        <p:txBody>
           <a:bodyPr>
-            <a:normAutofit fontScale="90000"/>
+            <a:normAutofit/>
           </a:bodyPr>
           <a:lstStyle/>
           <a:p>
-            <a:r>
-              <a:rPr lang="en-GB" altLang="en-US" sz="3200" b="1" dirty="0">
-                <a:latin typeface="Times New Roman" panose="02020603050405020304" charset="0"/>
-                <a:cs typeface="Times New Roman" panose="02020603050405020304" charset="0"/>
-              </a:rPr>
-              <a:t>Insights</a:t>
-            </a:r>
-            <a:endParaRPr lang="en-GB" altLang="en-US" sz="3200" b="1" dirty="0">
-              <a:latin typeface="Times New Roman" panose="02020603050405020304" charset="0"/>
-              <a:cs typeface="Times New Roman" panose="02020603050405020304" charset="0"/>
-            </a:endParaRPr>
-          </a:p>
-        </p:txBody>
-      </p:sp>
-      <p:sp>
-        <p:nvSpPr>
-          <p:cNvPr id="3" name="Content Placeholder 2"/>
-          <p:cNvSpPr>
-            <a:spLocks noGrp="1"/>
-          </p:cNvSpPr>
-          <p:nvPr>
-            <p:ph idx="1"/>
-          </p:nvPr>
-        </p:nvSpPr>
-        <p:spPr>
-          <a:xfrm>
-            <a:off x="628650" y="959485"/>
-            <a:ext cx="11335385" cy="5439410"/>
-          </a:xfrm>
-        </p:spPr>
-        <p:txBody>
-          <a:bodyPr>
-            <a:noAutofit/>
-          </a:bodyPr>
-          <a:lstStyle/>
-          <a:p>
             <a:pPr marL="0" indent="0">
-              <a:lnSpc>
-                <a:spcPct val="150000"/>
-              </a:lnSpc>
               <a:buNone/>
             </a:pPr>
             <a:r>
-              <a:rPr lang="en-GB" altLang="en-US" sz="1600" dirty="0">
-                <a:latin typeface="Times New Roman" panose="02020603050405020304" charset="0"/>
-                <a:cs typeface="Times New Roman" panose="02020603050405020304" charset="0"/>
-              </a:rPr>
-              <a:t>1</a:t>
-            </a:r>
-            <a:r>
-              <a:rPr lang="en-GB" altLang="en-US" sz="1600" b="1" dirty="0">
-                <a:latin typeface="Times New Roman" panose="02020603050405020304" charset="0"/>
-                <a:cs typeface="Times New Roman" panose="02020603050405020304" charset="0"/>
-              </a:rPr>
-              <a:t>.Logistic Regression Model</a:t>
-            </a:r>
-            <a:endParaRPr lang="en-GB" altLang="en-US" sz="1600" b="1" dirty="0">
-              <a:latin typeface="Times New Roman" panose="02020603050405020304" charset="0"/>
-              <a:cs typeface="Times New Roman" panose="02020603050405020304" charset="0"/>
-            </a:endParaRPr>
-          </a:p>
-          <a:p>
-            <a:pPr>
-              <a:lnSpc>
-                <a:spcPct val="150000"/>
-              </a:lnSpc>
+              <a:rPr lang="en-GB" altLang="en-US" sz="2000" dirty="0">
+                <a:latin typeface="Times New Roman" panose="02020603050405020304" charset="0"/>
+                <a:cs typeface="Times New Roman" panose="02020603050405020304" charset="0"/>
+              </a:rPr>
+              <a:t>The overall objective of this project which was to develop an  e</a:t>
+            </a:r>
+            <a:r>
+              <a:rPr lang="en-US" altLang="en-GB" sz="2000" dirty="0">
+                <a:latin typeface="Times New Roman" panose="02020603050405020304" charset="0"/>
+                <a:cs typeface="Times New Roman" panose="02020603050405020304" charset="0"/>
+              </a:rPr>
+              <a:t>ntity-level sentiment analysis model that can accurately classify tweets as Positive, Negative, Neutral or Irrelevant </a:t>
+            </a:r>
+            <a:r>
+              <a:rPr lang="en-GB" altLang="en-US" sz="2000" dirty="0">
+                <a:latin typeface="Times New Roman" panose="02020603050405020304" charset="0"/>
+                <a:cs typeface="Times New Roman" panose="02020603050405020304" charset="0"/>
+              </a:rPr>
+              <a:t>was achieved.</a:t>
+            </a:r>
+            <a:endParaRPr lang="en-GB" altLang="en-US" sz="2000" dirty="0">
+              <a:latin typeface="Times New Roman" panose="02020603050405020304" charset="0"/>
+              <a:cs typeface="Times New Roman" panose="02020603050405020304" charset="0"/>
+            </a:endParaRPr>
+          </a:p>
+          <a:p>
+            <a:pPr marL="0" indent="0">
+              <a:buNone/>
             </a:pPr>
-            <a:r>
-              <a:rPr lang="en-GB" altLang="en-US" sz="1600" dirty="0">
-                <a:latin typeface="Times New Roman" panose="02020603050405020304" charset="0"/>
-                <a:cs typeface="Times New Roman" panose="02020603050405020304" charset="0"/>
-              </a:rPr>
-              <a:t>Model achieved an accuracy score of 76%</a:t>
-            </a:r>
-            <a:endParaRPr lang="en-GB" altLang="en-US" sz="1600" dirty="0">
-              <a:latin typeface="Times New Roman" panose="02020603050405020304" charset="0"/>
-              <a:cs typeface="Times New Roman" panose="02020603050405020304" charset="0"/>
-            </a:endParaRPr>
-          </a:p>
-          <a:p>
-            <a:pPr>
-              <a:lnSpc>
-                <a:spcPct val="150000"/>
-              </a:lnSpc>
+            <a:endParaRPr lang="en-US" altLang="en-GB" sz="2000" dirty="0">
+              <a:latin typeface="Times New Roman" panose="02020603050405020304" charset="0"/>
+              <a:cs typeface="Times New Roman" panose="02020603050405020304" charset="0"/>
+            </a:endParaRPr>
+          </a:p>
+          <a:p>
+            <a:pPr marL="0" indent="0">
+              <a:buNone/>
             </a:pPr>
             <a:r>
-              <a:rPr lang="en-US" altLang="en-GB" sz="1600" dirty="0">
-                <a:latin typeface="Times New Roman" panose="02020603050405020304" charset="0"/>
-                <a:cs typeface="Times New Roman" panose="02020603050405020304" charset="0"/>
-              </a:rPr>
-              <a:t>The score indicates the model's effectiveness in sentiment classification.</a:t>
-            </a:r>
-            <a:endParaRPr lang="en-US" altLang="en-GB" sz="1600" dirty="0">
+              <a:rPr lang="en-GB" altLang="en-US" sz="2000" dirty="0">
+                <a:latin typeface="Times New Roman" panose="02020603050405020304" charset="0"/>
+                <a:cs typeface="Times New Roman" panose="02020603050405020304" charset="0"/>
+                <a:sym typeface="+mn-ea"/>
+              </a:rPr>
+              <a:t>I concluded that the </a:t>
+            </a:r>
+            <a:r>
+              <a:rPr lang="en-GB" altLang="en-US" sz="2000" b="1" dirty="0">
+                <a:latin typeface="Times New Roman" panose="02020603050405020304" charset="0"/>
+                <a:cs typeface="Times New Roman" panose="02020603050405020304" charset="0"/>
+                <a:sym typeface="+mn-ea"/>
+              </a:rPr>
+              <a:t>Random Forest Model</a:t>
+            </a:r>
+            <a:r>
+              <a:rPr lang="en-GB" altLang="en-US" sz="2000" dirty="0">
+                <a:latin typeface="Times New Roman" panose="02020603050405020304" charset="0"/>
+                <a:cs typeface="Times New Roman" panose="02020603050405020304" charset="0"/>
+                <a:sym typeface="+mn-ea"/>
+              </a:rPr>
+              <a:t> with an</a:t>
+            </a:r>
+            <a:r>
+              <a:rPr lang="en-GB" altLang="en-US" sz="2000" b="1" dirty="0">
+                <a:latin typeface="Times New Roman" panose="02020603050405020304" charset="0"/>
+                <a:cs typeface="Times New Roman" panose="02020603050405020304" charset="0"/>
+                <a:sym typeface="+mn-ea"/>
+              </a:rPr>
+              <a:t> Accuracy Score of 89.6%</a:t>
+            </a:r>
+            <a:r>
+              <a:rPr lang="en-GB" altLang="en-US" sz="2000" dirty="0">
+                <a:latin typeface="Times New Roman" panose="02020603050405020304" charset="0"/>
+                <a:cs typeface="Times New Roman" panose="02020603050405020304" charset="0"/>
+                <a:sym typeface="+mn-ea"/>
+              </a:rPr>
+              <a:t>  is the best model for this particular Sentiment Analysis Classification task.</a:t>
+            </a:r>
+            <a:endParaRPr lang="en-GB" altLang="en-US" sz="2000" dirty="0">
               <a:latin typeface="Times New Roman" panose="02020603050405020304" charset="0"/>
               <a:cs typeface="Times New Roman" panose="02020603050405020304" charset="0"/>
             </a:endParaRPr>
           </a:p>
           <a:p>
             <a:pPr marL="0" indent="0">
-              <a:lnSpc>
-                <a:spcPct val="150000"/>
-              </a:lnSpc>
               <a:buNone/>
             </a:pPr>
-            <a:endParaRPr lang="en-GB" altLang="en-US" sz="1600" dirty="0">
-              <a:latin typeface="Times New Roman" panose="02020603050405020304" charset="0"/>
-              <a:cs typeface="Times New Roman" panose="02020603050405020304" charset="0"/>
-            </a:endParaRPr>
-          </a:p>
-          <a:p>
-            <a:pPr marL="0" indent="0">
-              <a:lnSpc>
-                <a:spcPct val="150000"/>
-              </a:lnSpc>
-              <a:buNone/>
-            </a:pPr>
-            <a:r>
-              <a:rPr lang="en-US" altLang="en-GB" sz="1600" b="1">
-                <a:latin typeface="Times New Roman" panose="02020603050405020304" charset="0"/>
-                <a:cs typeface="Times New Roman" panose="02020603050405020304" charset="0"/>
-              </a:rPr>
-              <a:t>2.</a:t>
-            </a:r>
-            <a:r>
-              <a:rPr lang="en-GB" altLang="en-US" sz="1600" b="1">
-                <a:latin typeface="Times New Roman" panose="02020603050405020304" charset="0"/>
-                <a:cs typeface="Times New Roman" panose="02020603050405020304" charset="0"/>
-              </a:rPr>
-              <a:t> Random Forest Model </a:t>
-            </a:r>
-            <a:endParaRPr lang="en-GB" altLang="en-US" sz="1600" b="1">
-              <a:latin typeface="Times New Roman" panose="02020603050405020304" charset="0"/>
-              <a:cs typeface="Times New Roman" panose="02020603050405020304" charset="0"/>
-            </a:endParaRPr>
-          </a:p>
-          <a:p>
-            <a:pPr>
-              <a:lnSpc>
-                <a:spcPct val="150000"/>
-              </a:lnSpc>
-            </a:pPr>
-            <a:r>
-              <a:rPr lang="en-GB" altLang="en-US" sz="1600" dirty="0">
-                <a:latin typeface="Times New Roman" panose="02020603050405020304" charset="0"/>
-                <a:cs typeface="Times New Roman" panose="02020603050405020304" charset="0"/>
-                <a:sym typeface="+mn-ea"/>
-              </a:rPr>
-              <a:t>Model achieved an accuracy score of 89.6%. </a:t>
-            </a:r>
-            <a:r>
-              <a:rPr lang="en-US" altLang="en-GB" sz="1600" dirty="0">
-                <a:latin typeface="Times New Roman" panose="02020603050405020304" charset="0"/>
-                <a:cs typeface="Times New Roman" panose="02020603050405020304" charset="0"/>
-                <a:sym typeface="+mn-ea"/>
-              </a:rPr>
-              <a:t>This shows its ability to capture complex sentiment patterns in tweets.</a:t>
-            </a:r>
-            <a:endParaRPr lang="en-GB" altLang="en-US" sz="1600" dirty="0">
-              <a:latin typeface="Times New Roman" panose="02020603050405020304" charset="0"/>
-              <a:cs typeface="Times New Roman" panose="02020603050405020304" charset="0"/>
-              <a:sym typeface="+mn-ea"/>
-            </a:endParaRPr>
-          </a:p>
-          <a:p>
-            <a:pPr>
-              <a:lnSpc>
-                <a:spcPct val="150000"/>
-              </a:lnSpc>
-            </a:pPr>
-            <a:r>
-              <a:rPr lang="en-GB" altLang="en-US" sz="1600" dirty="0">
-                <a:latin typeface="Times New Roman" panose="02020603050405020304" charset="0"/>
-                <a:cs typeface="Times New Roman" panose="02020603050405020304" charset="0"/>
-              </a:rPr>
-              <a:t>It also </a:t>
-            </a:r>
-            <a:r>
-              <a:rPr lang="en-US" altLang="en-GB" sz="1600" dirty="0">
-                <a:latin typeface="Times New Roman" panose="02020603050405020304" charset="0"/>
-                <a:cs typeface="Times New Roman" panose="02020603050405020304" charset="0"/>
-              </a:rPr>
-              <a:t>suggests that the Random Forest model is more adept at identifying sentiment nuances compared to logistic regression.</a:t>
-            </a:r>
-            <a:endParaRPr lang="en-US" altLang="en-GB" sz="1600" dirty="0">
-              <a:latin typeface="Times New Roman" panose="02020603050405020304" charset="0"/>
-              <a:cs typeface="Times New Roman" panose="02020603050405020304" charset="0"/>
-            </a:endParaRPr>
-          </a:p>
-          <a:p>
-            <a:pPr>
-              <a:lnSpc>
-                <a:spcPct val="150000"/>
-              </a:lnSpc>
-            </a:pPr>
-            <a:endParaRPr lang="en-US" altLang="en-GB" sz="1600" dirty="0">
-              <a:latin typeface="Times New Roman" panose="02020603050405020304" charset="0"/>
-              <a:cs typeface="Times New Roman" panose="02020603050405020304" charset="0"/>
-            </a:endParaRPr>
-          </a:p>
-          <a:p>
-            <a:pPr marL="0" indent="0">
-              <a:lnSpc>
-                <a:spcPct val="150000"/>
-              </a:lnSpc>
-              <a:buNone/>
-            </a:pPr>
-            <a:r>
-              <a:rPr lang="en-GB" altLang="en-US" sz="1600" b="1" dirty="0">
-                <a:latin typeface="Times New Roman" panose="02020603050405020304" charset="0"/>
-                <a:cs typeface="Times New Roman" panose="02020603050405020304" charset="0"/>
-              </a:rPr>
-              <a:t>3. Business Insights</a:t>
-            </a:r>
-            <a:endParaRPr lang="en-GB" altLang="en-US" sz="1600" b="1" dirty="0">
-              <a:latin typeface="Times New Roman" panose="02020603050405020304" charset="0"/>
-              <a:cs typeface="Times New Roman" panose="02020603050405020304" charset="0"/>
-            </a:endParaRPr>
-          </a:p>
-          <a:p>
-            <a:pPr>
-              <a:lnSpc>
-                <a:spcPct val="150000"/>
-              </a:lnSpc>
-            </a:pPr>
-            <a:r>
-              <a:rPr lang="en-GB" altLang="en-US" sz="1600" dirty="0">
-                <a:latin typeface="Times New Roman" panose="02020603050405020304" charset="0"/>
-                <a:cs typeface="Times New Roman" panose="02020603050405020304" charset="0"/>
-              </a:rPr>
-              <a:t>T</a:t>
-            </a:r>
-            <a:r>
-              <a:rPr lang="en-US" altLang="en-GB" sz="1600" dirty="0">
-                <a:latin typeface="Times New Roman" panose="02020603050405020304" charset="0"/>
-                <a:cs typeface="Times New Roman" panose="02020603050405020304" charset="0"/>
-              </a:rPr>
-              <a:t>he Random Forest model can serve as a reliable tool for analyzing sentiment toward products, brands, and public figures.</a:t>
-            </a:r>
-            <a:endParaRPr lang="en-US" altLang="en-GB" sz="1600" dirty="0">
-              <a:latin typeface="Times New Roman" panose="02020603050405020304" charset="0"/>
-              <a:cs typeface="Times New Roman" panose="02020603050405020304" charset="0"/>
-            </a:endParaRPr>
-          </a:p>
-          <a:p>
-            <a:pPr>
-              <a:lnSpc>
-                <a:spcPct val="150000"/>
-              </a:lnSpc>
-            </a:pPr>
-            <a:r>
-              <a:rPr lang="en-US" altLang="en-GB" sz="1600" dirty="0">
-                <a:latin typeface="Times New Roman" panose="02020603050405020304" charset="0"/>
-                <a:cs typeface="Times New Roman" panose="02020603050405020304" charset="0"/>
-              </a:rPr>
-              <a:t>The ability to </a:t>
-            </a:r>
-            <a:r>
-              <a:rPr lang="en-GB" altLang="en-US" sz="1600" dirty="0">
-                <a:latin typeface="Times New Roman" panose="02020603050405020304" charset="0"/>
-                <a:cs typeface="Times New Roman" panose="02020603050405020304" charset="0"/>
-              </a:rPr>
-              <a:t>of the model to </a:t>
-            </a:r>
-            <a:r>
-              <a:rPr lang="en-US" altLang="en-GB" sz="1600" dirty="0">
-                <a:latin typeface="Times New Roman" panose="02020603050405020304" charset="0"/>
-                <a:cs typeface="Times New Roman" panose="02020603050405020304" charset="0"/>
-              </a:rPr>
-              <a:t>classify tweets as Positive, Negative</a:t>
-            </a:r>
-            <a:r>
-              <a:rPr lang="en-GB" altLang="en-US" sz="1600" dirty="0">
-                <a:latin typeface="Times New Roman" panose="02020603050405020304" charset="0"/>
-                <a:cs typeface="Times New Roman" panose="02020603050405020304" charset="0"/>
-              </a:rPr>
-              <a:t> or </a:t>
-            </a:r>
-            <a:r>
-              <a:rPr lang="en-US" altLang="en-GB" sz="1600" dirty="0">
-                <a:latin typeface="Times New Roman" panose="02020603050405020304" charset="0"/>
-                <a:cs typeface="Times New Roman" panose="02020603050405020304" charset="0"/>
-              </a:rPr>
-              <a:t>Neutral </a:t>
-            </a:r>
-            <a:r>
-              <a:rPr lang="en-GB" altLang="en-US" sz="1600" dirty="0">
-                <a:latin typeface="Times New Roman" panose="02020603050405020304" charset="0"/>
-                <a:cs typeface="Times New Roman" panose="02020603050405020304" charset="0"/>
-              </a:rPr>
-              <a:t>will enable</a:t>
-            </a:r>
-            <a:r>
-              <a:rPr lang="en-US" altLang="en-GB" sz="1600" dirty="0">
-                <a:latin typeface="Times New Roman" panose="02020603050405020304" charset="0"/>
-                <a:cs typeface="Times New Roman" panose="02020603050405020304" charset="0"/>
-              </a:rPr>
-              <a:t> businesses to refine their marketing strategies, manage their brand reputation, and enhance customer engagement.</a:t>
-            </a:r>
-            <a:endParaRPr lang="en-US" altLang="en-GB" sz="1600" dirty="0">
-              <a:latin typeface="Times New Roman" panose="02020603050405020304" charset="0"/>
-              <a:cs typeface="Times New Roman" panose="02020603050405020304" charset="0"/>
-            </a:endParaRPr>
-          </a:p>
-          <a:p>
-            <a:pPr>
-              <a:lnSpc>
-                <a:spcPct val="150000"/>
-              </a:lnSpc>
-            </a:pPr>
-            <a:endParaRPr lang="en-GB" altLang="en-US" sz="1600" b="1">
-              <a:latin typeface="Times New Roman" panose="02020603050405020304" charset="0"/>
-              <a:cs typeface="Times New Roman" panose="02020603050405020304" charset="0"/>
-            </a:endParaRPr>
-          </a:p>
-          <a:p>
-            <a:pPr marL="0" indent="0">
-              <a:lnSpc>
-                <a:spcPct val="150000"/>
-              </a:lnSpc>
-              <a:buNone/>
-            </a:pPr>
-            <a:endParaRPr lang="en-US" altLang="en-GB" sz="1600">
+            <a:endParaRPr lang="en-US" altLang="en-GB" sz="2000" dirty="0">
               <a:latin typeface="Times New Roman" panose="02020603050405020304" charset="0"/>
               <a:cs typeface="Times New Roman" panose="02020603050405020304" charset="0"/>
             </a:endParaRPr>
@@ -5390,155 +4886,63 @@
       </p:grpSpPr>
       <p:sp>
         <p:nvSpPr>
-          <p:cNvPr id="2" name="Title 1"/>
-          <p:cNvSpPr>
-            <a:spLocks noGrp="1"/>
-          </p:cNvSpPr>
-          <p:nvPr>
-            <p:ph type="title"/>
-          </p:nvPr>
+          <p:cNvPr id="4" name="Rectangle 3"/>
+          <p:cNvSpPr/>
+          <p:nvPr/>
         </p:nvSpPr>
         <p:spPr>
           <a:xfrm>
-            <a:off x="2106295" y="624205"/>
-            <a:ext cx="9398000" cy="669925"/>
+            <a:off x="4017962" y="2967335"/>
+            <a:ext cx="4156075" cy="1014730"/>
           </a:xfrm>
+          <a:prstGeom prst="rect">
+            <a:avLst/>
+          </a:prstGeom>
+          <a:noFill/>
         </p:spPr>
         <p:txBody>
-          <a:bodyPr/>
-          <a:lstStyle/>
-          <a:p>
-            <a:pPr algn="l"/>
-            <a:r>
-              <a:rPr lang="en-GB" altLang="en-US" sz="3200" b="1" dirty="0">
-                <a:latin typeface="Times New Roman" panose="02020603050405020304" charset="0"/>
-                <a:cs typeface="Times New Roman" panose="02020603050405020304" charset="0"/>
-              </a:rPr>
-              <a:t>    Conclusion</a:t>
-            </a:r>
-            <a:endParaRPr lang="en-GB" altLang="en-US" sz="3200" b="1" dirty="0">
-              <a:latin typeface="Times New Roman" panose="02020603050405020304" charset="0"/>
-              <a:cs typeface="Times New Roman" panose="02020603050405020304" charset="0"/>
-            </a:endParaRPr>
-          </a:p>
-        </p:txBody>
-      </p:sp>
-      <p:sp>
-        <p:nvSpPr>
-          <p:cNvPr id="3" name="Content Placeholder 2"/>
-          <p:cNvSpPr>
-            <a:spLocks noGrp="1"/>
-          </p:cNvSpPr>
-          <p:nvPr>
-            <p:ph idx="1"/>
-          </p:nvPr>
-        </p:nvSpPr>
-        <p:spPr>
-          <a:xfrm>
-            <a:off x="946150" y="1391285"/>
-            <a:ext cx="9862185" cy="4022090"/>
-          </a:xfrm>
-        </p:spPr>
-        <p:txBody>
-          <a:bodyPr>
-            <a:normAutofit/>
+          <a:bodyPr wrap="none" lIns="91440" tIns="45720" rIns="91440" bIns="45720">
+            <a:spAutoFit/>
+            <a:scene3d>
+              <a:camera prst="orthographicFront"/>
+              <a:lightRig rig="soft" dir="t">
+                <a:rot lat="0" lon="0" rev="15600000"/>
+              </a:lightRig>
+            </a:scene3d>
+            <a:sp3d extrusionH="57150" prstMaterial="softEdge">
+              <a:bevelT w="25400" h="38100"/>
+            </a:sp3d>
           </a:bodyPr>
           <a:lstStyle/>
           <a:p>
-            <a:pPr marL="0" indent="0">
-              <a:buNone/>
-            </a:pPr>
-            <a:r>
-              <a:rPr lang="en-GB" altLang="en-US" sz="2000" dirty="0">
-                <a:latin typeface="Times New Roman" panose="02020603050405020304" charset="0"/>
-                <a:cs typeface="Times New Roman" panose="02020603050405020304" charset="0"/>
-              </a:rPr>
-              <a:t>The overall objective of this project which was to develop an  e</a:t>
-            </a:r>
-            <a:r>
-              <a:rPr lang="en-US" altLang="en-GB" sz="2000" dirty="0">
-                <a:latin typeface="Times New Roman" panose="02020603050405020304" charset="0"/>
-                <a:cs typeface="Times New Roman" panose="02020603050405020304" charset="0"/>
-              </a:rPr>
-              <a:t>ntity-level sentiment analysis model that can accurately classify tweets as Positive, Negative, Neutral or Irrelevant </a:t>
-            </a:r>
-            <a:r>
-              <a:rPr lang="en-GB" altLang="en-US" sz="2000" dirty="0">
-                <a:latin typeface="Times New Roman" panose="02020603050405020304" charset="0"/>
-                <a:cs typeface="Times New Roman" panose="02020603050405020304" charset="0"/>
-              </a:rPr>
-              <a:t>was achieved.</a:t>
-            </a:r>
-            <a:endParaRPr lang="en-GB" altLang="en-US" sz="2000" dirty="0">
-              <a:latin typeface="Times New Roman" panose="02020603050405020304" charset="0"/>
-              <a:cs typeface="Times New Roman" panose="02020603050405020304" charset="0"/>
-            </a:endParaRPr>
-          </a:p>
-          <a:p>
-            <a:pPr marL="0" indent="0">
-              <a:buNone/>
-            </a:pPr>
-            <a:endParaRPr lang="en-US" altLang="en-GB" sz="2000" dirty="0">
-              <a:latin typeface="Times New Roman" panose="02020603050405020304" charset="0"/>
-              <a:cs typeface="Times New Roman" panose="02020603050405020304" charset="0"/>
-            </a:endParaRPr>
-          </a:p>
-          <a:p>
-            <a:pPr marL="0" indent="0">
-              <a:buNone/>
-            </a:pPr>
-            <a:r>
-              <a:rPr lang="en-GB" altLang="en-US" sz="2000" dirty="0">
-                <a:latin typeface="Times New Roman" panose="02020603050405020304" charset="0"/>
-                <a:cs typeface="Times New Roman" panose="02020603050405020304" charset="0"/>
-                <a:sym typeface="+mn-ea"/>
-              </a:rPr>
-              <a:t>I concluded that the </a:t>
-            </a:r>
-            <a:r>
-              <a:rPr lang="en-GB" altLang="en-US" sz="2000" b="1" dirty="0">
-                <a:latin typeface="Times New Roman" panose="02020603050405020304" charset="0"/>
-                <a:cs typeface="Times New Roman" panose="02020603050405020304" charset="0"/>
-                <a:sym typeface="+mn-ea"/>
-              </a:rPr>
-              <a:t>Random Forest Model</a:t>
-            </a:r>
-            <a:r>
-              <a:rPr lang="en-GB" altLang="en-US" sz="2000" dirty="0">
-                <a:latin typeface="Times New Roman" panose="02020603050405020304" charset="0"/>
-                <a:cs typeface="Times New Roman" panose="02020603050405020304" charset="0"/>
-                <a:sym typeface="+mn-ea"/>
-              </a:rPr>
-              <a:t> with an</a:t>
-            </a:r>
-            <a:r>
-              <a:rPr lang="en-GB" altLang="en-US" sz="2000" b="1" dirty="0">
-                <a:latin typeface="Times New Roman" panose="02020603050405020304" charset="0"/>
-                <a:cs typeface="Times New Roman" panose="02020603050405020304" charset="0"/>
-                <a:sym typeface="+mn-ea"/>
-              </a:rPr>
-              <a:t> Accuracy Score of 89.6%</a:t>
-            </a:r>
-            <a:r>
-              <a:rPr lang="en-GB" altLang="en-US" sz="2000" dirty="0">
-                <a:latin typeface="Times New Roman" panose="02020603050405020304" charset="0"/>
-                <a:cs typeface="Times New Roman" panose="02020603050405020304" charset="0"/>
-                <a:sym typeface="+mn-ea"/>
-              </a:rPr>
-              <a:t>  is the best model for this particular Sentiment Analysis Classification task.</a:t>
-            </a:r>
-            <a:endParaRPr lang="en-GB" altLang="en-US" sz="2000" dirty="0">
-              <a:latin typeface="Times New Roman" panose="02020603050405020304" charset="0"/>
-              <a:cs typeface="Times New Roman" panose="02020603050405020304" charset="0"/>
-            </a:endParaRPr>
-          </a:p>
-          <a:p>
-            <a:pPr marL="0" indent="0">
-              <a:buNone/>
-            </a:pPr>
-            <a:endParaRPr lang="en-US" altLang="en-GB" sz="2000" dirty="0">
-              <a:latin typeface="Times New Roman" panose="02020603050405020304" charset="0"/>
-              <a:cs typeface="Times New Roman" panose="02020603050405020304" charset="0"/>
+            <a:pPr algn="ctr"/>
+            <a:r>
+              <a:rPr lang="en-US" sz="6000" b="1" i="0" cap="none" spc="0" dirty="0">
+                <a:solidFill>
+                  <a:schemeClr val="tx1"/>
+                </a:solidFill>
+                <a:effectLst/>
+                <a:latin typeface="Times New Roman" panose="02020603050405020304" charset="0"/>
+                <a:cs typeface="Times New Roman" panose="02020603050405020304" charset="0"/>
+              </a:rPr>
+              <a:t>Thank You</a:t>
+            </a:r>
+            <a:r>
+              <a:rPr lang="en-US" sz="5400" b="1" i="0" cap="none" spc="0" dirty="0">
+                <a:solidFill>
+                  <a:schemeClr val="accent4"/>
+                </a:solidFill>
+                <a:effectLst/>
+                <a:latin typeface="Arial" panose="020B0604020202020204" pitchFamily="34" charset="0"/>
+                <a:cs typeface="Arial" panose="020B0604020202020204" pitchFamily="34" charset="0"/>
+              </a:rPr>
+              <a:t>  </a:t>
+            </a:r>
+            <a:endParaRPr lang="en-US" sz="5400" b="1" cap="none" spc="0" dirty="0">
+              <a:solidFill>
+                <a:schemeClr val="accent4"/>
+              </a:solidFill>
+              <a:effectLst/>
             </a:endParaRPr>
           </a:p>
         </p:txBody>
@@ -5576,94 +4980,6 @@
         </p:nvSpPr>
         <p:spPr>
           <a:xfrm>
-            <a:off x="4017962" y="2967335"/>
-            <a:ext cx="4156075" cy="1014730"/>
-          </a:xfrm>
-          <a:prstGeom prst="rect">
-            <a:avLst/>
-          </a:prstGeom>
-          <a:noFill/>
-        </p:spPr>
-        <p:txBody>
-          <a:bodyPr wrap="none" lIns="91440" tIns="45720" rIns="91440" bIns="45720">
-            <a:spAutoFit/>
-            <a:scene3d>
-              <a:camera prst="orthographicFront"/>
-              <a:lightRig rig="soft" dir="t">
-                <a:rot lat="0" lon="0" rev="15600000"/>
-              </a:lightRig>
-            </a:scene3d>
-            <a:sp3d extrusionH="57150" prstMaterial="softEdge">
-              <a:bevelT w="25400" h="38100"/>
-            </a:sp3d>
-          </a:bodyPr>
-          <a:lstStyle/>
-          <a:p>
-            <a:pPr algn="ctr"/>
-            <a:r>
-              <a:rPr lang="en-US" sz="6000" b="1" i="0" cap="none" spc="0" dirty="0">
-                <a:solidFill>
-                  <a:schemeClr val="tx1"/>
-                </a:solidFill>
-                <a:effectLst/>
-                <a:latin typeface="Times New Roman" panose="02020603050405020304" charset="0"/>
-                <a:cs typeface="Times New Roman" panose="02020603050405020304" charset="0"/>
-              </a:rPr>
-              <a:t>Thank You</a:t>
-            </a:r>
-            <a:r>
-              <a:rPr lang="en-US" sz="5400" b="1" i="0" cap="none" spc="0" dirty="0">
-                <a:solidFill>
-                  <a:schemeClr val="accent4"/>
-                </a:solidFill>
-                <a:effectLst/>
-                <a:latin typeface="Arial" panose="020B0604020202020204" pitchFamily="34" charset="0"/>
-                <a:cs typeface="Arial" panose="020B0604020202020204" pitchFamily="34" charset="0"/>
-              </a:rPr>
-              <a:t>  </a:t>
-            </a:r>
-            <a:endParaRPr lang="en-US" sz="5400" b="1" cap="none" spc="0" dirty="0">
-              <a:solidFill>
-                <a:schemeClr val="accent4"/>
-              </a:solidFill>
-              <a:effectLst/>
-            </a:endParaRPr>
-          </a:p>
-        </p:txBody>
-      </p:sp>
-    </p:spTree>
-  </p:cSld>
-  <p:clrMapOvr>
-    <a:masterClrMapping/>
-  </p:clrMapOvr>
-</p:sld>
-</file>
-
-<file path=ppt/slides/slide18.xml><?xml version="1.0" encoding="utf-8"?>
-<p:sld xmlns:a="http://schemas.openxmlformats.org/drawingml/2006/main" xmlns:r="http://schemas.openxmlformats.org/officeDocument/2006/relationships" xmlns:p="http://schemas.openxmlformats.org/presentationml/2006/main">
-  <p:cSld>
-    <p:spTree>
-      <p:nvGrpSpPr>
-        <p:cNvPr id="1" name=""/>
-        <p:cNvGrpSpPr/>
-        <p:nvPr/>
-      </p:nvGrpSpPr>
-      <p:grpSpPr>
-        <a:xfrm>
-          <a:off x="0" y="0"/>
-          <a:ext cx="0" cy="0"/>
-          <a:chOff x="0" y="0"/>
-          <a:chExt cx="0" cy="0"/>
-        </a:xfrm>
-      </p:grpSpPr>
-      <p:sp>
-        <p:nvSpPr>
-          <p:cNvPr id="4" name="Rectangle 3"/>
-          <p:cNvSpPr/>
-          <p:nvPr/>
-        </p:nvSpPr>
-        <p:spPr>
-          <a:xfrm>
             <a:off x="5028282" y="2967335"/>
             <a:ext cx="2853845" cy="922020"/>
           </a:xfrm>
@@ -5912,8 +5228,8 @@
         </p:nvSpPr>
         <p:spPr>
           <a:xfrm>
-            <a:off x="1549400" y="485775"/>
-            <a:ext cx="9092565" cy="687070"/>
+            <a:off x="1704340" y="96520"/>
+            <a:ext cx="9411335" cy="687070"/>
           </a:xfrm>
         </p:spPr>
         <p:txBody>
@@ -5922,6 +5238,7 @@
           </a:bodyPr>
           <a:lstStyle/>
           <a:p>
+            <a:pPr algn="l"/>
             <a:br>
               <a:rPr lang="en-GB" altLang="en-US" sz="3200" b="1" dirty="0">
                 <a:latin typeface="Times New Roman" panose="02020603050405020304" charset="0"/>
@@ -5929,57 +5246,65 @@
               </a:rPr>
             </a:br>
             <a:r>
-              <a:rPr lang="en-GB" altLang="en-US" sz="3200" b="1" dirty="0">
+              <a:rPr lang="en-GB" altLang="en-US" sz="3110" b="1" dirty="0">
+                <a:solidFill>
+                  <a:schemeClr val="tx1"/>
+                </a:solidFill>
                 <a:latin typeface="Times New Roman" panose="02020603050405020304" charset="0"/>
                 <a:cs typeface="Times New Roman" panose="02020603050405020304" charset="0"/>
               </a:rPr>
               <a:t>Table of Contents</a:t>
             </a:r>
-            <a:endParaRPr lang="en-GB" altLang="en-US" sz="3200" b="1" dirty="0">
-              <a:latin typeface="Times New Roman" panose="02020603050405020304" charset="0"/>
-              <a:cs typeface="Times New Roman" panose="02020603050405020304" charset="0"/>
-            </a:endParaRPr>
-          </a:p>
-        </p:txBody>
-      </p:sp>
-      <p:sp>
-        <p:nvSpPr>
-          <p:cNvPr id="3" name="Content Placeholder 2"/>
-          <p:cNvSpPr>
-            <a:spLocks noGrp="1"/>
-          </p:cNvSpPr>
-          <p:nvPr>
-            <p:ph idx="1"/>
-          </p:nvPr>
+            <a:endParaRPr lang="en-GB" altLang="en-US" sz="3110" b="1" dirty="0">
+              <a:solidFill>
+                <a:schemeClr val="tx1"/>
+              </a:solidFill>
+              <a:latin typeface="Times New Roman" panose="02020603050405020304" charset="0"/>
+              <a:cs typeface="Times New Roman" panose="02020603050405020304" charset="0"/>
+            </a:endParaRPr>
+          </a:p>
+        </p:txBody>
+      </p:sp>
+      <p:sp>
+        <p:nvSpPr>
+          <p:cNvPr id="4" name="Text Box 3"/>
+          <p:cNvSpPr txBox="1"/>
+          <p:nvPr/>
         </p:nvSpPr>
         <p:spPr>
           <a:xfrm>
-            <a:off x="2023110" y="485775"/>
-            <a:ext cx="9484995" cy="5776595"/>
+            <a:off x="4875530" y="117475"/>
+            <a:ext cx="4064000" cy="368300"/>
           </a:xfrm>
+          <a:prstGeom prst="rect">
+            <a:avLst/>
+          </a:prstGeom>
+          <a:noFill/>
         </p:spPr>
         <p:txBody>
-          <a:bodyPr>
-            <a:normAutofit fontScale="25000"/>
+          <a:bodyPr wrap="square" rtlCol="0">
+            <a:spAutoFit/>
           </a:bodyPr>
-          <a:lstStyle/>
-          <a:p>
-            <a:pPr>
-              <a:spcAft>
-                <a:spcPts val="450"/>
-              </a:spcAft>
-              <a:buFont typeface="Arial" panose="020B0604020202020204" pitchFamily="34" charset="0"/>
-              <a:buChar char="•"/>
-            </a:pPr>
-            <a:endParaRPr lang="en-US" altLang="en-GB" sz="7200" b="0" i="0" dirty="0">
+          <a:p>
+            <a:endParaRPr lang="en-GB" altLang="en-US">
               <a:solidFill>
-                <a:srgbClr val="2D3B45"/>
+                <a:schemeClr val="tx1"/>
               </a:solidFill>
-              <a:effectLst/>
-              <a:latin typeface="Times New Roman" panose="02020603050405020304" charset="0"/>
-              <a:cs typeface="Times New Roman" panose="02020603050405020304" charset="0"/>
-            </a:endParaRPr>
-          </a:p>
+            </a:endParaRPr>
+          </a:p>
+        </p:txBody>
+      </p:sp>
+      <p:sp>
+        <p:nvSpPr>
+          <p:cNvPr id="5" name="Content Placeholder 4"/>
+          <p:cNvSpPr/>
+          <p:nvPr>
+            <p:ph idx="1"/>
+          </p:nvPr>
+        </p:nvSpPr>
+        <p:spPr/>
+        <p:txBody>
+          <a:bodyPr/>
           <a:p>
             <a:pPr marL="0" indent="0">
               <a:spcAft>
@@ -5989,23 +5314,25 @@
               <a:buNone/>
             </a:pPr>
             <a:r>
-              <a:rPr lang="en-GB" altLang="en-US" sz="7200" b="0" i="0" dirty="0">
+              <a:rPr lang="en-US" altLang="en-GB" sz="1800" dirty="0">
                 <a:solidFill>
                   <a:srgbClr val="2D3B45"/>
                 </a:solidFill>
                 <a:effectLst/>
                 <a:latin typeface="Times New Roman" panose="02020603050405020304" charset="0"/>
                 <a:cs typeface="Times New Roman" panose="02020603050405020304" charset="0"/>
-              </a:rPr>
-              <a:t> </a:t>
-            </a:r>
-            <a:endParaRPr lang="en-US" altLang="en-GB" sz="7200" b="0" i="0" dirty="0">
+                <a:sym typeface="+mn-ea"/>
+              </a:rPr>
+              <a:t>1. Project Overview</a:t>
+            </a:r>
+            <a:endParaRPr lang="en-US" altLang="en-GB" sz="1800" dirty="0">
               <a:solidFill>
                 <a:srgbClr val="2D3B45"/>
               </a:solidFill>
               <a:effectLst/>
               <a:latin typeface="Times New Roman" panose="02020603050405020304" charset="0"/>
               <a:cs typeface="Times New Roman" panose="02020603050405020304" charset="0"/>
+              <a:sym typeface="+mn-ea"/>
             </a:endParaRPr>
           </a:p>
           <a:p>
@@ -6016,7 +5343,19 @@
               <a:buFont typeface="Arial" panose="020B0604020202020204" pitchFamily="34" charset="0"/>
               <a:buNone/>
             </a:pPr>
-            <a:endParaRPr lang="en-US" altLang="en-GB" sz="7200" b="0" i="0" dirty="0">
+            <a:r>
+              <a:rPr lang="en-US" altLang="en-GB" sz="1800" dirty="0">
+                <a:solidFill>
+                  <a:srgbClr val="2D3B45"/>
+                </a:solidFill>
+                <a:effectLst/>
+                <a:latin typeface="Times New Roman" panose="02020603050405020304" charset="0"/>
+                <a:cs typeface="Times New Roman" panose="02020603050405020304" charset="0"/>
+                <a:sym typeface="+mn-ea"/>
+              </a:rPr>
+              <a:t>2. Problem Statement</a:t>
+            </a:r>
+            <a:endParaRPr lang="en-US" altLang="en-GB" sz="1800" b="0" i="0" dirty="0">
               <a:solidFill>
                 <a:srgbClr val="2D3B45"/>
               </a:solidFill>
@@ -6026,25 +5365,26 @@
             </a:endParaRPr>
           </a:p>
           <a:p>
-            <a:pPr>
+            <a:pPr marL="0" indent="0">
               <a:spcAft>
                 <a:spcPts val="450"/>
               </a:spcAft>
               <a:buFont typeface="Arial" panose="020B0604020202020204" pitchFamily="34" charset="0"/>
-              <a:buChar char="•"/>
+              <a:buNone/>
             </a:pPr>
             <a:r>
-              <a:rPr lang="en-US" altLang="en-GB" sz="7200" b="0" i="0" dirty="0">
+              <a:rPr lang="en-US" altLang="en-GB" sz="1800" dirty="0">
                 <a:solidFill>
                   <a:srgbClr val="2D3B45"/>
                 </a:solidFill>
                 <a:effectLst/>
                 <a:latin typeface="Times New Roman" panose="02020603050405020304" charset="0"/>
                 <a:cs typeface="Times New Roman" panose="02020603050405020304" charset="0"/>
-              </a:rPr>
-              <a:t>1. Project Overview</a:t>
-            </a:r>
-            <a:endParaRPr lang="en-US" altLang="en-GB" sz="7200" b="0" i="0" dirty="0">
+                <a:sym typeface="+mn-ea"/>
+              </a:rPr>
+              <a:t>3. Business Objectives</a:t>
+            </a:r>
+            <a:endParaRPr lang="en-US" altLang="en-GB" sz="1800" b="0" i="0" dirty="0">
               <a:solidFill>
                 <a:srgbClr val="2D3B45"/>
               </a:solidFill>
@@ -6054,25 +5394,26 @@
             </a:endParaRPr>
           </a:p>
           <a:p>
-            <a:pPr>
+            <a:pPr marL="0" indent="0">
               <a:spcAft>
                 <a:spcPts val="450"/>
               </a:spcAft>
               <a:buFont typeface="Arial" panose="020B0604020202020204" pitchFamily="34" charset="0"/>
-              <a:buChar char="•"/>
+              <a:buNone/>
             </a:pPr>
             <a:r>
-              <a:rPr lang="en-US" altLang="en-GB" sz="7200" b="0" i="0" dirty="0">
+              <a:rPr lang="en-US" altLang="en-GB" sz="1800" dirty="0">
                 <a:solidFill>
                   <a:srgbClr val="2D3B45"/>
                 </a:solidFill>
                 <a:effectLst/>
                 <a:latin typeface="Times New Roman" panose="02020603050405020304" charset="0"/>
                 <a:cs typeface="Times New Roman" panose="02020603050405020304" charset="0"/>
-              </a:rPr>
-              <a:t>2. Problem Statement</a:t>
-            </a:r>
-            <a:endParaRPr lang="en-US" altLang="en-GB" sz="7200" b="0" i="0" dirty="0">
+                <a:sym typeface="+mn-ea"/>
+              </a:rPr>
+              <a:t>4. Target Audience</a:t>
+            </a:r>
+            <a:endParaRPr lang="en-US" altLang="en-GB" sz="1800" b="0" i="0" dirty="0">
               <a:solidFill>
                 <a:srgbClr val="2D3B45"/>
               </a:solidFill>
@@ -6082,25 +5423,26 @@
             </a:endParaRPr>
           </a:p>
           <a:p>
-            <a:pPr>
+            <a:pPr marL="0" indent="0">
               <a:spcAft>
                 <a:spcPts val="450"/>
               </a:spcAft>
               <a:buFont typeface="Arial" panose="020B0604020202020204" pitchFamily="34" charset="0"/>
-              <a:buChar char="•"/>
+              <a:buNone/>
             </a:pPr>
             <a:r>
-              <a:rPr lang="en-US" altLang="en-GB" sz="7200" b="0" i="0" dirty="0">
+              <a:rPr lang="en-US" altLang="en-GB" sz="1800" dirty="0">
                 <a:solidFill>
                   <a:srgbClr val="2D3B45"/>
                 </a:solidFill>
                 <a:effectLst/>
                 <a:latin typeface="Times New Roman" panose="02020603050405020304" charset="0"/>
                 <a:cs typeface="Times New Roman" panose="02020603050405020304" charset="0"/>
-              </a:rPr>
-              <a:t>3. Business Objectives</a:t>
-            </a:r>
-            <a:endParaRPr lang="en-US" altLang="en-GB" sz="7200" b="0" i="0" dirty="0">
+                <a:sym typeface="+mn-ea"/>
+              </a:rPr>
+              <a:t>5. Data</a:t>
+            </a:r>
+            <a:endParaRPr lang="en-US" altLang="en-GB" sz="1800" b="0" i="0" dirty="0">
               <a:solidFill>
                 <a:srgbClr val="2D3B45"/>
               </a:solidFill>
@@ -6110,25 +5452,26 @@
             </a:endParaRPr>
           </a:p>
           <a:p>
-            <a:pPr>
+            <a:pPr marL="0" indent="0">
               <a:spcAft>
                 <a:spcPts val="450"/>
               </a:spcAft>
               <a:buFont typeface="Arial" panose="020B0604020202020204" pitchFamily="34" charset="0"/>
-              <a:buChar char="•"/>
+              <a:buNone/>
             </a:pPr>
             <a:r>
-              <a:rPr lang="en-US" altLang="en-GB" sz="7200" b="0" i="0" dirty="0">
+              <a:rPr lang="en-US" altLang="en-GB" sz="1800" dirty="0">
                 <a:solidFill>
                   <a:srgbClr val="2D3B45"/>
                 </a:solidFill>
                 <a:effectLst/>
                 <a:latin typeface="Times New Roman" panose="02020603050405020304" charset="0"/>
                 <a:cs typeface="Times New Roman" panose="02020603050405020304" charset="0"/>
-              </a:rPr>
-              <a:t>4. Target Audience</a:t>
-            </a:r>
-            <a:endParaRPr lang="en-US" altLang="en-GB" sz="7200" b="0" i="0" dirty="0">
+                <a:sym typeface="+mn-ea"/>
+              </a:rPr>
+              <a:t>6. Data Understanding</a:t>
+            </a:r>
+            <a:endParaRPr lang="en-US" altLang="en-GB" sz="1800" b="0" i="0" dirty="0">
               <a:solidFill>
                 <a:srgbClr val="2D3B45"/>
               </a:solidFill>
@@ -6138,25 +5481,26 @@
             </a:endParaRPr>
           </a:p>
           <a:p>
-            <a:pPr>
+            <a:pPr marL="0" indent="0">
               <a:spcAft>
                 <a:spcPts val="450"/>
               </a:spcAft>
               <a:buFont typeface="Arial" panose="020B0604020202020204" pitchFamily="34" charset="0"/>
-              <a:buChar char="•"/>
+              <a:buNone/>
             </a:pPr>
             <a:r>
-              <a:rPr lang="en-US" altLang="en-GB" sz="7200" b="0" i="0" dirty="0">
+              <a:rPr lang="en-US" altLang="en-GB" sz="1800" dirty="0">
                 <a:solidFill>
                   <a:srgbClr val="2D3B45"/>
                 </a:solidFill>
                 <a:effectLst/>
                 <a:latin typeface="Times New Roman" panose="02020603050405020304" charset="0"/>
                 <a:cs typeface="Times New Roman" panose="02020603050405020304" charset="0"/>
-              </a:rPr>
-              <a:t>5. Data</a:t>
-            </a:r>
-            <a:endParaRPr lang="en-US" altLang="en-GB" sz="7200" b="0" i="0" dirty="0">
+                <a:sym typeface="+mn-ea"/>
+              </a:rPr>
+              <a:t>7. Exploratory Data Analysis</a:t>
+            </a:r>
+            <a:endParaRPr lang="en-US" altLang="en-GB" sz="1800" b="0" i="0" dirty="0">
               <a:solidFill>
                 <a:srgbClr val="2D3B45"/>
               </a:solidFill>
@@ -6166,25 +5510,26 @@
             </a:endParaRPr>
           </a:p>
           <a:p>
-            <a:pPr>
+            <a:pPr marL="0" indent="0">
               <a:spcAft>
                 <a:spcPts val="450"/>
               </a:spcAft>
               <a:buFont typeface="Arial" panose="020B0604020202020204" pitchFamily="34" charset="0"/>
-              <a:buChar char="•"/>
+              <a:buNone/>
             </a:pPr>
             <a:r>
-              <a:rPr lang="en-US" altLang="en-GB" sz="7200" b="0" i="0" dirty="0">
+              <a:rPr lang="en-US" altLang="en-GB" sz="1800" dirty="0">
                 <a:solidFill>
                   <a:srgbClr val="2D3B45"/>
                 </a:solidFill>
                 <a:effectLst/>
                 <a:latin typeface="Times New Roman" panose="02020603050405020304" charset="0"/>
                 <a:cs typeface="Times New Roman" panose="02020603050405020304" charset="0"/>
-              </a:rPr>
-              <a:t>6. Data Understanding</a:t>
-            </a:r>
-            <a:endParaRPr lang="en-US" altLang="en-GB" sz="7200" b="0" i="0" dirty="0">
+                <a:sym typeface="+mn-ea"/>
+              </a:rPr>
+              <a:t>8. Data Preprocessing</a:t>
+            </a:r>
+            <a:endParaRPr lang="en-US" altLang="en-GB" sz="1800" b="0" i="0" dirty="0">
               <a:solidFill>
                 <a:srgbClr val="2D3B45"/>
               </a:solidFill>
@@ -6194,25 +5539,26 @@
             </a:endParaRPr>
           </a:p>
           <a:p>
-            <a:pPr>
+            <a:pPr marL="0" indent="0">
               <a:spcAft>
                 <a:spcPts val="450"/>
               </a:spcAft>
               <a:buFont typeface="Arial" panose="020B0604020202020204" pitchFamily="34" charset="0"/>
-              <a:buChar char="•"/>
+              <a:buNone/>
             </a:pPr>
             <a:r>
-              <a:rPr lang="en-US" altLang="en-GB" sz="7200" b="0" i="0" dirty="0">
+              <a:rPr lang="en-US" altLang="en-GB" sz="1800" dirty="0">
                 <a:solidFill>
                   <a:srgbClr val="2D3B45"/>
                 </a:solidFill>
                 <a:effectLst/>
                 <a:latin typeface="Times New Roman" panose="02020603050405020304" charset="0"/>
                 <a:cs typeface="Times New Roman" panose="02020603050405020304" charset="0"/>
-              </a:rPr>
-              <a:t>7. Exploratory Data Analysis</a:t>
-            </a:r>
-            <a:endParaRPr lang="en-US" altLang="en-GB" sz="7200" b="0" i="0" dirty="0">
+                <a:sym typeface="+mn-ea"/>
+              </a:rPr>
+              <a:t>9. Modelling &amp; Evaluation</a:t>
+            </a:r>
+            <a:endParaRPr lang="en-US" altLang="en-GB" sz="1800" b="0" i="0" dirty="0">
               <a:solidFill>
                 <a:srgbClr val="2D3B45"/>
               </a:solidFill>
@@ -6222,25 +5568,26 @@
             </a:endParaRPr>
           </a:p>
           <a:p>
-            <a:pPr>
+            <a:pPr marL="0" indent="0">
               <a:spcAft>
                 <a:spcPts val="450"/>
               </a:spcAft>
               <a:buFont typeface="Arial" panose="020B0604020202020204" pitchFamily="34" charset="0"/>
-              <a:buChar char="•"/>
+              <a:buNone/>
             </a:pPr>
             <a:r>
-              <a:rPr lang="en-US" altLang="en-GB" sz="7200" b="0" i="0" dirty="0">
+              <a:rPr lang="en-US" altLang="en-GB" sz="1800" dirty="0">
                 <a:solidFill>
                   <a:srgbClr val="2D3B45"/>
                 </a:solidFill>
                 <a:effectLst/>
                 <a:latin typeface="Times New Roman" panose="02020603050405020304" charset="0"/>
                 <a:cs typeface="Times New Roman" panose="02020603050405020304" charset="0"/>
-              </a:rPr>
-              <a:t>8. Data Preprocessing</a:t>
-            </a:r>
-            <a:endParaRPr lang="en-US" altLang="en-GB" sz="7200" b="0" i="0" dirty="0">
+                <a:sym typeface="+mn-ea"/>
+              </a:rPr>
+              <a:t>10. Validating the Model</a:t>
+            </a:r>
+            <a:endParaRPr lang="en-US" altLang="en-GB" sz="1800" b="0" i="0" dirty="0">
               <a:solidFill>
                 <a:srgbClr val="2D3B45"/>
               </a:solidFill>
@@ -6250,25 +5597,26 @@
             </a:endParaRPr>
           </a:p>
           <a:p>
-            <a:pPr>
+            <a:pPr marL="0" indent="0">
               <a:spcAft>
                 <a:spcPts val="450"/>
               </a:spcAft>
               <a:buFont typeface="Arial" panose="020B0604020202020204" pitchFamily="34" charset="0"/>
-              <a:buChar char="•"/>
+              <a:buNone/>
             </a:pPr>
             <a:r>
-              <a:rPr lang="en-US" altLang="en-GB" sz="7200" b="0" i="0" dirty="0">
+              <a:rPr lang="en-US" altLang="en-GB" sz="1800" dirty="0">
                 <a:solidFill>
                   <a:srgbClr val="2D3B45"/>
                 </a:solidFill>
                 <a:effectLst/>
                 <a:latin typeface="Times New Roman" panose="02020603050405020304" charset="0"/>
                 <a:cs typeface="Times New Roman" panose="02020603050405020304" charset="0"/>
-              </a:rPr>
-              <a:t>9. Modelling &amp; Evaluation</a:t>
-            </a:r>
-            <a:endParaRPr lang="en-US" altLang="en-GB" sz="7200" b="0" i="0" dirty="0">
+                <a:sym typeface="+mn-ea"/>
+              </a:rPr>
+              <a:t>11. Findings</a:t>
+            </a:r>
+            <a:endParaRPr lang="en-US" altLang="en-GB" sz="1800" b="0" i="0" dirty="0">
               <a:solidFill>
                 <a:srgbClr val="2D3B45"/>
               </a:solidFill>
@@ -6278,25 +5626,26 @@
             </a:endParaRPr>
           </a:p>
           <a:p>
-            <a:pPr>
+            <a:pPr marL="0" indent="0">
               <a:spcAft>
                 <a:spcPts val="450"/>
               </a:spcAft>
               <a:buFont typeface="Arial" panose="020B0604020202020204" pitchFamily="34" charset="0"/>
-              <a:buChar char="•"/>
+              <a:buNone/>
             </a:pPr>
             <a:r>
-              <a:rPr lang="en-US" altLang="en-GB" sz="7200" b="0" i="0" dirty="0">
+              <a:rPr lang="en-US" altLang="en-GB" sz="1800" dirty="0">
                 <a:solidFill>
                   <a:srgbClr val="2D3B45"/>
                 </a:solidFill>
                 <a:effectLst/>
                 <a:latin typeface="Times New Roman" panose="02020603050405020304" charset="0"/>
                 <a:cs typeface="Times New Roman" panose="02020603050405020304" charset="0"/>
-              </a:rPr>
-              <a:t>10. Validating the Model</a:t>
-            </a:r>
-            <a:endParaRPr lang="en-US" altLang="en-GB" sz="7200" b="0" i="0" dirty="0">
+                <a:sym typeface="+mn-ea"/>
+              </a:rPr>
+              <a:t>12. Conclusion</a:t>
+            </a:r>
+            <a:endParaRPr lang="en-US" altLang="en-GB" sz="1800" b="0" i="0" dirty="0">
               <a:solidFill>
                 <a:srgbClr val="2D3B45"/>
               </a:solidFill>
@@ -6306,100 +5655,7 @@
             </a:endParaRPr>
           </a:p>
           <a:p>
-            <a:pPr>
-              <a:spcAft>
-                <a:spcPts val="450"/>
-              </a:spcAft>
-              <a:buFont typeface="Arial" panose="020B0604020202020204" pitchFamily="34" charset="0"/>
-              <a:buChar char="•"/>
-            </a:pPr>
-            <a:r>
-              <a:rPr lang="en-US" altLang="en-GB" sz="7200" b="0" i="0" dirty="0">
-                <a:solidFill>
-                  <a:srgbClr val="2D3B45"/>
-                </a:solidFill>
-                <a:effectLst/>
-                <a:latin typeface="Times New Roman" panose="02020603050405020304" charset="0"/>
-                <a:cs typeface="Times New Roman" panose="02020603050405020304" charset="0"/>
-              </a:rPr>
-              <a:t>11. Findings</a:t>
-            </a:r>
-            <a:endParaRPr lang="en-US" altLang="en-GB" sz="7200" b="0" i="0" dirty="0">
-              <a:solidFill>
-                <a:srgbClr val="2D3B45"/>
-              </a:solidFill>
-              <a:effectLst/>
-              <a:latin typeface="Times New Roman" panose="02020603050405020304" charset="0"/>
-              <a:cs typeface="Times New Roman" panose="02020603050405020304" charset="0"/>
-            </a:endParaRPr>
-          </a:p>
-          <a:p>
-            <a:pPr>
-              <a:spcAft>
-                <a:spcPts val="450"/>
-              </a:spcAft>
-              <a:buFont typeface="Arial" panose="020B0604020202020204" pitchFamily="34" charset="0"/>
-              <a:buChar char="•"/>
-            </a:pPr>
-            <a:r>
-              <a:rPr lang="en-US" altLang="en-GB" sz="7200" b="0" i="0" dirty="0">
-                <a:solidFill>
-                  <a:srgbClr val="2D3B45"/>
-                </a:solidFill>
-                <a:effectLst/>
-                <a:latin typeface="Times New Roman" panose="02020603050405020304" charset="0"/>
-                <a:cs typeface="Times New Roman" panose="02020603050405020304" charset="0"/>
-              </a:rPr>
-              <a:t>12. Conclusion</a:t>
-            </a:r>
-            <a:endParaRPr lang="en-US" altLang="en-GB" sz="7200" b="0" i="0" dirty="0">
-              <a:solidFill>
-                <a:srgbClr val="2D3B45"/>
-              </a:solidFill>
-              <a:effectLst/>
-              <a:latin typeface="Times New Roman" panose="02020603050405020304" charset="0"/>
-              <a:cs typeface="Times New Roman" panose="02020603050405020304" charset="0"/>
-            </a:endParaRPr>
-          </a:p>
-          <a:p>
-            <a:pPr>
-              <a:spcAft>
-                <a:spcPts val="450"/>
-              </a:spcAft>
-              <a:buFont typeface="+mj-lt"/>
-              <a:buAutoNum type="arabicPeriod"/>
-            </a:pPr>
-            <a:endParaRPr lang="en-GB" altLang="en-US" sz="7200" b="0" i="0" dirty="0">
-              <a:solidFill>
-                <a:srgbClr val="2D3B45"/>
-              </a:solidFill>
-              <a:effectLst/>
-              <a:latin typeface="Times New Roman" panose="02020603050405020304" charset="0"/>
-              <a:cs typeface="Times New Roman" panose="02020603050405020304" charset="0"/>
-            </a:endParaRPr>
-          </a:p>
-          <a:p>
-            <a:pPr>
-              <a:spcAft>
-                <a:spcPts val="450"/>
-              </a:spcAft>
-            </a:pPr>
-            <a:endParaRPr lang="en-US" sz="2400" b="0" i="0" dirty="0">
-              <a:solidFill>
-                <a:srgbClr val="2D3B45"/>
-              </a:solidFill>
-              <a:effectLst/>
-              <a:latin typeface="Times New Roman" panose="02020603050405020304" charset="0"/>
-              <a:cs typeface="Times New Roman" panose="02020603050405020304" charset="0"/>
-            </a:endParaRPr>
-          </a:p>
-          <a:p>
-            <a:pPr>
-              <a:spcAft>
-                <a:spcPts val="450"/>
-              </a:spcAft>
-            </a:pPr>
-            <a:endParaRPr lang="en-US" sz="2400" dirty="0"/>
+            <a:endParaRPr lang="en-GB" altLang="en-US" sz="1800"/>
           </a:p>
         </p:txBody>
       </p:sp>
@@ -6440,7 +5696,7 @@
         </p:nvSpPr>
         <p:spPr>
           <a:xfrm>
-            <a:off x="2040255" y="624205"/>
+            <a:off x="1887220" y="95250"/>
             <a:ext cx="9464040" cy="745490"/>
           </a:xfrm>
         </p:spPr>
@@ -6448,21 +5704,31 @@
           <a:bodyPr/>
           <a:lstStyle/>
           <a:p>
-            <a:r>
-              <a:rPr lang="en-US" sz="3200" b="1" dirty="0">
+            <a:pPr algn="l"/>
+            <a:r>
+              <a:rPr lang="en-US" sz="2800" b="1" dirty="0">
+                <a:solidFill>
+                  <a:schemeClr val="tx1"/>
+                </a:solidFill>
                 <a:latin typeface="Times New Roman" panose="02020603050405020304" charset="0"/>
                 <a:cs typeface="Times New Roman" panose="02020603050405020304" charset="0"/>
               </a:rPr>
               <a:t>Business Problem</a:t>
             </a:r>
             <a:r>
-              <a:rPr lang="en-GB" altLang="en-US" sz="3200" b="1" dirty="0">
+              <a:rPr lang="en-GB" altLang="en-US" sz="2800" b="1" dirty="0">
+                <a:solidFill>
+                  <a:schemeClr val="tx1"/>
+                </a:solidFill>
                 <a:latin typeface="Times New Roman" panose="02020603050405020304" charset="0"/>
                 <a:cs typeface="Times New Roman" panose="02020603050405020304" charset="0"/>
               </a:rPr>
               <a:t> Statement</a:t>
             </a:r>
-            <a:endParaRPr lang="en-GB" altLang="en-US" sz="3200" b="1" dirty="0">
+            <a:endParaRPr lang="en-GB" altLang="en-US" sz="2800" b="1" dirty="0">
+              <a:solidFill>
+                <a:schemeClr val="tx1"/>
+              </a:solidFill>
               <a:latin typeface="Times New Roman" panose="02020603050405020304" charset="0"/>
               <a:cs typeface="Times New Roman" panose="02020603050405020304" charset="0"/>
             </a:endParaRPr>
@@ -6481,8 +5747,8 @@
         </p:nvSpPr>
         <p:spPr>
           <a:xfrm>
-            <a:off x="2040255" y="1369695"/>
-            <a:ext cx="9616440" cy="4541520"/>
+            <a:off x="1625600" y="1369695"/>
+            <a:ext cx="10031095" cy="4541520"/>
           </a:xfrm>
         </p:spPr>
         <p:txBody>
@@ -6491,7 +5757,7 @@
           </a:bodyPr>
           <a:lstStyle/>
           <a:p>
-            <a:pPr marL="0" indent="0">
+            <a:pPr marL="0" indent="0" algn="just">
               <a:lnSpc>
                 <a:spcPct val="150000"/>
               </a:lnSpc>
@@ -6548,7 +5814,7 @@
         </p:nvSpPr>
         <p:spPr>
           <a:xfrm>
-            <a:off x="2041451" y="521240"/>
+            <a:off x="1640131" y="-95"/>
             <a:ext cx="8911687" cy="850360"/>
           </a:xfrm>
         </p:spPr>
@@ -6556,8 +5822,9 @@
           <a:bodyPr/>
           <a:lstStyle/>
           <a:p>
-            <a:r>
-              <a:rPr lang="en-US" sz="3200" b="1" dirty="0">
+            <a:pPr algn="l"/>
+            <a:r>
+              <a:rPr lang="en-US" sz="2800" b="1" dirty="0">
                 <a:solidFill>
                   <a:srgbClr val="2D3B45"/>
                 </a:solidFill>
@@ -6569,7 +5836,7 @@
               <a:t>Business </a:t>
             </a:r>
             <a:r>
-              <a:rPr lang="en-GB" altLang="en-US" sz="3200" b="1" dirty="0">
+              <a:rPr lang="en-GB" altLang="en-US" sz="2800" b="1" dirty="0">
                 <a:solidFill>
                   <a:srgbClr val="2D3B45"/>
                 </a:solidFill>
@@ -6580,7 +5847,7 @@
               </a:rPr>
               <a:t>Objectives</a:t>
             </a:r>
-            <a:endParaRPr lang="en-GB" altLang="en-US" sz="3200" b="1" dirty="0">
+            <a:endParaRPr lang="en-GB" altLang="en-US" sz="2800" b="1" dirty="0">
               <a:solidFill>
                 <a:srgbClr val="2D3B45"/>
               </a:solidFill>
@@ -6604,8 +5871,8 @@
         </p:nvSpPr>
         <p:spPr>
           <a:xfrm>
-            <a:off x="2366011" y="1297724"/>
-            <a:ext cx="8911688" cy="5050466"/>
+            <a:off x="1639570" y="1297940"/>
+            <a:ext cx="9638030" cy="5050155"/>
           </a:xfrm>
         </p:spPr>
         <p:txBody>
@@ -6614,7 +5881,7 @@
           </a:bodyPr>
           <a:lstStyle/>
           <a:p>
-            <a:pPr marL="0" indent="0">
+            <a:pPr marL="0" indent="0" algn="just">
               <a:lnSpc>
                 <a:spcPct val="150000"/>
               </a:lnSpc>
@@ -6634,7 +5901,7 @@
             </a:endParaRPr>
           </a:p>
           <a:p>
-            <a:pPr>
+            <a:pPr algn="just">
               <a:lnSpc>
                 <a:spcPct val="150000"/>
               </a:lnSpc>
@@ -6652,7 +5919,7 @@
             </a:endParaRPr>
           </a:p>
           <a:p>
-            <a:pPr>
+            <a:pPr algn="just">
               <a:lnSpc>
                 <a:spcPct val="150000"/>
               </a:lnSpc>
@@ -6670,7 +5937,7 @@
             </a:endParaRPr>
           </a:p>
           <a:p>
-            <a:pPr>
+            <a:pPr algn="just">
               <a:lnSpc>
                 <a:spcPct val="150000"/>
               </a:lnSpc>
@@ -6726,8 +5993,8 @@
         </p:nvSpPr>
         <p:spPr>
           <a:xfrm>
-            <a:off x="1885950" y="588409"/>
-            <a:ext cx="9467850" cy="880745"/>
+            <a:off x="1695450" y="0"/>
+            <a:ext cx="9754235" cy="880745"/>
           </a:xfrm>
         </p:spPr>
         <p:txBody>
@@ -6736,14 +6003,21 @@
           </a:bodyPr>
           <a:lstStyle/>
           <a:p>
-            <a:r>
-              <a:rPr lang="en-GB" altLang="en-US" sz="3200" b="1" dirty="0">
+            <a:pPr algn="l"/>
+            <a:r>
+              <a:rPr lang="en-GB" altLang="en-US" sz="2800" b="1" dirty="0">
+                <a:solidFill>
+                  <a:schemeClr val="tx1"/>
+                </a:solidFill>
                 <a:latin typeface="Times New Roman" panose="02020603050405020304" charset="0"/>
                 <a:cs typeface="Times New Roman" panose="02020603050405020304" charset="0"/>
               </a:rPr>
               <a:t>Data</a:t>
             </a:r>
-            <a:endParaRPr lang="en-GB" altLang="en-US" sz="3200" b="1" dirty="0">
+            <a:endParaRPr lang="en-GB" altLang="en-US" sz="2800" b="1" dirty="0">
+              <a:solidFill>
+                <a:schemeClr val="tx1"/>
+              </a:solidFill>
               <a:latin typeface="Times New Roman" panose="02020603050405020304" charset="0"/>
               <a:cs typeface="Times New Roman" panose="02020603050405020304" charset="0"/>
             </a:endParaRPr>
@@ -6762,8 +6036,8 @@
         </p:nvSpPr>
         <p:spPr>
           <a:xfrm>
-            <a:off x="1885950" y="1343660"/>
-            <a:ext cx="9467850" cy="4833620"/>
+            <a:off x="1565910" y="1343660"/>
+            <a:ext cx="9787890" cy="4833620"/>
           </a:xfrm>
         </p:spPr>
         <p:txBody>
@@ -6779,16 +6053,16 @@
               <a:buNone/>
             </a:pPr>
             <a:r>
-              <a:rPr lang="en-US" altLang="en-GB"/>
+              <a:rPr lang="en-US" altLang="en-GB" sz="2000"/>
               <a:t>The Sentiment Analysis dataset used in this project was obtained from </a:t>
             </a:r>
             <a:r>
-              <a:rPr lang="en-US" altLang="en-GB">
+              <a:rPr lang="en-US" altLang="en-GB" sz="2000">
                 <a:hlinkClick r:id="rId1" action="ppaction://hlinkfile"/>
               </a:rPr>
               <a:t>Kaggle</a:t>
             </a:r>
-            <a:endParaRPr lang="en-US" altLang="en-GB"/>
+            <a:endParaRPr lang="en-US" altLang="en-GB" sz="2000"/>
           </a:p>
         </p:txBody>
       </p:sp>
@@ -6822,8 +6096,8 @@
         </p:nvSpPr>
         <p:spPr>
           <a:xfrm>
-            <a:off x="2165985" y="554990"/>
-            <a:ext cx="8911590" cy="605155"/>
+            <a:off x="1751965" y="124460"/>
+            <a:ext cx="9325610" cy="605155"/>
           </a:xfrm>
         </p:spPr>
         <p:txBody>
@@ -6831,14 +6105,21 @@
             <a:noAutofit/>
           </a:bodyPr>
           <a:p>
-            <a:r>
-              <a:rPr lang="en-GB" altLang="en-US" sz="3200" b="1">
-                <a:latin typeface="Times New Roman" panose="02020603050405020304" charset="0"/>
-                <a:cs typeface="Times New Roman" panose="02020603050405020304" charset="0"/>
-              </a:rPr>
-              <a:t>Tools used</a:t>
-            </a:r>
-            <a:endParaRPr lang="en-GB" altLang="en-US" sz="3200" b="1">
+            <a:pPr algn="l"/>
+            <a:r>
+              <a:rPr lang="en-GB" altLang="en-US" sz="2800" b="1">
+                <a:solidFill>
+                  <a:schemeClr val="tx1"/>
+                </a:solidFill>
+                <a:latin typeface="Times New Roman" panose="02020603050405020304" charset="0"/>
+                <a:cs typeface="Times New Roman" panose="02020603050405020304" charset="0"/>
+              </a:rPr>
+              <a:t>Modelling Tools used</a:t>
+            </a:r>
+            <a:endParaRPr lang="en-GB" altLang="en-US" sz="2800" b="1">
+              <a:solidFill>
+                <a:schemeClr val="tx1"/>
+              </a:solidFill>
               <a:latin typeface="Times New Roman" panose="02020603050405020304" charset="0"/>
               <a:cs typeface="Times New Roman" panose="02020603050405020304" charset="0"/>
             </a:endParaRPr>
@@ -6863,15 +6144,6 @@
         </p:spPr>
         <p:txBody>
           <a:bodyPr/>
-          <a:p>
-            <a:pPr marL="0" indent="0">
-              <a:buNone/>
-            </a:pPr>
-            <a:endParaRPr lang="en-GB" altLang="en-US" sz="2000">
-              <a:latin typeface="Times New Roman" panose="02020603050405020304" charset="0"/>
-              <a:cs typeface="Times New Roman" panose="02020603050405020304" charset="0"/>
-            </a:endParaRPr>
-          </a:p>
           <a:p>
             <a:pPr marL="0" indent="0">
               <a:buNone/>
@@ -7073,8 +6345,8 @@
         </p:nvSpPr>
         <p:spPr>
           <a:xfrm>
-            <a:off x="2287270" y="624205"/>
-            <a:ext cx="9217025" cy="528955"/>
+            <a:off x="1651000" y="193675"/>
+            <a:ext cx="9853295" cy="528955"/>
           </a:xfrm>
         </p:spPr>
         <p:txBody>
@@ -7083,14 +6355,21 @@
           </a:bodyPr>
           <a:lstStyle/>
           <a:p>
-            <a:r>
-              <a:rPr lang="en-GB" altLang="en-US" sz="3200" b="1" dirty="0">
+            <a:pPr algn="l"/>
+            <a:r>
+              <a:rPr lang="en-GB" altLang="en-US" sz="2800" b="1" dirty="0">
+                <a:solidFill>
+                  <a:schemeClr val="tx1"/>
+                </a:solidFill>
                 <a:latin typeface="Times New Roman" panose="02020603050405020304" charset="0"/>
                 <a:cs typeface="Times New Roman" panose="02020603050405020304" charset="0"/>
               </a:rPr>
               <a:t>Data Understanding</a:t>
             </a:r>
-            <a:endParaRPr lang="en-GB" altLang="en-US" sz="3200" b="1" dirty="0">
+            <a:endParaRPr lang="en-GB" altLang="en-US" sz="2800" b="1" dirty="0">
+              <a:solidFill>
+                <a:schemeClr val="tx1"/>
+              </a:solidFill>
               <a:latin typeface="Times New Roman" panose="02020603050405020304" charset="0"/>
               <a:cs typeface="Times New Roman" panose="02020603050405020304" charset="0"/>
             </a:endParaRPr>
@@ -7109,8 +6388,8 @@
         </p:nvSpPr>
         <p:spPr>
           <a:xfrm>
-            <a:off x="2106295" y="1153160"/>
-            <a:ext cx="9841865" cy="5499100"/>
+            <a:off x="1651000" y="1153160"/>
+            <a:ext cx="10297160" cy="5499100"/>
           </a:xfrm>
         </p:spPr>
         <p:txBody>
@@ -7267,22 +6546,29 @@
         </p:nvSpPr>
         <p:spPr>
           <a:xfrm>
-            <a:off x="2394585" y="624205"/>
-            <a:ext cx="9109710" cy="769620"/>
+            <a:off x="1693545" y="0"/>
+            <a:ext cx="9810750" cy="769620"/>
           </a:xfrm>
         </p:spPr>
         <p:txBody>
           <a:bodyPr/>
           <a:lstStyle/>
           <a:p>
-            <a:r>
-              <a:rPr lang="en-GB" altLang="en-US" sz="3200" b="1" dirty="0">
+            <a:pPr algn="l"/>
+            <a:r>
+              <a:rPr lang="en-GB" altLang="en-US" sz="2800" b="1" dirty="0">
+                <a:solidFill>
+                  <a:schemeClr val="tx1"/>
+                </a:solidFill>
                 <a:latin typeface="Times New Roman" panose="02020603050405020304" charset="0"/>
                 <a:cs typeface="Times New Roman" panose="02020603050405020304" charset="0"/>
               </a:rPr>
               <a:t>Data Preprocessing</a:t>
             </a:r>
-            <a:endParaRPr lang="en-GB" altLang="en-US" sz="3200" b="1" dirty="0">
+            <a:endParaRPr lang="en-GB" altLang="en-US" sz="2800" b="1" dirty="0">
+              <a:solidFill>
+                <a:schemeClr val="tx1"/>
+              </a:solidFill>
               <a:latin typeface="Times New Roman" panose="02020603050405020304" charset="0"/>
               <a:cs typeface="Times New Roman" panose="02020603050405020304" charset="0"/>
             </a:endParaRPr>
@@ -7376,21 +6662,14 @@
                 <a:latin typeface="Times New Roman" panose="02020603050405020304" charset="0"/>
                 <a:cs typeface="Times New Roman" panose="02020603050405020304" charset="0"/>
               </a:rPr>
-              <a:t>1. Label Encoding the </a:t>
+              <a:t>1. </a:t>
             </a:r>
             <a:r>
               <a:rPr lang="en-GB" altLang="en-US" sz="2000">
                 <a:latin typeface="Times New Roman" panose="02020603050405020304" charset="0"/>
                 <a:cs typeface="Times New Roman" panose="02020603050405020304" charset="0"/>
               </a:rPr>
-              <a:t>Target</a:t>
-            </a:r>
-            <a:r>
-              <a:rPr lang="en-US" altLang="en-GB" sz="2000">
-                <a:latin typeface="Times New Roman" panose="02020603050405020304" charset="0"/>
-                <a:cs typeface="Times New Roman" panose="02020603050405020304" charset="0"/>
-              </a:rPr>
-              <a:t> Feature</a:t>
+              <a:t>Converting from categorical to numerical</a:t>
             </a:r>
             <a:endParaRPr lang="en-US" altLang="en-GB" sz="2000">
               <a:latin typeface="Times New Roman" panose="02020603050405020304" charset="0"/>
@@ -7409,7 +6688,14 @@
                 <a:latin typeface="Times New Roman" panose="02020603050405020304" charset="0"/>
                 <a:cs typeface="Times New Roman" panose="02020603050405020304" charset="0"/>
               </a:rPr>
-              <a:t>2. Word Lemmatization</a:t>
+              <a:t>2. </a:t>
+            </a:r>
+            <a:r>
+              <a:rPr lang="en-GB" altLang="en-US" sz="2000">
+                <a:latin typeface="Times New Roman" panose="02020603050405020304" charset="0"/>
+                <a:cs typeface="Times New Roman" panose="02020603050405020304" charset="0"/>
+              </a:rPr>
+              <a:t>Reducing words to their root form</a:t>
             </a:r>
             <a:endParaRPr lang="en-US" altLang="en-GB" sz="2000">
               <a:latin typeface="Times New Roman" panose="02020603050405020304" charset="0"/>
@@ -7428,7 +6714,14 @@
                 <a:latin typeface="Times New Roman" panose="02020603050405020304" charset="0"/>
                 <a:cs typeface="Times New Roman" panose="02020603050405020304" charset="0"/>
               </a:rPr>
-              <a:t>3. Removal of Stopwords</a:t>
+              <a:t>3. </a:t>
+            </a:r>
+            <a:r>
+              <a:rPr lang="en-GB" altLang="en-US" sz="2000">
+                <a:latin typeface="Times New Roman" panose="02020603050405020304" charset="0"/>
+                <a:cs typeface="Times New Roman" panose="02020603050405020304" charset="0"/>
+              </a:rPr>
+              <a:t>Removing words that do not add meaning to the text</a:t>
             </a:r>
             <a:endParaRPr lang="en-US" altLang="en-GB" sz="2000">
               <a:latin typeface="Times New Roman" panose="02020603050405020304" charset="0"/>
@@ -7447,7 +6740,14 @@
                 <a:latin typeface="Times New Roman" panose="02020603050405020304" charset="0"/>
                 <a:cs typeface="Times New Roman" panose="02020603050405020304" charset="0"/>
               </a:rPr>
-              <a:t>4. Word Tokenization</a:t>
+              <a:t>4. </a:t>
+            </a:r>
+            <a:r>
+              <a:rPr lang="en-GB" altLang="en-US" sz="2000">
+                <a:latin typeface="Times New Roman" panose="02020603050405020304" charset="0"/>
+                <a:cs typeface="Times New Roman" panose="02020603050405020304" charset="0"/>
+              </a:rPr>
+              <a:t>Reducing texts to individual words</a:t>
             </a:r>
             <a:endParaRPr lang="en-US" altLang="en-GB" sz="2000">
               <a:latin typeface="Times New Roman" panose="02020603050405020304" charset="0"/>
@@ -7466,7 +6766,14 @@
                 <a:latin typeface="Times New Roman" panose="02020603050405020304" charset="0"/>
                 <a:cs typeface="Times New Roman" panose="02020603050405020304" charset="0"/>
               </a:rPr>
-              <a:t>5. Applying Regular Expressions (Regex)</a:t>
+              <a:t>5. </a:t>
+            </a:r>
+            <a:r>
+              <a:rPr lang="en-GB" altLang="en-US" sz="2000">
+                <a:latin typeface="Times New Roman" panose="02020603050405020304" charset="0"/>
+                <a:cs typeface="Times New Roman" panose="02020603050405020304" charset="0"/>
+              </a:rPr>
+              <a:t>Removing hashtags, commas and other expressions</a:t>
             </a:r>
             <a:endParaRPr lang="en-US" altLang="en-GB" sz="2000">
               <a:latin typeface="Times New Roman" panose="02020603050405020304" charset="0"/>
@@ -7522,9 +6829,9 @@
 </file>
 
 <file path=ppt/theme/theme1.xml><?xml version="1.0" encoding="utf-8"?>
-<a:theme xmlns:a="http://schemas.openxmlformats.org/drawingml/2006/main" name="Business Cooperate">
+<a:theme xmlns:a="http://schemas.openxmlformats.org/drawingml/2006/main" name="Communications and Dialogues">
   <a:themeElements>
-    <a:clrScheme name="Business Cooperate 1">
+    <a:clrScheme name="Communications and Dialogues 13">
       <a:dk1>
         <a:srgbClr val="000000"/>
       </a:dk1>
@@ -7535,13 +6842,13 @@
         <a:srgbClr val="000000"/>
       </a:dk2>
       <a:lt2>
-        <a:srgbClr val="808080"/>
+        <a:srgbClr val="969696"/>
       </a:lt2>
       <a:accent1>
-        <a:srgbClr val="BBE0E3"/>
+        <a:srgbClr val="0066CC"/>
       </a:accent1>
       <a:accent2>
-        <a:srgbClr val="333399"/>
+        <a:srgbClr val="3399FF"/>
       </a:accent2>
       <a:accent3>
         <a:srgbClr val="FFFFFF"/>
@@ -7550,19 +6857,19 @@
         <a:srgbClr val="000000"/>
       </a:accent4>
       <a:accent5>
-        <a:srgbClr val="DAEDEF"/>
+        <a:srgbClr val="AAB8E2"/>
       </a:accent5>
       <a:accent6>
-        <a:srgbClr val="2D2D8A"/>
+        <a:srgbClr val="2D8AE7"/>
       </a:accent6>
       <a:hlink>
-        <a:srgbClr val="009999"/>
+        <a:srgbClr val="CC3300"/>
       </a:hlink>
       <a:folHlink>
-        <a:srgbClr val="99CC00"/>
+        <a:srgbClr val="996600"/>
       </a:folHlink>
     </a:clrScheme>
-    <a:fontScheme name="Business Cooperate">
+    <a:fontScheme name="Communications and Dialogues">
       <a:majorFont>
         <a:latin typeface="Arial"/>
         <a:ea typeface="SimSun"/>
@@ -7846,7 +7153,7 @@
   </a:objectDefaults>
   <a:extraClrSchemeLst>
     <a:extraClrScheme>
-      <a:clrScheme name="Business Cooperate 1">
+      <a:clrScheme name="Communications and Dialogues 1">
         <a:dk1>
           <a:srgbClr val="000000"/>
         </a:dk1>
@@ -7887,7 +7194,7 @@
       <a:clrMap bg1="lt1" tx1="dk1" bg2="lt2" tx2="dk2" accent1="accent1" accent2="accent2" accent3="accent3" accent4="accent4" accent5="accent5" accent6="accent6" hlink="hlink" folHlink="folHlink"/>
     </a:extraClrScheme>
     <a:extraClrScheme>
-      <a:clrScheme name="Business Cooperate 2">
+      <a:clrScheme name="Communications and Dialogues 2">
         <a:dk1>
           <a:srgbClr val="000000"/>
         </a:dk1>
@@ -7928,7 +7235,7 @@
       <a:clrMap bg1="lt1" tx1="dk1" bg2="lt2" tx2="dk2" accent1="accent1" accent2="accent2" accent3="accent3" accent4="accent4" accent5="accent5" accent6="accent6" hlink="hlink" folHlink="folHlink"/>
     </a:extraClrScheme>
     <a:extraClrScheme>
-      <a:clrScheme name="Business Cooperate 3">
+      <a:clrScheme name="Communications and Dialogues 3">
         <a:dk1>
           <a:srgbClr val="000000"/>
         </a:dk1>
@@ -7969,7 +7276,7 @@
       <a:clrMap bg1="lt1" tx1="dk1" bg2="lt2" tx2="dk2" accent1="accent1" accent2="accent2" accent3="accent3" accent4="accent4" accent5="accent5" accent6="accent6" hlink="hlink" folHlink="folHlink"/>
     </a:extraClrScheme>
     <a:extraClrScheme>
-      <a:clrScheme name="Business Cooperate 4">
+      <a:clrScheme name="Communications and Dialogues 4">
         <a:dk1>
           <a:srgbClr val="000000"/>
         </a:dk1>
@@ -8010,7 +7317,7 @@
       <a:clrMap bg1="lt1" tx1="dk1" bg2="lt2" tx2="dk2" accent1="accent1" accent2="accent2" accent3="accent3" accent4="accent4" accent5="accent5" accent6="accent6" hlink="hlink" folHlink="folHlink"/>
     </a:extraClrScheme>
     <a:extraClrScheme>
-      <a:clrScheme name="Business Cooperate 5">
+      <a:clrScheme name="Communications and Dialogues 5">
         <a:dk1>
           <a:srgbClr val="000000"/>
         </a:dk1>
@@ -8051,7 +7358,7 @@
       <a:clrMap bg1="lt1" tx1="dk1" bg2="lt2" tx2="dk2" accent1="accent1" accent2="accent2" accent3="accent3" accent4="accent4" accent5="accent5" accent6="accent6" hlink="hlink" folHlink="folHlink"/>
     </a:extraClrScheme>
     <a:extraClrScheme>
-      <a:clrScheme name="Business Cooperate 6">
+      <a:clrScheme name="Communications and Dialogues 6">
         <a:dk1>
           <a:srgbClr val="005A58"/>
         </a:dk1>
@@ -8092,7 +7399,7 @@
       <a:clrMap bg1="dk2" tx1="lt1" bg2="dk1" tx2="lt2" accent1="accent1" accent2="accent2" accent3="accent3" accent4="accent4" accent5="accent5" accent6="accent6" hlink="hlink" folHlink="folHlink"/>
     </a:extraClrScheme>
     <a:extraClrScheme>
-      <a:clrScheme name="Business Cooperate 7">
+      <a:clrScheme name="Communications and Dialogues 7">
         <a:dk1>
           <a:srgbClr val="5C1F00"/>
         </a:dk1>
@@ -8133,7 +7440,7 @@
       <a:clrMap bg1="dk2" tx1="lt1" bg2="dk1" tx2="lt2" accent1="accent1" accent2="accent2" accent3="accent3" accent4="accent4" accent5="accent5" accent6="accent6" hlink="hlink" folHlink="folHlink"/>
     </a:extraClrScheme>
     <a:extraClrScheme>
-      <a:clrScheme name="Business Cooperate 8">
+      <a:clrScheme name="Communications and Dialogues 8">
         <a:dk1>
           <a:srgbClr val="003366"/>
         </a:dk1>
@@ -8174,7 +7481,7 @@
       <a:clrMap bg1="dk2" tx1="lt1" bg2="dk1" tx2="lt2" accent1="accent1" accent2="accent2" accent3="accent3" accent4="accent4" accent5="accent5" accent6="accent6" hlink="hlink" folHlink="folHlink"/>
     </a:extraClrScheme>
     <a:extraClrScheme>
-      <a:clrScheme name="Business Cooperate 9">
+      <a:clrScheme name="Communications and Dialogues 9">
         <a:dk1>
           <a:srgbClr val="336699"/>
         </a:dk1>
@@ -8215,7 +7522,7 @@
       <a:clrMap bg1="dk2" tx1="lt1" bg2="dk1" tx2="lt2" accent1="accent1" accent2="accent2" accent3="accent3" accent4="accent4" accent5="accent5" accent6="accent6" hlink="hlink" folHlink="folHlink"/>
     </a:extraClrScheme>
     <a:extraClrScheme>
-      <a:clrScheme name="Business Cooperate 10">
+      <a:clrScheme name="Communications and Dialogues 10">
         <a:dk1>
           <a:srgbClr val="777777"/>
         </a:dk1>
@@ -8256,7 +7563,7 @@
       <a:clrMap bg1="dk2" tx1="lt1" bg2="dk1" tx2="lt2" accent1="accent1" accent2="accent2" accent3="accent3" accent4="accent4" accent5="accent5" accent6="accent6" hlink="hlink" folHlink="folHlink"/>
     </a:extraClrScheme>
     <a:extraClrScheme>
-      <a:clrScheme name="Business Cooperate 11">
+      <a:clrScheme name="Communications and Dialogues 11">
         <a:dk1>
           <a:srgbClr val="3E3E5C"/>
         </a:dk1>
@@ -8297,7 +7604,7 @@
       <a:clrMap bg1="dk2" tx1="lt1" bg2="dk1" tx2="lt2" accent1="accent1" accent2="accent2" accent3="accent3" accent4="accent4" accent5="accent5" accent6="accent6" hlink="hlink" folHlink="folHlink"/>
     </a:extraClrScheme>
     <a:extraClrScheme>
-      <a:clrScheme name="Business Cooperate 12">
+      <a:clrScheme name="Communications and Dialogues 12">
         <a:dk1>
           <a:srgbClr val="2D2015"/>
         </a:dk1>
@@ -8336,6 +7643,47 @@
         </a:folHlink>
       </a:clrScheme>
       <a:clrMap bg1="dk2" tx1="lt1" bg2="dk1" tx2="lt2" accent1="accent1" accent2="accent2" accent3="accent3" accent4="accent4" accent5="accent5" accent6="accent6" hlink="hlink" folHlink="folHlink"/>
+    </a:extraClrScheme>
+    <a:extraClrScheme>
+      <a:clrScheme name="Communications and Dialogues 13">
+        <a:dk1>
+          <a:srgbClr val="000000"/>
+        </a:dk1>
+        <a:lt1>
+          <a:srgbClr val="FFFFFF"/>
+        </a:lt1>
+        <a:dk2>
+          <a:srgbClr val="000000"/>
+        </a:dk2>
+        <a:lt2>
+          <a:srgbClr val="969696"/>
+        </a:lt2>
+        <a:accent1>
+          <a:srgbClr val="0066CC"/>
+        </a:accent1>
+        <a:accent2>
+          <a:srgbClr val="3399FF"/>
+        </a:accent2>
+        <a:accent3>
+          <a:srgbClr val="FFFFFF"/>
+        </a:accent3>
+        <a:accent4>
+          <a:srgbClr val="000000"/>
+        </a:accent4>
+        <a:accent5>
+          <a:srgbClr val="AAB8E2"/>
+        </a:accent5>
+        <a:accent6>
+          <a:srgbClr val="2D8AE7"/>
+        </a:accent6>
+        <a:hlink>
+          <a:srgbClr val="CC3300"/>
+        </a:hlink>
+        <a:folHlink>
+          <a:srgbClr val="996600"/>
+        </a:folHlink>
+      </a:clrScheme>
+      <a:clrMap bg1="lt1" tx1="dk1" bg2="lt2" tx2="dk2" accent1="accent1" accent2="accent2" accent3="accent3" accent4="accent4" accent5="accent5" accent6="accent6" hlink="hlink" folHlink="folHlink"/>
     </a:extraClrScheme>
   </a:extraClrSchemeLst>
   <a:extLst>
